--- a/History/Parliamentarism_In_Russia_Beggining.pptx
+++ b/History/Parliamentarism_In_Russia_Beggining.pptx
@@ -2,7 +2,7 @@
 <file path=ppt/presentation.xml><?xml version="1.0" encoding="utf-8"?>
 <p:presentation xmlns:a="http://schemas.openxmlformats.org/drawingml/2006/main" xmlns:r="http://schemas.openxmlformats.org/officeDocument/2006/relationships" xmlns:p="http://schemas.openxmlformats.org/presentationml/2006/main" saveSubsetFonts="1">
   <p:sldMasterIdLst>
-    <p:sldMasterId id="2147483660" r:id="rId1"/>
+    <p:sldMasterId id="2147483684" r:id="rId1"/>
   </p:sldMasterIdLst>
   <p:sldIdLst>
     <p:sldId id="256" r:id="rId2"/>
@@ -121,18 +121,8 @@
 </file>
 
 <file path=ppt/slideLayouts/slideLayout1.xml><?xml version="1.0" encoding="utf-8"?>
-<p:sldLayout xmlns:a="http://schemas.openxmlformats.org/drawingml/2006/main" xmlns:r="http://schemas.openxmlformats.org/officeDocument/2006/relationships" xmlns:p="http://schemas.openxmlformats.org/presentationml/2006/main" showMasterSp="0" type="title" preserve="1">
+<p:sldLayout xmlns:a="http://schemas.openxmlformats.org/drawingml/2006/main" xmlns:r="http://schemas.openxmlformats.org/officeDocument/2006/relationships" xmlns:p="http://schemas.openxmlformats.org/presentationml/2006/main" type="title" preserve="1">
   <p:cSld name="Титульный слайд">
-    <p:bg>
-      <p:bgPr>
-        <a:solidFill>
-          <a:schemeClr val="bg2">
-            <a:lumMod val="75000"/>
-          </a:schemeClr>
-        </a:solidFill>
-        <a:effectLst/>
-      </p:bgPr>
-    </p:bg>
     <p:spTree>
       <p:nvGrpSpPr>
         <p:cNvPr id="1" name=""/>
@@ -159,8 +149,8 @@
         </p:nvSpPr>
         <p:spPr>
           <a:xfrm>
-            <a:off x="1261872" y="758952"/>
-            <a:ext cx="9418320" cy="4041648"/>
+            <a:off x="1370693" y="1769540"/>
+            <a:ext cx="9440034" cy="1828801"/>
           </a:xfrm>
         </p:spPr>
         <p:txBody>
@@ -168,185 +158,192 @@
             <a:normAutofit/>
           </a:bodyPr>
           <a:lstStyle>
-            <a:lvl1pPr algn="l">
-              <a:lnSpc>
-                <a:spcPct val="85000"/>
-              </a:lnSpc>
-              <a:defRPr sz="7200" baseline="0">
+            <a:lvl1pPr algn="ctr">
+              <a:defRPr sz="5400"/>
+            </a:lvl1pPr>
+          </a:lstStyle>
+          <a:p>
+            <a:r>
+              <a:rPr lang="ru-RU"/>
+              <a:t>Образец заголовка</a:t>
+            </a:r>
+            <a:endParaRPr lang="en-US" dirty="0"/>
+          </a:p>
+        </p:txBody>
+      </p:sp>
+      <p:sp>
+        <p:nvSpPr>
+          <p:cNvPr id="3" name="Subtitle 2"/>
+          <p:cNvSpPr>
+            <a:spLocks noGrp="1"/>
+          </p:cNvSpPr>
+          <p:nvPr>
+            <p:ph type="subTitle" idx="1"/>
+          </p:nvPr>
+        </p:nvSpPr>
+        <p:spPr>
+          <a:xfrm>
+            <a:off x="1370693" y="3598339"/>
+            <a:ext cx="9440034" cy="1049867"/>
+          </a:xfrm>
+        </p:spPr>
+        <p:txBody>
+          <a:bodyPr anchor="t"/>
+          <a:lstStyle>
+            <a:lvl1pPr marL="0" indent="0" algn="ctr">
+              <a:buNone/>
+              <a:defRPr>
                 <a:solidFill>
                   <a:schemeClr val="tx1"/>
                 </a:solidFill>
               </a:defRPr>
             </a:lvl1pPr>
-          </a:lstStyle>
-          <a:p>
-            <a:r>
-              <a:rPr lang="ru-RU"/>
-              <a:t>Образец заголовка</a:t>
-            </a:r>
-            <a:endParaRPr lang="en-US" dirty="0"/>
-          </a:p>
-        </p:txBody>
-      </p:sp>
-      <p:sp>
-        <p:nvSpPr>
-          <p:cNvPr id="3" name="Subtitle 2"/>
-          <p:cNvSpPr>
-            <a:spLocks noGrp="1"/>
-          </p:cNvSpPr>
-          <p:nvPr>
-            <p:ph type="subTitle" idx="1"/>
-          </p:nvPr>
-        </p:nvSpPr>
-        <p:spPr>
-          <a:xfrm>
-            <a:off x="1261872" y="4800600"/>
-            <a:ext cx="9418320" cy="1691640"/>
-          </a:xfrm>
-        </p:spPr>
-        <p:txBody>
-          <a:bodyPr>
-            <a:normAutofit/>
-          </a:bodyPr>
-          <a:lstStyle>
-            <a:lvl1pPr marL="0" indent="0" algn="l">
-              <a:buNone/>
-              <a:defRPr sz="2200" baseline="0">
+            <a:lvl2pPr marL="457200" indent="0" algn="ctr">
+              <a:buNone/>
+              <a:defRPr>
                 <a:solidFill>
                   <a:schemeClr val="tx1">
-                    <a:lumMod val="75000"/>
+                    <a:tint val="75000"/>
                   </a:schemeClr>
                 </a:solidFill>
               </a:defRPr>
-            </a:lvl1pPr>
-            <a:lvl2pPr marL="457200" indent="0" algn="ctr">
-              <a:buNone/>
-              <a:defRPr sz="2200"/>
             </a:lvl2pPr>
             <a:lvl3pPr marL="914400" indent="0" algn="ctr">
               <a:buNone/>
-              <a:defRPr sz="2200"/>
-            </a:lvl3pPr>
-            <a:lvl4pPr marL="1371600" indent="0" algn="ctr">
-              <a:buNone/>
-              <a:defRPr sz="2000"/>
-            </a:lvl4pPr>
-            <a:lvl5pPr marL="1828800" indent="0" algn="ctr">
-              <a:buNone/>
-              <a:defRPr sz="2000"/>
-            </a:lvl5pPr>
-            <a:lvl6pPr marL="2286000" indent="0" algn="ctr">
-              <a:buNone/>
-              <a:defRPr sz="2000"/>
-            </a:lvl6pPr>
-            <a:lvl7pPr marL="2743200" indent="0" algn="ctr">
-              <a:buNone/>
-              <a:defRPr sz="2000"/>
-            </a:lvl7pPr>
-            <a:lvl8pPr marL="3200400" indent="0" algn="ctr">
-              <a:buNone/>
-              <a:defRPr sz="2000"/>
-            </a:lvl8pPr>
-            <a:lvl9pPr marL="3657600" indent="0" algn="ctr">
-              <a:buNone/>
-              <a:defRPr sz="2000"/>
-            </a:lvl9pPr>
-          </a:lstStyle>
-          <a:p>
-            <a:r>
-              <a:rPr lang="ru-RU"/>
-              <a:t>Образец подзаголовка</a:t>
-            </a:r>
-            <a:endParaRPr lang="en-US" dirty="0"/>
-          </a:p>
-        </p:txBody>
-      </p:sp>
-      <p:sp>
-        <p:nvSpPr>
-          <p:cNvPr id="4" name="Date Placeholder 3"/>
-          <p:cNvSpPr>
-            <a:spLocks noGrp="1"/>
-          </p:cNvSpPr>
-          <p:nvPr>
-            <p:ph type="dt" sz="half" idx="10"/>
-          </p:nvPr>
-        </p:nvSpPr>
-        <p:spPr/>
-        <p:txBody>
-          <a:bodyPr/>
-          <a:lstStyle>
-            <a:lvl1pPr>
               <a:defRPr>
                 <a:solidFill>
                   <a:schemeClr val="tx1">
-                    <a:lumMod val="50000"/>
+                    <a:tint val="75000"/>
                   </a:schemeClr>
                 </a:solidFill>
               </a:defRPr>
-            </a:lvl1pPr>
-          </a:lstStyle>
-          <a:p>
-            <a:fld id="{48ACC1D5-29FF-4169-8DB3-B8220BD14816}" type="datetimeFigureOut">
-              <a:rPr lang="en-001" smtClean="0"/>
-              <a:t>17/11/2020</a:t>
-            </a:fld>
-            <a:endParaRPr lang="en-001"/>
-          </a:p>
-        </p:txBody>
-      </p:sp>
-      <p:sp>
-        <p:nvSpPr>
-          <p:cNvPr id="5" name="Footer Placeholder 4"/>
-          <p:cNvSpPr>
-            <a:spLocks noGrp="1"/>
-          </p:cNvSpPr>
-          <p:nvPr>
-            <p:ph type="ftr" sz="quarter" idx="11"/>
-          </p:nvPr>
-        </p:nvSpPr>
-        <p:spPr/>
-        <p:txBody>
-          <a:bodyPr/>
-          <a:lstStyle>
-            <a:lvl1pPr>
+            </a:lvl3pPr>
+            <a:lvl4pPr marL="1371600" indent="0" algn="ctr">
+              <a:buNone/>
               <a:defRPr>
                 <a:solidFill>
                   <a:schemeClr val="tx1">
-                    <a:lumMod val="65000"/>
+                    <a:tint val="75000"/>
                   </a:schemeClr>
                 </a:solidFill>
               </a:defRPr>
-            </a:lvl1pPr>
-          </a:lstStyle>
-          <a:p>
-            <a:endParaRPr lang="en-001"/>
-          </a:p>
-        </p:txBody>
-      </p:sp>
-      <p:sp>
-        <p:nvSpPr>
-          <p:cNvPr id="6" name="Slide Number Placeholder 5"/>
-          <p:cNvSpPr>
-            <a:spLocks noGrp="1"/>
-          </p:cNvSpPr>
-          <p:nvPr>
-            <p:ph type="sldNum" sz="quarter" idx="12"/>
-          </p:nvPr>
-        </p:nvSpPr>
-        <p:spPr/>
-        <p:txBody>
-          <a:bodyPr/>
-          <a:lstStyle>
-            <a:lvl1pPr>
+            </a:lvl4pPr>
+            <a:lvl5pPr marL="1828800" indent="0" algn="ctr">
+              <a:buNone/>
               <a:defRPr>
                 <a:solidFill>
                   <a:schemeClr val="tx1">
-                    <a:lumMod val="65000"/>
+                    <a:tint val="75000"/>
                   </a:schemeClr>
                 </a:solidFill>
               </a:defRPr>
-            </a:lvl1pPr>
+            </a:lvl5pPr>
+            <a:lvl6pPr marL="2286000" indent="0" algn="ctr">
+              <a:buNone/>
+              <a:defRPr>
+                <a:solidFill>
+                  <a:schemeClr val="tx1">
+                    <a:tint val="75000"/>
+                  </a:schemeClr>
+                </a:solidFill>
+              </a:defRPr>
+            </a:lvl6pPr>
+            <a:lvl7pPr marL="2743200" indent="0" algn="ctr">
+              <a:buNone/>
+              <a:defRPr>
+                <a:solidFill>
+                  <a:schemeClr val="tx1">
+                    <a:tint val="75000"/>
+                  </a:schemeClr>
+                </a:solidFill>
+              </a:defRPr>
+            </a:lvl7pPr>
+            <a:lvl8pPr marL="3200400" indent="0" algn="ctr">
+              <a:buNone/>
+              <a:defRPr>
+                <a:solidFill>
+                  <a:schemeClr val="tx1">
+                    <a:tint val="75000"/>
+                  </a:schemeClr>
+                </a:solidFill>
+              </a:defRPr>
+            </a:lvl8pPr>
+            <a:lvl9pPr marL="3657600" indent="0" algn="ctr">
+              <a:buNone/>
+              <a:defRPr>
+                <a:solidFill>
+                  <a:schemeClr val="tx1">
+                    <a:tint val="75000"/>
+                  </a:schemeClr>
+                </a:solidFill>
+              </a:defRPr>
+            </a:lvl9pPr>
           </a:lstStyle>
+          <a:p>
+            <a:r>
+              <a:rPr lang="ru-RU"/>
+              <a:t>Образец подзаголовка</a:t>
+            </a:r>
+            <a:endParaRPr lang="en-US" dirty="0"/>
+          </a:p>
+        </p:txBody>
+      </p:sp>
+      <p:sp>
+        <p:nvSpPr>
+          <p:cNvPr id="4" name="Date Placeholder 3"/>
+          <p:cNvSpPr>
+            <a:spLocks noGrp="1"/>
+          </p:cNvSpPr>
+          <p:nvPr>
+            <p:ph type="dt" sz="half" idx="10"/>
+          </p:nvPr>
+        </p:nvSpPr>
+        <p:spPr/>
+        <p:txBody>
+          <a:bodyPr/>
+          <a:lstStyle/>
+          <a:p>
+            <a:fld id="{48ACC1D5-29FF-4169-8DB3-B8220BD14816}" type="datetimeFigureOut">
+              <a:rPr lang="en-001" smtClean="0"/>
+              <a:t>11/30/2020</a:t>
+            </a:fld>
+            <a:endParaRPr lang="en-001"/>
+          </a:p>
+        </p:txBody>
+      </p:sp>
+      <p:sp>
+        <p:nvSpPr>
+          <p:cNvPr id="5" name="Footer Placeholder 4"/>
+          <p:cNvSpPr>
+            <a:spLocks noGrp="1"/>
+          </p:cNvSpPr>
+          <p:nvPr>
+            <p:ph type="ftr" sz="quarter" idx="11"/>
+          </p:nvPr>
+        </p:nvSpPr>
+        <p:spPr/>
+        <p:txBody>
+          <a:bodyPr/>
+          <a:lstStyle/>
+          <a:p>
+            <a:endParaRPr lang="en-001"/>
+          </a:p>
+        </p:txBody>
+      </p:sp>
+      <p:sp>
+        <p:nvSpPr>
+          <p:cNvPr id="6" name="Slide Number Placeholder 5"/>
+          <p:cNvSpPr>
+            <a:spLocks noGrp="1"/>
+          </p:cNvSpPr>
+          <p:nvPr>
+            <p:ph type="sldNum" sz="quarter" idx="12"/>
+          </p:nvPr>
+        </p:nvSpPr>
+        <p:spPr/>
+        <p:txBody>
+          <a:bodyPr/>
+          <a:lstStyle/>
           <a:p>
             <a:fld id="{32D66CF1-7571-40A0-8364-ABC12A71386A}" type="slidenum">
               <a:rPr lang="en-001" smtClean="0"/>
@@ -356,58 +353,2596 @@
           </a:p>
         </p:txBody>
       </p:sp>
-      <p:sp>
-        <p:nvSpPr>
-          <p:cNvPr id="7" name="Rectangle 6"/>
-          <p:cNvSpPr/>
-          <p:nvPr/>
-        </p:nvSpPr>
-        <p:spPr>
-          <a:xfrm>
-            <a:off x="0" y="0"/>
-            <a:ext cx="457200" cy="6858000"/>
-          </a:xfrm>
-          <a:prstGeom prst="rect">
-            <a:avLst/>
-          </a:prstGeom>
-          <a:solidFill>
-            <a:schemeClr val="accent1"/>
-          </a:solidFill>
-          <a:ln>
-            <a:noFill/>
-          </a:ln>
-        </p:spPr>
-        <p:style>
-          <a:lnRef idx="2">
-            <a:schemeClr val="accent1">
-              <a:shade val="50000"/>
-            </a:schemeClr>
-          </a:lnRef>
-          <a:fillRef idx="1">
-            <a:schemeClr val="accent1"/>
-          </a:fillRef>
-          <a:effectRef idx="0">
-            <a:schemeClr val="accent1"/>
-          </a:effectRef>
-          <a:fontRef idx="minor">
-            <a:schemeClr val="lt1"/>
-          </a:fontRef>
-        </p:style>
-      </p:sp>
     </p:spTree>
     <p:extLst>
       <p:ext uri="{BB962C8B-B14F-4D97-AF65-F5344CB8AC3E}">
-        <p14:creationId xmlns:p14="http://schemas.microsoft.com/office/powerpoint/2010/main" val="335955745"/>
+        <p14:creationId xmlns:p14="http://schemas.microsoft.com/office/powerpoint/2010/main" val="2564731610"/>
       </p:ext>
     </p:extLst>
   </p:cSld>
   <p:clrMapOvr>
-    <a:overrideClrMapping bg1="dk1" tx1="lt1" bg2="dk2" tx2="lt2" accent1="accent1" accent2="accent2" accent3="accent3" accent4="accent4" accent5="accent5" accent6="accent6" hlink="hlink" folHlink="folHlink"/>
+    <a:masterClrMapping/>
   </p:clrMapOvr>
 </p:sldLayout>
 </file>
 
 <file path=ppt/slideLayouts/slideLayout10.xml><?xml version="1.0" encoding="utf-8"?>
+<p:sldLayout xmlns:a="http://schemas.openxmlformats.org/drawingml/2006/main" xmlns:r="http://schemas.openxmlformats.org/officeDocument/2006/relationships" xmlns:p="http://schemas.openxmlformats.org/presentationml/2006/main" preserve="1">
+  <p:cSld name="Панорамная фотография с подписью">
+    <p:spTree>
+      <p:nvGrpSpPr>
+        <p:cNvPr id="1" name=""/>
+        <p:cNvGrpSpPr/>
+        <p:nvPr/>
+      </p:nvGrpSpPr>
+      <p:grpSpPr>
+        <a:xfrm>
+          <a:off x="0" y="0"/>
+          <a:ext cx="0" cy="0"/>
+          <a:chOff x="0" y="0"/>
+          <a:chExt cx="0" cy="0"/>
+        </a:xfrm>
+      </p:grpSpPr>
+      <p:pic>
+        <p:nvPicPr>
+          <p:cNvPr id="16" name="Picture 15" descr="Slate-V2-HD-panoPhotoInset.png"/>
+          <p:cNvPicPr>
+            <a:picLocks noChangeAspect="1"/>
+          </p:cNvPicPr>
+          <p:nvPr/>
+        </p:nvPicPr>
+        <p:blipFill>
+          <a:blip r:embed="rId2">
+            <a:extLst>
+              <a:ext uri="{28A0092B-C50C-407E-A947-70E740481C1C}">
+                <a14:useLocalDpi xmlns:a14="http://schemas.microsoft.com/office/drawing/2010/main" val="0"/>
+              </a:ext>
+            </a:extLst>
+          </a:blip>
+          <a:stretch>
+            <a:fillRect/>
+          </a:stretch>
+        </p:blipFill>
+        <p:spPr>
+          <a:xfrm>
+            <a:off x="1013883" y="547807"/>
+            <a:ext cx="10141799" cy="3816806"/>
+          </a:xfrm>
+          <a:prstGeom prst="rect">
+            <a:avLst/>
+          </a:prstGeom>
+        </p:spPr>
+      </p:pic>
+      <p:sp>
+        <p:nvSpPr>
+          <p:cNvPr id="2" name="Title 1"/>
+          <p:cNvSpPr>
+            <a:spLocks noGrp="1"/>
+          </p:cNvSpPr>
+          <p:nvPr>
+            <p:ph type="title"/>
+          </p:nvPr>
+        </p:nvSpPr>
+        <p:spPr>
+          <a:xfrm>
+            <a:off x="913806" y="4565255"/>
+            <a:ext cx="10355326" cy="543472"/>
+          </a:xfrm>
+        </p:spPr>
+        <p:txBody>
+          <a:bodyPr anchor="b">
+            <a:normAutofit/>
+          </a:bodyPr>
+          <a:lstStyle>
+            <a:lvl1pPr algn="ctr">
+              <a:defRPr sz="2800"/>
+            </a:lvl1pPr>
+          </a:lstStyle>
+          <a:p>
+            <a:r>
+              <a:rPr lang="ru-RU"/>
+              <a:t>Образец заголовка</a:t>
+            </a:r>
+            <a:endParaRPr lang="en-US" dirty="0"/>
+          </a:p>
+        </p:txBody>
+      </p:sp>
+      <p:sp>
+        <p:nvSpPr>
+          <p:cNvPr id="3" name="Picture Placeholder 2"/>
+          <p:cNvSpPr>
+            <a:spLocks noGrp="1" noChangeAspect="1"/>
+          </p:cNvSpPr>
+          <p:nvPr>
+            <p:ph type="pic" idx="1"/>
+          </p:nvPr>
+        </p:nvSpPr>
+        <p:spPr>
+          <a:xfrm>
+            <a:off x="1169349" y="695009"/>
+            <a:ext cx="9845346" cy="3525671"/>
+          </a:xfrm>
+          <a:effectLst>
+            <a:outerShdw blurRad="38100" dist="25400" dir="4440000">
+              <a:srgbClr val="000000">
+                <a:alpha val="36000"/>
+              </a:srgbClr>
+            </a:outerShdw>
+          </a:effectLst>
+        </p:spPr>
+        <p:txBody>
+          <a:bodyPr anchor="t">
+            <a:normAutofit/>
+          </a:bodyPr>
+          <a:lstStyle>
+            <a:lvl1pPr marL="0" indent="0" algn="ctr">
+              <a:buNone/>
+              <a:defRPr sz="2000"/>
+            </a:lvl1pPr>
+            <a:lvl2pPr marL="457200" indent="0">
+              <a:buNone/>
+              <a:defRPr sz="2000"/>
+            </a:lvl2pPr>
+            <a:lvl3pPr marL="914400" indent="0">
+              <a:buNone/>
+              <a:defRPr sz="2000"/>
+            </a:lvl3pPr>
+            <a:lvl4pPr marL="1371600" indent="0">
+              <a:buNone/>
+              <a:defRPr sz="2000"/>
+            </a:lvl4pPr>
+            <a:lvl5pPr marL="1828800" indent="0">
+              <a:buNone/>
+              <a:defRPr sz="2000"/>
+            </a:lvl5pPr>
+            <a:lvl6pPr marL="2286000" indent="0">
+              <a:buNone/>
+              <a:defRPr sz="2000"/>
+            </a:lvl6pPr>
+            <a:lvl7pPr marL="2743200" indent="0">
+              <a:buNone/>
+              <a:defRPr sz="2000"/>
+            </a:lvl7pPr>
+            <a:lvl8pPr marL="3200400" indent="0">
+              <a:buNone/>
+              <a:defRPr sz="2000"/>
+            </a:lvl8pPr>
+            <a:lvl9pPr marL="3657600" indent="0">
+              <a:buNone/>
+              <a:defRPr sz="2000"/>
+            </a:lvl9pPr>
+          </a:lstStyle>
+          <a:p>
+            <a:r>
+              <a:rPr lang="ru-RU"/>
+              <a:t>Вставка рисунка</a:t>
+            </a:r>
+            <a:endParaRPr lang="en-US" dirty="0"/>
+          </a:p>
+        </p:txBody>
+      </p:sp>
+      <p:sp>
+        <p:nvSpPr>
+          <p:cNvPr id="4" name="Text Placeholder 3"/>
+          <p:cNvSpPr>
+            <a:spLocks noGrp="1"/>
+          </p:cNvSpPr>
+          <p:nvPr>
+            <p:ph type="body" sz="half" idx="2"/>
+          </p:nvPr>
+        </p:nvSpPr>
+        <p:spPr>
+          <a:xfrm>
+            <a:off x="913795" y="5108728"/>
+            <a:ext cx="10353762" cy="682472"/>
+          </a:xfrm>
+        </p:spPr>
+        <p:txBody>
+          <a:bodyPr anchor="t"/>
+          <a:lstStyle>
+            <a:lvl1pPr marL="0" indent="0" algn="ctr">
+              <a:buNone/>
+              <a:defRPr sz="1600"/>
+            </a:lvl1pPr>
+            <a:lvl2pPr marL="457200" indent="0">
+              <a:buNone/>
+              <a:defRPr sz="1400"/>
+            </a:lvl2pPr>
+            <a:lvl3pPr marL="914400" indent="0">
+              <a:buNone/>
+              <a:defRPr sz="1200"/>
+            </a:lvl3pPr>
+            <a:lvl4pPr marL="1371600" indent="0">
+              <a:buNone/>
+              <a:defRPr sz="1000"/>
+            </a:lvl4pPr>
+            <a:lvl5pPr marL="1828800" indent="0">
+              <a:buNone/>
+              <a:defRPr sz="1000"/>
+            </a:lvl5pPr>
+            <a:lvl6pPr marL="2286000" indent="0">
+              <a:buNone/>
+              <a:defRPr sz="1000"/>
+            </a:lvl6pPr>
+            <a:lvl7pPr marL="2743200" indent="0">
+              <a:buNone/>
+              <a:defRPr sz="1000"/>
+            </a:lvl7pPr>
+            <a:lvl8pPr marL="3200400" indent="0">
+              <a:buNone/>
+              <a:defRPr sz="1000"/>
+            </a:lvl8pPr>
+            <a:lvl9pPr marL="3657600" indent="0">
+              <a:buNone/>
+              <a:defRPr sz="1000"/>
+            </a:lvl9pPr>
+          </a:lstStyle>
+          <a:p>
+            <a:pPr lvl="0"/>
+            <a:r>
+              <a:rPr lang="ru-RU"/>
+              <a:t>Образец текста</a:t>
+            </a:r>
+          </a:p>
+        </p:txBody>
+      </p:sp>
+      <p:sp>
+        <p:nvSpPr>
+          <p:cNvPr id="5" name="Date Placeholder 4"/>
+          <p:cNvSpPr>
+            <a:spLocks noGrp="1"/>
+          </p:cNvSpPr>
+          <p:nvPr>
+            <p:ph type="dt" sz="half" idx="10"/>
+          </p:nvPr>
+        </p:nvSpPr>
+        <p:spPr/>
+        <p:txBody>
+          <a:bodyPr/>
+          <a:lstStyle/>
+          <a:p>
+            <a:fld id="{48ACC1D5-29FF-4169-8DB3-B8220BD14816}" type="datetimeFigureOut">
+              <a:rPr lang="en-001" smtClean="0"/>
+              <a:t>11/30/2020</a:t>
+            </a:fld>
+            <a:endParaRPr lang="en-001"/>
+          </a:p>
+        </p:txBody>
+      </p:sp>
+      <p:sp>
+        <p:nvSpPr>
+          <p:cNvPr id="6" name="Footer Placeholder 5"/>
+          <p:cNvSpPr>
+            <a:spLocks noGrp="1"/>
+          </p:cNvSpPr>
+          <p:nvPr>
+            <p:ph type="ftr" sz="quarter" idx="11"/>
+          </p:nvPr>
+        </p:nvSpPr>
+        <p:spPr/>
+        <p:txBody>
+          <a:bodyPr/>
+          <a:lstStyle/>
+          <a:p>
+            <a:endParaRPr lang="en-001"/>
+          </a:p>
+        </p:txBody>
+      </p:sp>
+      <p:sp>
+        <p:nvSpPr>
+          <p:cNvPr id="7" name="Slide Number Placeholder 6"/>
+          <p:cNvSpPr>
+            <a:spLocks noGrp="1"/>
+          </p:cNvSpPr>
+          <p:nvPr>
+            <p:ph type="sldNum" sz="quarter" idx="12"/>
+          </p:nvPr>
+        </p:nvSpPr>
+        <p:spPr/>
+        <p:txBody>
+          <a:bodyPr/>
+          <a:lstStyle/>
+          <a:p>
+            <a:fld id="{32D66CF1-7571-40A0-8364-ABC12A71386A}" type="slidenum">
+              <a:rPr lang="en-001" smtClean="0"/>
+              <a:t>‹#›</a:t>
+            </a:fld>
+            <a:endParaRPr lang="en-001"/>
+          </a:p>
+        </p:txBody>
+      </p:sp>
+    </p:spTree>
+    <p:extLst>
+      <p:ext uri="{BB962C8B-B14F-4D97-AF65-F5344CB8AC3E}">
+        <p14:creationId xmlns:p14="http://schemas.microsoft.com/office/powerpoint/2010/main" val="2417792475"/>
+      </p:ext>
+    </p:extLst>
+  </p:cSld>
+  <p:clrMapOvr>
+    <a:masterClrMapping/>
+  </p:clrMapOvr>
+</p:sldLayout>
+</file>
+
+<file path=ppt/slideLayouts/slideLayout11.xml><?xml version="1.0" encoding="utf-8"?>
+<p:sldLayout xmlns:a="http://schemas.openxmlformats.org/drawingml/2006/main" xmlns:r="http://schemas.openxmlformats.org/officeDocument/2006/relationships" xmlns:p="http://schemas.openxmlformats.org/presentationml/2006/main" preserve="1">
+  <p:cSld name="Заголовок и подпись">
+    <p:spTree>
+      <p:nvGrpSpPr>
+        <p:cNvPr id="1" name=""/>
+        <p:cNvGrpSpPr/>
+        <p:nvPr/>
+      </p:nvGrpSpPr>
+      <p:grpSpPr>
+        <a:xfrm>
+          <a:off x="0" y="0"/>
+          <a:ext cx="0" cy="0"/>
+          <a:chOff x="0" y="0"/>
+          <a:chExt cx="0" cy="0"/>
+        </a:xfrm>
+      </p:grpSpPr>
+      <p:sp>
+        <p:nvSpPr>
+          <p:cNvPr id="2" name="Title 1"/>
+          <p:cNvSpPr>
+            <a:spLocks noGrp="1"/>
+          </p:cNvSpPr>
+          <p:nvPr>
+            <p:ph type="title"/>
+          </p:nvPr>
+        </p:nvSpPr>
+        <p:spPr>
+          <a:xfrm>
+            <a:off x="913795" y="608437"/>
+            <a:ext cx="10353762" cy="3534344"/>
+          </a:xfrm>
+        </p:spPr>
+        <p:txBody>
+          <a:bodyPr anchor="ctr"/>
+          <a:lstStyle>
+            <a:lvl1pPr>
+              <a:defRPr sz="3200"/>
+            </a:lvl1pPr>
+          </a:lstStyle>
+          <a:p>
+            <a:r>
+              <a:rPr lang="ru-RU"/>
+              <a:t>Образец заголовка</a:t>
+            </a:r>
+            <a:endParaRPr lang="en-US" dirty="0"/>
+          </a:p>
+        </p:txBody>
+      </p:sp>
+      <p:sp>
+        <p:nvSpPr>
+          <p:cNvPr id="4" name="Text Placeholder 3"/>
+          <p:cNvSpPr>
+            <a:spLocks noGrp="1"/>
+          </p:cNvSpPr>
+          <p:nvPr>
+            <p:ph type="body" sz="half" idx="2"/>
+          </p:nvPr>
+        </p:nvSpPr>
+        <p:spPr>
+          <a:xfrm>
+            <a:off x="913794" y="4295180"/>
+            <a:ext cx="10353763" cy="1501826"/>
+          </a:xfrm>
+        </p:spPr>
+        <p:txBody>
+          <a:bodyPr anchor="ctr"/>
+          <a:lstStyle>
+            <a:lvl1pPr marL="0" indent="0" algn="ctr">
+              <a:buNone/>
+              <a:defRPr sz="1600"/>
+            </a:lvl1pPr>
+            <a:lvl2pPr marL="457200" indent="0">
+              <a:buNone/>
+              <a:defRPr sz="1400"/>
+            </a:lvl2pPr>
+            <a:lvl3pPr marL="914400" indent="0">
+              <a:buNone/>
+              <a:defRPr sz="1200"/>
+            </a:lvl3pPr>
+            <a:lvl4pPr marL="1371600" indent="0">
+              <a:buNone/>
+              <a:defRPr sz="1000"/>
+            </a:lvl4pPr>
+            <a:lvl5pPr marL="1828800" indent="0">
+              <a:buNone/>
+              <a:defRPr sz="1000"/>
+            </a:lvl5pPr>
+            <a:lvl6pPr marL="2286000" indent="0">
+              <a:buNone/>
+              <a:defRPr sz="1000"/>
+            </a:lvl6pPr>
+            <a:lvl7pPr marL="2743200" indent="0">
+              <a:buNone/>
+              <a:defRPr sz="1000"/>
+            </a:lvl7pPr>
+            <a:lvl8pPr marL="3200400" indent="0">
+              <a:buNone/>
+              <a:defRPr sz="1000"/>
+            </a:lvl8pPr>
+            <a:lvl9pPr marL="3657600" indent="0">
+              <a:buNone/>
+              <a:defRPr sz="1000"/>
+            </a:lvl9pPr>
+          </a:lstStyle>
+          <a:p>
+            <a:pPr lvl="0"/>
+            <a:r>
+              <a:rPr lang="ru-RU"/>
+              <a:t>Образец текста</a:t>
+            </a:r>
+          </a:p>
+        </p:txBody>
+      </p:sp>
+      <p:sp>
+        <p:nvSpPr>
+          <p:cNvPr id="5" name="Date Placeholder 4"/>
+          <p:cNvSpPr>
+            <a:spLocks noGrp="1"/>
+          </p:cNvSpPr>
+          <p:nvPr>
+            <p:ph type="dt" sz="half" idx="10"/>
+          </p:nvPr>
+        </p:nvSpPr>
+        <p:spPr/>
+        <p:txBody>
+          <a:bodyPr/>
+          <a:lstStyle/>
+          <a:p>
+            <a:fld id="{48ACC1D5-29FF-4169-8DB3-B8220BD14816}" type="datetimeFigureOut">
+              <a:rPr lang="en-001" smtClean="0"/>
+              <a:t>11/30/2020</a:t>
+            </a:fld>
+            <a:endParaRPr lang="en-001"/>
+          </a:p>
+        </p:txBody>
+      </p:sp>
+      <p:sp>
+        <p:nvSpPr>
+          <p:cNvPr id="6" name="Footer Placeholder 5"/>
+          <p:cNvSpPr>
+            <a:spLocks noGrp="1"/>
+          </p:cNvSpPr>
+          <p:nvPr>
+            <p:ph type="ftr" sz="quarter" idx="11"/>
+          </p:nvPr>
+        </p:nvSpPr>
+        <p:spPr/>
+        <p:txBody>
+          <a:bodyPr/>
+          <a:lstStyle/>
+          <a:p>
+            <a:endParaRPr lang="en-001"/>
+          </a:p>
+        </p:txBody>
+      </p:sp>
+      <p:sp>
+        <p:nvSpPr>
+          <p:cNvPr id="7" name="Slide Number Placeholder 6"/>
+          <p:cNvSpPr>
+            <a:spLocks noGrp="1"/>
+          </p:cNvSpPr>
+          <p:nvPr>
+            <p:ph type="sldNum" sz="quarter" idx="12"/>
+          </p:nvPr>
+        </p:nvSpPr>
+        <p:spPr/>
+        <p:txBody>
+          <a:bodyPr/>
+          <a:lstStyle/>
+          <a:p>
+            <a:fld id="{32D66CF1-7571-40A0-8364-ABC12A71386A}" type="slidenum">
+              <a:rPr lang="en-001" smtClean="0"/>
+              <a:t>‹#›</a:t>
+            </a:fld>
+            <a:endParaRPr lang="en-001"/>
+          </a:p>
+        </p:txBody>
+      </p:sp>
+    </p:spTree>
+    <p:extLst>
+      <p:ext uri="{BB962C8B-B14F-4D97-AF65-F5344CB8AC3E}">
+        <p14:creationId xmlns:p14="http://schemas.microsoft.com/office/powerpoint/2010/main" val="3433283437"/>
+      </p:ext>
+    </p:extLst>
+  </p:cSld>
+  <p:clrMapOvr>
+    <a:masterClrMapping/>
+  </p:clrMapOvr>
+</p:sldLayout>
+</file>
+
+<file path=ppt/slideLayouts/slideLayout12.xml><?xml version="1.0" encoding="utf-8"?>
+<p:sldLayout xmlns:a="http://schemas.openxmlformats.org/drawingml/2006/main" xmlns:r="http://schemas.openxmlformats.org/officeDocument/2006/relationships" xmlns:p="http://schemas.openxmlformats.org/presentationml/2006/main" preserve="1">
+  <p:cSld name="Цитата с подписью">
+    <p:spTree>
+      <p:nvGrpSpPr>
+        <p:cNvPr id="1" name=""/>
+        <p:cNvGrpSpPr/>
+        <p:nvPr/>
+      </p:nvGrpSpPr>
+      <p:grpSpPr>
+        <a:xfrm>
+          <a:off x="0" y="0"/>
+          <a:ext cx="0" cy="0"/>
+          <a:chOff x="0" y="0"/>
+          <a:chExt cx="0" cy="0"/>
+        </a:xfrm>
+      </p:grpSpPr>
+      <p:sp>
+        <p:nvSpPr>
+          <p:cNvPr id="2" name="Title 1"/>
+          <p:cNvSpPr>
+            <a:spLocks noGrp="1"/>
+          </p:cNvSpPr>
+          <p:nvPr>
+            <p:ph type="title"/>
+          </p:nvPr>
+        </p:nvSpPr>
+        <p:spPr>
+          <a:xfrm>
+            <a:off x="1446212" y="609600"/>
+            <a:ext cx="9302752" cy="2992904"/>
+          </a:xfrm>
+        </p:spPr>
+        <p:txBody>
+          <a:bodyPr anchor="ctr"/>
+          <a:lstStyle>
+            <a:lvl1pPr>
+              <a:defRPr sz="3200"/>
+            </a:lvl1pPr>
+          </a:lstStyle>
+          <a:p>
+            <a:r>
+              <a:rPr lang="ru-RU"/>
+              <a:t>Образец заголовка</a:t>
+            </a:r>
+            <a:endParaRPr lang="en-US" dirty="0"/>
+          </a:p>
+        </p:txBody>
+      </p:sp>
+      <p:sp>
+        <p:nvSpPr>
+          <p:cNvPr id="12" name="Text Placeholder 3"/>
+          <p:cNvSpPr>
+            <a:spLocks noGrp="1"/>
+          </p:cNvSpPr>
+          <p:nvPr>
+            <p:ph type="body" sz="half" idx="13"/>
+          </p:nvPr>
+        </p:nvSpPr>
+        <p:spPr>
+          <a:xfrm>
+            <a:off x="1720644" y="3610032"/>
+            <a:ext cx="8752299" cy="532749"/>
+          </a:xfrm>
+        </p:spPr>
+        <p:txBody>
+          <a:bodyPr anchor="t">
+            <a:normAutofit/>
+          </a:bodyPr>
+          <a:lstStyle>
+            <a:lvl1pPr marL="0" indent="0" algn="r">
+              <a:buNone/>
+              <a:defRPr sz="1400"/>
+            </a:lvl1pPr>
+            <a:lvl2pPr marL="457200" indent="0">
+              <a:buNone/>
+              <a:defRPr sz="1400"/>
+            </a:lvl2pPr>
+            <a:lvl3pPr marL="914400" indent="0">
+              <a:buNone/>
+              <a:defRPr sz="1200"/>
+            </a:lvl3pPr>
+            <a:lvl4pPr marL="1371600" indent="0">
+              <a:buNone/>
+              <a:defRPr sz="1000"/>
+            </a:lvl4pPr>
+            <a:lvl5pPr marL="1828800" indent="0">
+              <a:buNone/>
+              <a:defRPr sz="1000"/>
+            </a:lvl5pPr>
+            <a:lvl6pPr marL="2286000" indent="0">
+              <a:buNone/>
+              <a:defRPr sz="1000"/>
+            </a:lvl6pPr>
+            <a:lvl7pPr marL="2743200" indent="0">
+              <a:buNone/>
+              <a:defRPr sz="1000"/>
+            </a:lvl7pPr>
+            <a:lvl8pPr marL="3200400" indent="0">
+              <a:buNone/>
+              <a:defRPr sz="1000"/>
+            </a:lvl8pPr>
+            <a:lvl9pPr marL="3657600" indent="0">
+              <a:buNone/>
+              <a:defRPr sz="1000"/>
+            </a:lvl9pPr>
+          </a:lstStyle>
+          <a:p>
+            <a:pPr lvl="0"/>
+            <a:r>
+              <a:rPr lang="ru-RU"/>
+              <a:t>Образец текста</a:t>
+            </a:r>
+          </a:p>
+        </p:txBody>
+      </p:sp>
+      <p:sp>
+        <p:nvSpPr>
+          <p:cNvPr id="4" name="Text Placeholder 3"/>
+          <p:cNvSpPr>
+            <a:spLocks noGrp="1"/>
+          </p:cNvSpPr>
+          <p:nvPr>
+            <p:ph type="body" sz="half" idx="2"/>
+          </p:nvPr>
+        </p:nvSpPr>
+        <p:spPr>
+          <a:xfrm>
+            <a:off x="913794" y="4304353"/>
+            <a:ext cx="10353763" cy="1489496"/>
+          </a:xfrm>
+        </p:spPr>
+        <p:txBody>
+          <a:bodyPr anchor="ctr">
+            <a:normAutofit/>
+          </a:bodyPr>
+          <a:lstStyle>
+            <a:lvl1pPr marL="0" indent="0" algn="ctr">
+              <a:buNone/>
+              <a:defRPr sz="1600"/>
+            </a:lvl1pPr>
+            <a:lvl2pPr marL="457200" indent="0">
+              <a:buNone/>
+              <a:defRPr sz="1400"/>
+            </a:lvl2pPr>
+            <a:lvl3pPr marL="914400" indent="0">
+              <a:buNone/>
+              <a:defRPr sz="1200"/>
+            </a:lvl3pPr>
+            <a:lvl4pPr marL="1371600" indent="0">
+              <a:buNone/>
+              <a:defRPr sz="1000"/>
+            </a:lvl4pPr>
+            <a:lvl5pPr marL="1828800" indent="0">
+              <a:buNone/>
+              <a:defRPr sz="1000"/>
+            </a:lvl5pPr>
+            <a:lvl6pPr marL="2286000" indent="0">
+              <a:buNone/>
+              <a:defRPr sz="1000"/>
+            </a:lvl6pPr>
+            <a:lvl7pPr marL="2743200" indent="0">
+              <a:buNone/>
+              <a:defRPr sz="1000"/>
+            </a:lvl7pPr>
+            <a:lvl8pPr marL="3200400" indent="0">
+              <a:buNone/>
+              <a:defRPr sz="1000"/>
+            </a:lvl8pPr>
+            <a:lvl9pPr marL="3657600" indent="0">
+              <a:buNone/>
+              <a:defRPr sz="1000"/>
+            </a:lvl9pPr>
+          </a:lstStyle>
+          <a:p>
+            <a:pPr lvl="0"/>
+            <a:r>
+              <a:rPr lang="ru-RU"/>
+              <a:t>Образец текста</a:t>
+            </a:r>
+          </a:p>
+        </p:txBody>
+      </p:sp>
+      <p:sp>
+        <p:nvSpPr>
+          <p:cNvPr id="5" name="Date Placeholder 4"/>
+          <p:cNvSpPr>
+            <a:spLocks noGrp="1"/>
+          </p:cNvSpPr>
+          <p:nvPr>
+            <p:ph type="dt" sz="half" idx="10"/>
+          </p:nvPr>
+        </p:nvSpPr>
+        <p:spPr/>
+        <p:txBody>
+          <a:bodyPr/>
+          <a:lstStyle/>
+          <a:p>
+            <a:fld id="{48ACC1D5-29FF-4169-8DB3-B8220BD14816}" type="datetimeFigureOut">
+              <a:rPr lang="en-001" smtClean="0"/>
+              <a:t>11/30/2020</a:t>
+            </a:fld>
+            <a:endParaRPr lang="en-001"/>
+          </a:p>
+        </p:txBody>
+      </p:sp>
+      <p:sp>
+        <p:nvSpPr>
+          <p:cNvPr id="6" name="Footer Placeholder 5"/>
+          <p:cNvSpPr>
+            <a:spLocks noGrp="1"/>
+          </p:cNvSpPr>
+          <p:nvPr>
+            <p:ph type="ftr" sz="quarter" idx="11"/>
+          </p:nvPr>
+        </p:nvSpPr>
+        <p:spPr/>
+        <p:txBody>
+          <a:bodyPr/>
+          <a:lstStyle/>
+          <a:p>
+            <a:endParaRPr lang="en-001"/>
+          </a:p>
+        </p:txBody>
+      </p:sp>
+      <p:sp>
+        <p:nvSpPr>
+          <p:cNvPr id="7" name="Slide Number Placeholder 6"/>
+          <p:cNvSpPr>
+            <a:spLocks noGrp="1"/>
+          </p:cNvSpPr>
+          <p:nvPr>
+            <p:ph type="sldNum" sz="quarter" idx="12"/>
+          </p:nvPr>
+        </p:nvSpPr>
+        <p:spPr/>
+        <p:txBody>
+          <a:bodyPr/>
+          <a:lstStyle/>
+          <a:p>
+            <a:fld id="{32D66CF1-7571-40A0-8364-ABC12A71386A}" type="slidenum">
+              <a:rPr lang="en-001" smtClean="0"/>
+              <a:t>‹#›</a:t>
+            </a:fld>
+            <a:endParaRPr lang="en-001"/>
+          </a:p>
+        </p:txBody>
+      </p:sp>
+      <p:sp>
+        <p:nvSpPr>
+          <p:cNvPr id="11" name="TextBox 10"/>
+          <p:cNvSpPr txBox="1"/>
+          <p:nvPr/>
+        </p:nvSpPr>
+        <p:spPr>
+          <a:xfrm>
+            <a:off x="990600" y="884796"/>
+            <a:ext cx="609600" cy="584776"/>
+          </a:xfrm>
+          <a:prstGeom prst="rect">
+            <a:avLst/>
+          </a:prstGeom>
+        </p:spPr>
+        <p:txBody>
+          <a:bodyPr vert="horz" lIns="91440" tIns="45720" rIns="91440" bIns="45720" rtlCol="0" anchor="ctr">
+            <a:noAutofit/>
+          </a:bodyPr>
+          <a:lstStyle>
+            <a:lvl1pPr>
+              <a:spcBef>
+                <a:spcPct val="0"/>
+              </a:spcBef>
+              <a:buNone/>
+              <a:defRPr sz="3200" b="0" cap="all">
+                <a:ln w="3175" cmpd="sng">
+                  <a:noFill/>
+                </a:ln>
+                <a:effectLst>
+                  <a:glow rad="38100">
+                    <a:schemeClr val="bg1">
+                      <a:lumMod val="65000"/>
+                      <a:lumOff val="35000"/>
+                      <a:alpha val="40000"/>
+                    </a:schemeClr>
+                  </a:glow>
+                  <a:outerShdw blurRad="28575" dist="38100" dir="14040000" algn="tl" rotWithShape="0">
+                    <a:srgbClr val="000000">
+                      <a:alpha val="25000"/>
+                    </a:srgbClr>
+                  </a:outerShdw>
+                </a:effectLst>
+              </a:defRPr>
+            </a:lvl1pPr>
+            <a:lvl2pPr>
+              <a:defRPr>
+                <a:solidFill>
+                  <a:schemeClr val="tx2"/>
+                </a:solidFill>
+              </a:defRPr>
+            </a:lvl2pPr>
+            <a:lvl3pPr>
+              <a:defRPr>
+                <a:solidFill>
+                  <a:schemeClr val="tx2"/>
+                </a:solidFill>
+              </a:defRPr>
+            </a:lvl3pPr>
+            <a:lvl4pPr>
+              <a:defRPr>
+                <a:solidFill>
+                  <a:schemeClr val="tx2"/>
+                </a:solidFill>
+              </a:defRPr>
+            </a:lvl4pPr>
+            <a:lvl5pPr>
+              <a:defRPr>
+                <a:solidFill>
+                  <a:schemeClr val="tx2"/>
+                </a:solidFill>
+              </a:defRPr>
+            </a:lvl5pPr>
+            <a:lvl6pPr>
+              <a:defRPr>
+                <a:solidFill>
+                  <a:schemeClr val="tx2"/>
+                </a:solidFill>
+              </a:defRPr>
+            </a:lvl6pPr>
+            <a:lvl7pPr>
+              <a:defRPr>
+                <a:solidFill>
+                  <a:schemeClr val="tx2"/>
+                </a:solidFill>
+              </a:defRPr>
+            </a:lvl7pPr>
+            <a:lvl8pPr>
+              <a:defRPr>
+                <a:solidFill>
+                  <a:schemeClr val="tx2"/>
+                </a:solidFill>
+              </a:defRPr>
+            </a:lvl8pPr>
+            <a:lvl9pPr>
+              <a:defRPr>
+                <a:solidFill>
+                  <a:schemeClr val="tx2"/>
+                </a:solidFill>
+              </a:defRPr>
+            </a:lvl9pPr>
+          </a:lstStyle>
+          <a:p>
+            <a:pPr lvl="0"/>
+            <a:r>
+              <a:rPr lang="en-US" sz="8000" dirty="0">
+                <a:solidFill>
+                  <a:schemeClr val="tx1"/>
+                </a:solidFill>
+                <a:effectLst/>
+              </a:rPr>
+              <a:t>“</a:t>
+            </a:r>
+          </a:p>
+        </p:txBody>
+      </p:sp>
+      <p:sp>
+        <p:nvSpPr>
+          <p:cNvPr id="13" name="TextBox 12"/>
+          <p:cNvSpPr txBox="1"/>
+          <p:nvPr/>
+        </p:nvSpPr>
+        <p:spPr>
+          <a:xfrm>
+            <a:off x="10504716" y="2928258"/>
+            <a:ext cx="609600" cy="584776"/>
+          </a:xfrm>
+          <a:prstGeom prst="rect">
+            <a:avLst/>
+          </a:prstGeom>
+        </p:spPr>
+        <p:txBody>
+          <a:bodyPr vert="horz" lIns="91440" tIns="45720" rIns="91440" bIns="45720" rtlCol="0" anchor="ctr">
+            <a:noAutofit/>
+          </a:bodyPr>
+          <a:lstStyle>
+            <a:lvl1pPr>
+              <a:spcBef>
+                <a:spcPct val="0"/>
+              </a:spcBef>
+              <a:buNone/>
+              <a:defRPr sz="3200" b="0" cap="all">
+                <a:ln w="3175" cmpd="sng">
+                  <a:noFill/>
+                </a:ln>
+                <a:effectLst>
+                  <a:glow rad="38100">
+                    <a:schemeClr val="bg1">
+                      <a:lumMod val="65000"/>
+                      <a:lumOff val="35000"/>
+                      <a:alpha val="40000"/>
+                    </a:schemeClr>
+                  </a:glow>
+                  <a:outerShdw blurRad="28575" dist="38100" dir="14040000" algn="tl" rotWithShape="0">
+                    <a:srgbClr val="000000">
+                      <a:alpha val="25000"/>
+                    </a:srgbClr>
+                  </a:outerShdw>
+                </a:effectLst>
+              </a:defRPr>
+            </a:lvl1pPr>
+            <a:lvl2pPr>
+              <a:defRPr>
+                <a:solidFill>
+                  <a:schemeClr val="tx2"/>
+                </a:solidFill>
+              </a:defRPr>
+            </a:lvl2pPr>
+            <a:lvl3pPr>
+              <a:defRPr>
+                <a:solidFill>
+                  <a:schemeClr val="tx2"/>
+                </a:solidFill>
+              </a:defRPr>
+            </a:lvl3pPr>
+            <a:lvl4pPr>
+              <a:defRPr>
+                <a:solidFill>
+                  <a:schemeClr val="tx2"/>
+                </a:solidFill>
+              </a:defRPr>
+            </a:lvl4pPr>
+            <a:lvl5pPr>
+              <a:defRPr>
+                <a:solidFill>
+                  <a:schemeClr val="tx2"/>
+                </a:solidFill>
+              </a:defRPr>
+            </a:lvl5pPr>
+            <a:lvl6pPr>
+              <a:defRPr>
+                <a:solidFill>
+                  <a:schemeClr val="tx2"/>
+                </a:solidFill>
+              </a:defRPr>
+            </a:lvl6pPr>
+            <a:lvl7pPr>
+              <a:defRPr>
+                <a:solidFill>
+                  <a:schemeClr val="tx2"/>
+                </a:solidFill>
+              </a:defRPr>
+            </a:lvl7pPr>
+            <a:lvl8pPr>
+              <a:defRPr>
+                <a:solidFill>
+                  <a:schemeClr val="tx2"/>
+                </a:solidFill>
+              </a:defRPr>
+            </a:lvl8pPr>
+            <a:lvl9pPr>
+              <a:defRPr>
+                <a:solidFill>
+                  <a:schemeClr val="tx2"/>
+                </a:solidFill>
+              </a:defRPr>
+            </a:lvl9pPr>
+          </a:lstStyle>
+          <a:p>
+            <a:pPr lvl="0" algn="r"/>
+            <a:r>
+              <a:rPr lang="en-US" sz="8000" dirty="0">
+                <a:solidFill>
+                  <a:schemeClr val="tx1"/>
+                </a:solidFill>
+                <a:effectLst/>
+              </a:rPr>
+              <a:t>”</a:t>
+            </a:r>
+          </a:p>
+        </p:txBody>
+      </p:sp>
+    </p:spTree>
+    <p:extLst>
+      <p:ext uri="{BB962C8B-B14F-4D97-AF65-F5344CB8AC3E}">
+        <p14:creationId xmlns:p14="http://schemas.microsoft.com/office/powerpoint/2010/main" val="3439049854"/>
+      </p:ext>
+    </p:extLst>
+  </p:cSld>
+  <p:clrMapOvr>
+    <a:masterClrMapping/>
+  </p:clrMapOvr>
+</p:sldLayout>
+</file>
+
+<file path=ppt/slideLayouts/slideLayout13.xml><?xml version="1.0" encoding="utf-8"?>
+<p:sldLayout xmlns:a="http://schemas.openxmlformats.org/drawingml/2006/main" xmlns:r="http://schemas.openxmlformats.org/officeDocument/2006/relationships" xmlns:p="http://schemas.openxmlformats.org/presentationml/2006/main" preserve="1">
+  <p:cSld name="Карточка имени">
+    <p:spTree>
+      <p:nvGrpSpPr>
+        <p:cNvPr id="1" name=""/>
+        <p:cNvGrpSpPr/>
+        <p:nvPr/>
+      </p:nvGrpSpPr>
+      <p:grpSpPr>
+        <a:xfrm>
+          <a:off x="0" y="0"/>
+          <a:ext cx="0" cy="0"/>
+          <a:chOff x="0" y="0"/>
+          <a:chExt cx="0" cy="0"/>
+        </a:xfrm>
+      </p:grpSpPr>
+      <p:sp>
+        <p:nvSpPr>
+          <p:cNvPr id="2" name="Title 1"/>
+          <p:cNvSpPr>
+            <a:spLocks noGrp="1"/>
+          </p:cNvSpPr>
+          <p:nvPr>
+            <p:ph type="title"/>
+          </p:nvPr>
+        </p:nvSpPr>
+        <p:spPr>
+          <a:xfrm>
+            <a:off x="913794" y="2126942"/>
+            <a:ext cx="10353763" cy="2511835"/>
+          </a:xfrm>
+        </p:spPr>
+        <p:txBody>
+          <a:bodyPr anchor="b"/>
+          <a:lstStyle>
+            <a:lvl1pPr>
+              <a:defRPr sz="3200"/>
+            </a:lvl1pPr>
+          </a:lstStyle>
+          <a:p>
+            <a:r>
+              <a:rPr lang="ru-RU"/>
+              <a:t>Образец заголовка</a:t>
+            </a:r>
+            <a:endParaRPr lang="en-US" dirty="0"/>
+          </a:p>
+        </p:txBody>
+      </p:sp>
+      <p:sp>
+        <p:nvSpPr>
+          <p:cNvPr id="4" name="Text Placeholder 3"/>
+          <p:cNvSpPr>
+            <a:spLocks noGrp="1"/>
+          </p:cNvSpPr>
+          <p:nvPr>
+            <p:ph type="body" sz="half" idx="2"/>
+          </p:nvPr>
+        </p:nvSpPr>
+        <p:spPr>
+          <a:xfrm>
+            <a:off x="913784" y="4650556"/>
+            <a:ext cx="10352199" cy="1140644"/>
+          </a:xfrm>
+        </p:spPr>
+        <p:txBody>
+          <a:bodyPr anchor="t"/>
+          <a:lstStyle>
+            <a:lvl1pPr marL="0" indent="0" algn="ctr">
+              <a:buNone/>
+              <a:defRPr sz="1600"/>
+            </a:lvl1pPr>
+            <a:lvl2pPr marL="457200" indent="0">
+              <a:buNone/>
+              <a:defRPr sz="1400"/>
+            </a:lvl2pPr>
+            <a:lvl3pPr marL="914400" indent="0">
+              <a:buNone/>
+              <a:defRPr sz="1200"/>
+            </a:lvl3pPr>
+            <a:lvl4pPr marL="1371600" indent="0">
+              <a:buNone/>
+              <a:defRPr sz="1000"/>
+            </a:lvl4pPr>
+            <a:lvl5pPr marL="1828800" indent="0">
+              <a:buNone/>
+              <a:defRPr sz="1000"/>
+            </a:lvl5pPr>
+            <a:lvl6pPr marL="2286000" indent="0">
+              <a:buNone/>
+              <a:defRPr sz="1000"/>
+            </a:lvl6pPr>
+            <a:lvl7pPr marL="2743200" indent="0">
+              <a:buNone/>
+              <a:defRPr sz="1000"/>
+            </a:lvl7pPr>
+            <a:lvl8pPr marL="3200400" indent="0">
+              <a:buNone/>
+              <a:defRPr sz="1000"/>
+            </a:lvl8pPr>
+            <a:lvl9pPr marL="3657600" indent="0">
+              <a:buNone/>
+              <a:defRPr sz="1000"/>
+            </a:lvl9pPr>
+          </a:lstStyle>
+          <a:p>
+            <a:pPr lvl="0"/>
+            <a:r>
+              <a:rPr lang="ru-RU"/>
+              <a:t>Образец текста</a:t>
+            </a:r>
+          </a:p>
+        </p:txBody>
+      </p:sp>
+      <p:sp>
+        <p:nvSpPr>
+          <p:cNvPr id="5" name="Date Placeholder 4"/>
+          <p:cNvSpPr>
+            <a:spLocks noGrp="1"/>
+          </p:cNvSpPr>
+          <p:nvPr>
+            <p:ph type="dt" sz="half" idx="10"/>
+          </p:nvPr>
+        </p:nvSpPr>
+        <p:spPr/>
+        <p:txBody>
+          <a:bodyPr/>
+          <a:lstStyle/>
+          <a:p>
+            <a:fld id="{48ACC1D5-29FF-4169-8DB3-B8220BD14816}" type="datetimeFigureOut">
+              <a:rPr lang="en-001" smtClean="0"/>
+              <a:t>11/30/2020</a:t>
+            </a:fld>
+            <a:endParaRPr lang="en-001"/>
+          </a:p>
+        </p:txBody>
+      </p:sp>
+      <p:sp>
+        <p:nvSpPr>
+          <p:cNvPr id="6" name="Footer Placeholder 5"/>
+          <p:cNvSpPr>
+            <a:spLocks noGrp="1"/>
+          </p:cNvSpPr>
+          <p:nvPr>
+            <p:ph type="ftr" sz="quarter" idx="11"/>
+          </p:nvPr>
+        </p:nvSpPr>
+        <p:spPr/>
+        <p:txBody>
+          <a:bodyPr/>
+          <a:lstStyle/>
+          <a:p>
+            <a:endParaRPr lang="en-001"/>
+          </a:p>
+        </p:txBody>
+      </p:sp>
+      <p:sp>
+        <p:nvSpPr>
+          <p:cNvPr id="7" name="Slide Number Placeholder 6"/>
+          <p:cNvSpPr>
+            <a:spLocks noGrp="1"/>
+          </p:cNvSpPr>
+          <p:nvPr>
+            <p:ph type="sldNum" sz="quarter" idx="12"/>
+          </p:nvPr>
+        </p:nvSpPr>
+        <p:spPr/>
+        <p:txBody>
+          <a:bodyPr/>
+          <a:lstStyle/>
+          <a:p>
+            <a:fld id="{32D66CF1-7571-40A0-8364-ABC12A71386A}" type="slidenum">
+              <a:rPr lang="en-001" smtClean="0"/>
+              <a:t>‹#›</a:t>
+            </a:fld>
+            <a:endParaRPr lang="en-001"/>
+          </a:p>
+        </p:txBody>
+      </p:sp>
+    </p:spTree>
+    <p:extLst>
+      <p:ext uri="{BB962C8B-B14F-4D97-AF65-F5344CB8AC3E}">
+        <p14:creationId xmlns:p14="http://schemas.microsoft.com/office/powerpoint/2010/main" val="685262016"/>
+      </p:ext>
+    </p:extLst>
+  </p:cSld>
+  <p:clrMapOvr>
+    <a:masterClrMapping/>
+  </p:clrMapOvr>
+</p:sldLayout>
+</file>
+
+<file path=ppt/slideLayouts/slideLayout14.xml><?xml version="1.0" encoding="utf-8"?>
+<p:sldLayout xmlns:a="http://schemas.openxmlformats.org/drawingml/2006/main" xmlns:r="http://schemas.openxmlformats.org/officeDocument/2006/relationships" xmlns:p="http://schemas.openxmlformats.org/presentationml/2006/main" preserve="1">
+  <p:cSld name="Три колонки">
+    <p:spTree>
+      <p:nvGrpSpPr>
+        <p:cNvPr id="1" name=""/>
+        <p:cNvGrpSpPr/>
+        <p:nvPr/>
+      </p:nvGrpSpPr>
+      <p:grpSpPr>
+        <a:xfrm>
+          <a:off x="0" y="0"/>
+          <a:ext cx="0" cy="0"/>
+          <a:chOff x="0" y="0"/>
+          <a:chExt cx="0" cy="0"/>
+        </a:xfrm>
+      </p:grpSpPr>
+      <p:sp>
+        <p:nvSpPr>
+          <p:cNvPr id="15" name="Title 1"/>
+          <p:cNvSpPr>
+            <a:spLocks noGrp="1"/>
+          </p:cNvSpPr>
+          <p:nvPr>
+            <p:ph type="title"/>
+          </p:nvPr>
+        </p:nvSpPr>
+        <p:spPr>
+          <a:xfrm>
+            <a:off x="913795" y="609600"/>
+            <a:ext cx="10353762" cy="970450"/>
+          </a:xfrm>
+        </p:spPr>
+        <p:txBody>
+          <a:bodyPr/>
+          <a:lstStyle/>
+          <a:p>
+            <a:r>
+              <a:rPr lang="ru-RU"/>
+              <a:t>Образец заголовка</a:t>
+            </a:r>
+            <a:endParaRPr lang="en-US" dirty="0"/>
+          </a:p>
+        </p:txBody>
+      </p:sp>
+      <p:sp>
+        <p:nvSpPr>
+          <p:cNvPr id="7" name="Text Placeholder 2"/>
+          <p:cNvSpPr>
+            <a:spLocks noGrp="1"/>
+          </p:cNvSpPr>
+          <p:nvPr>
+            <p:ph type="body" idx="1"/>
+          </p:nvPr>
+        </p:nvSpPr>
+        <p:spPr>
+          <a:xfrm>
+            <a:off x="913795" y="1885950"/>
+            <a:ext cx="3300984" cy="576262"/>
+          </a:xfrm>
+        </p:spPr>
+        <p:txBody>
+          <a:bodyPr anchor="b">
+            <a:noAutofit/>
+          </a:bodyPr>
+          <a:lstStyle>
+            <a:lvl1pPr marL="0" indent="0" algn="ctr">
+              <a:buNone/>
+              <a:defRPr sz="2400" b="0">
+                <a:solidFill>
+                  <a:schemeClr val="tx1"/>
+                </a:solidFill>
+              </a:defRPr>
+            </a:lvl1pPr>
+            <a:lvl2pPr marL="457200" indent="0">
+              <a:buNone/>
+              <a:defRPr sz="2000" b="1"/>
+            </a:lvl2pPr>
+            <a:lvl3pPr marL="914400" indent="0">
+              <a:buNone/>
+              <a:defRPr sz="1800" b="1"/>
+            </a:lvl3pPr>
+            <a:lvl4pPr marL="1371600" indent="0">
+              <a:buNone/>
+              <a:defRPr sz="1600" b="1"/>
+            </a:lvl4pPr>
+            <a:lvl5pPr marL="1828800" indent="0">
+              <a:buNone/>
+              <a:defRPr sz="1600" b="1"/>
+            </a:lvl5pPr>
+            <a:lvl6pPr marL="2286000" indent="0">
+              <a:buNone/>
+              <a:defRPr sz="1600" b="1"/>
+            </a:lvl6pPr>
+            <a:lvl7pPr marL="2743200" indent="0">
+              <a:buNone/>
+              <a:defRPr sz="1600" b="1"/>
+            </a:lvl7pPr>
+            <a:lvl8pPr marL="3200400" indent="0">
+              <a:buNone/>
+              <a:defRPr sz="1600" b="1"/>
+            </a:lvl8pPr>
+            <a:lvl9pPr marL="3657600" indent="0">
+              <a:buNone/>
+              <a:defRPr sz="1600" b="1"/>
+            </a:lvl9pPr>
+          </a:lstStyle>
+          <a:p>
+            <a:pPr lvl="0"/>
+            <a:r>
+              <a:rPr lang="ru-RU"/>
+              <a:t>Образец текста</a:t>
+            </a:r>
+          </a:p>
+        </p:txBody>
+      </p:sp>
+      <p:sp>
+        <p:nvSpPr>
+          <p:cNvPr id="8" name="Text Placeholder 3"/>
+          <p:cNvSpPr>
+            <a:spLocks noGrp="1"/>
+          </p:cNvSpPr>
+          <p:nvPr>
+            <p:ph type="body" sz="half" idx="15"/>
+          </p:nvPr>
+        </p:nvSpPr>
+        <p:spPr>
+          <a:xfrm>
+            <a:off x="913795" y="2571750"/>
+            <a:ext cx="3300984" cy="3219450"/>
+          </a:xfrm>
+        </p:spPr>
+        <p:txBody>
+          <a:bodyPr anchor="t">
+            <a:normAutofit/>
+          </a:bodyPr>
+          <a:lstStyle>
+            <a:lvl1pPr marL="0" indent="0" algn="ctr">
+              <a:buNone/>
+              <a:defRPr sz="1400"/>
+            </a:lvl1pPr>
+            <a:lvl2pPr marL="457200" indent="0">
+              <a:buNone/>
+              <a:defRPr sz="1200"/>
+            </a:lvl2pPr>
+            <a:lvl3pPr marL="914400" indent="0">
+              <a:buNone/>
+              <a:defRPr sz="1000"/>
+            </a:lvl3pPr>
+            <a:lvl4pPr marL="1371600" indent="0">
+              <a:buNone/>
+              <a:defRPr sz="900"/>
+            </a:lvl4pPr>
+            <a:lvl5pPr marL="1828800" indent="0">
+              <a:buNone/>
+              <a:defRPr sz="900"/>
+            </a:lvl5pPr>
+            <a:lvl6pPr marL="2286000" indent="0">
+              <a:buNone/>
+              <a:defRPr sz="900"/>
+            </a:lvl6pPr>
+            <a:lvl7pPr marL="2743200" indent="0">
+              <a:buNone/>
+              <a:defRPr sz="900"/>
+            </a:lvl7pPr>
+            <a:lvl8pPr marL="3200400" indent="0">
+              <a:buNone/>
+              <a:defRPr sz="900"/>
+            </a:lvl8pPr>
+            <a:lvl9pPr marL="3657600" indent="0">
+              <a:buNone/>
+              <a:defRPr sz="900"/>
+            </a:lvl9pPr>
+          </a:lstStyle>
+          <a:p>
+            <a:pPr lvl="0"/>
+            <a:r>
+              <a:rPr lang="ru-RU"/>
+              <a:t>Образец текста</a:t>
+            </a:r>
+          </a:p>
+        </p:txBody>
+      </p:sp>
+      <p:sp>
+        <p:nvSpPr>
+          <p:cNvPr id="9" name="Text Placeholder 4"/>
+          <p:cNvSpPr>
+            <a:spLocks noGrp="1"/>
+          </p:cNvSpPr>
+          <p:nvPr>
+            <p:ph type="body" sz="quarter" idx="3"/>
+          </p:nvPr>
+        </p:nvSpPr>
+        <p:spPr>
+          <a:xfrm>
+            <a:off x="4446711" y="1885950"/>
+            <a:ext cx="3300984" cy="576262"/>
+          </a:xfrm>
+        </p:spPr>
+        <p:txBody>
+          <a:bodyPr anchor="b">
+            <a:noAutofit/>
+          </a:bodyPr>
+          <a:lstStyle>
+            <a:lvl1pPr marL="0" indent="0" algn="ctr">
+              <a:buNone/>
+              <a:defRPr sz="2400" b="0">
+                <a:solidFill>
+                  <a:schemeClr val="tx1"/>
+                </a:solidFill>
+              </a:defRPr>
+            </a:lvl1pPr>
+            <a:lvl2pPr marL="457200" indent="0">
+              <a:buNone/>
+              <a:defRPr sz="2000" b="1"/>
+            </a:lvl2pPr>
+            <a:lvl3pPr marL="914400" indent="0">
+              <a:buNone/>
+              <a:defRPr sz="1800" b="1"/>
+            </a:lvl3pPr>
+            <a:lvl4pPr marL="1371600" indent="0">
+              <a:buNone/>
+              <a:defRPr sz="1600" b="1"/>
+            </a:lvl4pPr>
+            <a:lvl5pPr marL="1828800" indent="0">
+              <a:buNone/>
+              <a:defRPr sz="1600" b="1"/>
+            </a:lvl5pPr>
+            <a:lvl6pPr marL="2286000" indent="0">
+              <a:buNone/>
+              <a:defRPr sz="1600" b="1"/>
+            </a:lvl6pPr>
+            <a:lvl7pPr marL="2743200" indent="0">
+              <a:buNone/>
+              <a:defRPr sz="1600" b="1"/>
+            </a:lvl7pPr>
+            <a:lvl8pPr marL="3200400" indent="0">
+              <a:buNone/>
+              <a:defRPr sz="1600" b="1"/>
+            </a:lvl8pPr>
+            <a:lvl9pPr marL="3657600" indent="0">
+              <a:buNone/>
+              <a:defRPr sz="1600" b="1"/>
+            </a:lvl9pPr>
+          </a:lstStyle>
+          <a:p>
+            <a:pPr lvl="0"/>
+            <a:r>
+              <a:rPr lang="ru-RU"/>
+              <a:t>Образец текста</a:t>
+            </a:r>
+          </a:p>
+        </p:txBody>
+      </p:sp>
+      <p:sp>
+        <p:nvSpPr>
+          <p:cNvPr id="10" name="Text Placeholder 3"/>
+          <p:cNvSpPr>
+            <a:spLocks noGrp="1"/>
+          </p:cNvSpPr>
+          <p:nvPr>
+            <p:ph type="body" sz="half" idx="16"/>
+          </p:nvPr>
+        </p:nvSpPr>
+        <p:spPr>
+          <a:xfrm>
+            <a:off x="4441435" y="2571750"/>
+            <a:ext cx="3300984" cy="3219450"/>
+          </a:xfrm>
+        </p:spPr>
+        <p:txBody>
+          <a:bodyPr anchor="t">
+            <a:normAutofit/>
+          </a:bodyPr>
+          <a:lstStyle>
+            <a:lvl1pPr marL="0" indent="0" algn="ctr">
+              <a:buNone/>
+              <a:defRPr sz="1400"/>
+            </a:lvl1pPr>
+            <a:lvl2pPr marL="457200" indent="0">
+              <a:buNone/>
+              <a:defRPr sz="1200"/>
+            </a:lvl2pPr>
+            <a:lvl3pPr marL="914400" indent="0">
+              <a:buNone/>
+              <a:defRPr sz="1000"/>
+            </a:lvl3pPr>
+            <a:lvl4pPr marL="1371600" indent="0">
+              <a:buNone/>
+              <a:defRPr sz="900"/>
+            </a:lvl4pPr>
+            <a:lvl5pPr marL="1828800" indent="0">
+              <a:buNone/>
+              <a:defRPr sz="900"/>
+            </a:lvl5pPr>
+            <a:lvl6pPr marL="2286000" indent="0">
+              <a:buNone/>
+              <a:defRPr sz="900"/>
+            </a:lvl6pPr>
+            <a:lvl7pPr marL="2743200" indent="0">
+              <a:buNone/>
+              <a:defRPr sz="900"/>
+            </a:lvl7pPr>
+            <a:lvl8pPr marL="3200400" indent="0">
+              <a:buNone/>
+              <a:defRPr sz="900"/>
+            </a:lvl8pPr>
+            <a:lvl9pPr marL="3657600" indent="0">
+              <a:buNone/>
+              <a:defRPr sz="900"/>
+            </a:lvl9pPr>
+          </a:lstStyle>
+          <a:p>
+            <a:pPr lvl="0"/>
+            <a:r>
+              <a:rPr lang="ru-RU"/>
+              <a:t>Образец текста</a:t>
+            </a:r>
+          </a:p>
+        </p:txBody>
+      </p:sp>
+      <p:sp>
+        <p:nvSpPr>
+          <p:cNvPr id="11" name="Text Placeholder 4"/>
+          <p:cNvSpPr>
+            <a:spLocks noGrp="1"/>
+          </p:cNvSpPr>
+          <p:nvPr>
+            <p:ph type="body" sz="quarter" idx="13"/>
+          </p:nvPr>
+        </p:nvSpPr>
+        <p:spPr>
+          <a:xfrm>
+            <a:off x="7966572" y="1885950"/>
+            <a:ext cx="3300984" cy="576262"/>
+          </a:xfrm>
+        </p:spPr>
+        <p:txBody>
+          <a:bodyPr anchor="b">
+            <a:noAutofit/>
+          </a:bodyPr>
+          <a:lstStyle>
+            <a:lvl1pPr marL="0" indent="0" algn="ctr">
+              <a:buNone/>
+              <a:defRPr sz="2400" b="0">
+                <a:solidFill>
+                  <a:schemeClr val="tx1"/>
+                </a:solidFill>
+              </a:defRPr>
+            </a:lvl1pPr>
+            <a:lvl2pPr marL="457200" indent="0">
+              <a:buNone/>
+              <a:defRPr sz="2000" b="1"/>
+            </a:lvl2pPr>
+            <a:lvl3pPr marL="914400" indent="0">
+              <a:buNone/>
+              <a:defRPr sz="1800" b="1"/>
+            </a:lvl3pPr>
+            <a:lvl4pPr marL="1371600" indent="0">
+              <a:buNone/>
+              <a:defRPr sz="1600" b="1"/>
+            </a:lvl4pPr>
+            <a:lvl5pPr marL="1828800" indent="0">
+              <a:buNone/>
+              <a:defRPr sz="1600" b="1"/>
+            </a:lvl5pPr>
+            <a:lvl6pPr marL="2286000" indent="0">
+              <a:buNone/>
+              <a:defRPr sz="1600" b="1"/>
+            </a:lvl6pPr>
+            <a:lvl7pPr marL="2743200" indent="0">
+              <a:buNone/>
+              <a:defRPr sz="1600" b="1"/>
+            </a:lvl7pPr>
+            <a:lvl8pPr marL="3200400" indent="0">
+              <a:buNone/>
+              <a:defRPr sz="1600" b="1"/>
+            </a:lvl8pPr>
+            <a:lvl9pPr marL="3657600" indent="0">
+              <a:buNone/>
+              <a:defRPr sz="1600" b="1"/>
+            </a:lvl9pPr>
+          </a:lstStyle>
+          <a:p>
+            <a:pPr lvl="0"/>
+            <a:r>
+              <a:rPr lang="ru-RU"/>
+              <a:t>Образец текста</a:t>
+            </a:r>
+          </a:p>
+        </p:txBody>
+      </p:sp>
+      <p:sp>
+        <p:nvSpPr>
+          <p:cNvPr id="12" name="Text Placeholder 3"/>
+          <p:cNvSpPr>
+            <a:spLocks noGrp="1"/>
+          </p:cNvSpPr>
+          <p:nvPr>
+            <p:ph type="body" sz="half" idx="17"/>
+          </p:nvPr>
+        </p:nvSpPr>
+        <p:spPr>
+          <a:xfrm>
+            <a:off x="7966572" y="2571750"/>
+            <a:ext cx="3300984" cy="3219450"/>
+          </a:xfrm>
+        </p:spPr>
+        <p:txBody>
+          <a:bodyPr anchor="t">
+            <a:normAutofit/>
+          </a:bodyPr>
+          <a:lstStyle>
+            <a:lvl1pPr marL="0" indent="0" algn="ctr">
+              <a:buNone/>
+              <a:defRPr sz="1400"/>
+            </a:lvl1pPr>
+            <a:lvl2pPr marL="457200" indent="0">
+              <a:buNone/>
+              <a:defRPr sz="1200"/>
+            </a:lvl2pPr>
+            <a:lvl3pPr marL="914400" indent="0">
+              <a:buNone/>
+              <a:defRPr sz="1000"/>
+            </a:lvl3pPr>
+            <a:lvl4pPr marL="1371600" indent="0">
+              <a:buNone/>
+              <a:defRPr sz="900"/>
+            </a:lvl4pPr>
+            <a:lvl5pPr marL="1828800" indent="0">
+              <a:buNone/>
+              <a:defRPr sz="900"/>
+            </a:lvl5pPr>
+            <a:lvl6pPr marL="2286000" indent="0">
+              <a:buNone/>
+              <a:defRPr sz="900"/>
+            </a:lvl6pPr>
+            <a:lvl7pPr marL="2743200" indent="0">
+              <a:buNone/>
+              <a:defRPr sz="900"/>
+            </a:lvl7pPr>
+            <a:lvl8pPr marL="3200400" indent="0">
+              <a:buNone/>
+              <a:defRPr sz="900"/>
+            </a:lvl8pPr>
+            <a:lvl9pPr marL="3657600" indent="0">
+              <a:buNone/>
+              <a:defRPr sz="900"/>
+            </a:lvl9pPr>
+          </a:lstStyle>
+          <a:p>
+            <a:pPr lvl="0"/>
+            <a:r>
+              <a:rPr lang="ru-RU"/>
+              <a:t>Образец текста</a:t>
+            </a:r>
+          </a:p>
+        </p:txBody>
+      </p:sp>
+      <p:sp>
+        <p:nvSpPr>
+          <p:cNvPr id="3" name="Date Placeholder 2"/>
+          <p:cNvSpPr>
+            <a:spLocks noGrp="1"/>
+          </p:cNvSpPr>
+          <p:nvPr>
+            <p:ph type="dt" sz="half" idx="10"/>
+          </p:nvPr>
+        </p:nvSpPr>
+        <p:spPr/>
+        <p:txBody>
+          <a:bodyPr/>
+          <a:lstStyle/>
+          <a:p>
+            <a:fld id="{48ACC1D5-29FF-4169-8DB3-B8220BD14816}" type="datetimeFigureOut">
+              <a:rPr lang="en-001" smtClean="0"/>
+              <a:t>11/30/2020</a:t>
+            </a:fld>
+            <a:endParaRPr lang="en-001"/>
+          </a:p>
+        </p:txBody>
+      </p:sp>
+      <p:sp>
+        <p:nvSpPr>
+          <p:cNvPr id="4" name="Footer Placeholder 3"/>
+          <p:cNvSpPr>
+            <a:spLocks noGrp="1"/>
+          </p:cNvSpPr>
+          <p:nvPr>
+            <p:ph type="ftr" sz="quarter" idx="11"/>
+          </p:nvPr>
+        </p:nvSpPr>
+        <p:spPr/>
+        <p:txBody>
+          <a:bodyPr/>
+          <a:lstStyle/>
+          <a:p>
+            <a:endParaRPr lang="en-001"/>
+          </a:p>
+        </p:txBody>
+      </p:sp>
+      <p:sp>
+        <p:nvSpPr>
+          <p:cNvPr id="5" name="Slide Number Placeholder 4"/>
+          <p:cNvSpPr>
+            <a:spLocks noGrp="1"/>
+          </p:cNvSpPr>
+          <p:nvPr>
+            <p:ph type="sldNum" sz="quarter" idx="12"/>
+          </p:nvPr>
+        </p:nvSpPr>
+        <p:spPr/>
+        <p:txBody>
+          <a:bodyPr/>
+          <a:lstStyle/>
+          <a:p>
+            <a:fld id="{32D66CF1-7571-40A0-8364-ABC12A71386A}" type="slidenum">
+              <a:rPr lang="en-001" smtClean="0"/>
+              <a:t>‹#›</a:t>
+            </a:fld>
+            <a:endParaRPr lang="en-001"/>
+          </a:p>
+        </p:txBody>
+      </p:sp>
+    </p:spTree>
+    <p:extLst>
+      <p:ext uri="{BB962C8B-B14F-4D97-AF65-F5344CB8AC3E}">
+        <p14:creationId xmlns:p14="http://schemas.microsoft.com/office/powerpoint/2010/main" val="1951496970"/>
+      </p:ext>
+    </p:extLst>
+  </p:cSld>
+  <p:clrMapOvr>
+    <a:masterClrMapping/>
+  </p:clrMapOvr>
+</p:sldLayout>
+</file>
+
+<file path=ppt/slideLayouts/slideLayout15.xml><?xml version="1.0" encoding="utf-8"?>
+<p:sldLayout xmlns:a="http://schemas.openxmlformats.org/drawingml/2006/main" xmlns:r="http://schemas.openxmlformats.org/officeDocument/2006/relationships" xmlns:p="http://schemas.openxmlformats.org/presentationml/2006/main" preserve="1">
+  <p:cSld name="Столбец с тремя рисунками">
+    <p:spTree>
+      <p:nvGrpSpPr>
+        <p:cNvPr id="1" name=""/>
+        <p:cNvGrpSpPr/>
+        <p:nvPr/>
+      </p:nvGrpSpPr>
+      <p:grpSpPr>
+        <a:xfrm>
+          <a:off x="0" y="0"/>
+          <a:ext cx="0" cy="0"/>
+          <a:chOff x="0" y="0"/>
+          <a:chExt cx="0" cy="0"/>
+        </a:xfrm>
+      </p:grpSpPr>
+      <p:pic>
+        <p:nvPicPr>
+          <p:cNvPr id="2" name="Picture 1" descr="Slate-V2-HD-3colPhotoInset.png"/>
+          <p:cNvPicPr>
+            <a:picLocks noChangeAspect="1"/>
+          </p:cNvPicPr>
+          <p:nvPr/>
+        </p:nvPicPr>
+        <p:blipFill>
+          <a:blip r:embed="rId2">
+            <a:extLst>
+              <a:ext uri="{28A0092B-C50C-407E-A947-70E740481C1C}">
+                <a14:useLocalDpi xmlns:a14="http://schemas.microsoft.com/office/drawing/2010/main" val="0"/>
+              </a:ext>
+            </a:extLst>
+          </a:blip>
+          <a:stretch>
+            <a:fillRect/>
+          </a:stretch>
+        </p:blipFill>
+        <p:spPr>
+          <a:xfrm>
+            <a:off x="897962" y="1818214"/>
+            <a:ext cx="3339972" cy="1847851"/>
+          </a:xfrm>
+          <a:prstGeom prst="rect">
+            <a:avLst/>
+          </a:prstGeom>
+        </p:spPr>
+      </p:pic>
+      <p:pic>
+        <p:nvPicPr>
+          <p:cNvPr id="36" name="Picture 35" descr="Slate-V2-HD-3colPhotoInset.png"/>
+          <p:cNvPicPr>
+            <a:picLocks noChangeAspect="1"/>
+          </p:cNvPicPr>
+          <p:nvPr/>
+        </p:nvPicPr>
+        <p:blipFill>
+          <a:blip r:embed="rId2">
+            <a:extLst>
+              <a:ext uri="{28A0092B-C50C-407E-A947-70E740481C1C}">
+                <a14:useLocalDpi xmlns:a14="http://schemas.microsoft.com/office/drawing/2010/main" val="0"/>
+              </a:ext>
+            </a:extLst>
+          </a:blip>
+          <a:stretch>
+            <a:fillRect/>
+          </a:stretch>
+        </p:blipFill>
+        <p:spPr>
+          <a:xfrm>
+            <a:off x="4403800" y="1818214"/>
+            <a:ext cx="3339972" cy="1847851"/>
+          </a:xfrm>
+          <a:prstGeom prst="rect">
+            <a:avLst/>
+          </a:prstGeom>
+        </p:spPr>
+      </p:pic>
+      <p:pic>
+        <p:nvPicPr>
+          <p:cNvPr id="37" name="Picture 36" descr="Slate-V2-HD-3colPhotoInset.png"/>
+          <p:cNvPicPr>
+            <a:picLocks noChangeAspect="1"/>
+          </p:cNvPicPr>
+          <p:nvPr/>
+        </p:nvPicPr>
+        <p:blipFill>
+          <a:blip r:embed="rId2">
+            <a:extLst>
+              <a:ext uri="{28A0092B-C50C-407E-A947-70E740481C1C}">
+                <a14:useLocalDpi xmlns:a14="http://schemas.microsoft.com/office/drawing/2010/main" val="0"/>
+              </a:ext>
+            </a:extLst>
+          </a:blip>
+          <a:stretch>
+            <a:fillRect/>
+          </a:stretch>
+        </p:blipFill>
+        <p:spPr>
+          <a:xfrm>
+            <a:off x="7936051" y="1818214"/>
+            <a:ext cx="3339972" cy="1847851"/>
+          </a:xfrm>
+          <a:prstGeom prst="rect">
+            <a:avLst/>
+          </a:prstGeom>
+        </p:spPr>
+      </p:pic>
+      <p:sp>
+        <p:nvSpPr>
+          <p:cNvPr id="30" name="Title 1"/>
+          <p:cNvSpPr>
+            <a:spLocks noGrp="1"/>
+          </p:cNvSpPr>
+          <p:nvPr>
+            <p:ph type="title"/>
+          </p:nvPr>
+        </p:nvSpPr>
+        <p:spPr>
+          <a:xfrm>
+            <a:off x="913794" y="609600"/>
+            <a:ext cx="10353763" cy="970450"/>
+          </a:xfrm>
+        </p:spPr>
+        <p:txBody>
+          <a:bodyPr/>
+          <a:lstStyle/>
+          <a:p>
+            <a:r>
+              <a:rPr lang="ru-RU"/>
+              <a:t>Образец заголовка</a:t>
+            </a:r>
+            <a:endParaRPr lang="en-US" dirty="0"/>
+          </a:p>
+        </p:txBody>
+      </p:sp>
+      <p:sp>
+        <p:nvSpPr>
+          <p:cNvPr id="19" name="Text Placeholder 2"/>
+          <p:cNvSpPr>
+            <a:spLocks noGrp="1"/>
+          </p:cNvSpPr>
+          <p:nvPr>
+            <p:ph type="body" idx="1"/>
+          </p:nvPr>
+        </p:nvSpPr>
+        <p:spPr>
+          <a:xfrm>
+            <a:off x="913795" y="3904106"/>
+            <a:ext cx="3300984" cy="576262"/>
+          </a:xfrm>
+        </p:spPr>
+        <p:txBody>
+          <a:bodyPr anchor="b">
+            <a:noAutofit/>
+          </a:bodyPr>
+          <a:lstStyle>
+            <a:lvl1pPr marL="0" indent="0" algn="ctr">
+              <a:buNone/>
+              <a:defRPr sz="2000" b="0">
+                <a:solidFill>
+                  <a:schemeClr val="tx1"/>
+                </a:solidFill>
+              </a:defRPr>
+            </a:lvl1pPr>
+            <a:lvl2pPr marL="457200" indent="0">
+              <a:buNone/>
+              <a:defRPr sz="2000" b="1"/>
+            </a:lvl2pPr>
+            <a:lvl3pPr marL="914400" indent="0">
+              <a:buNone/>
+              <a:defRPr sz="1800" b="1"/>
+            </a:lvl3pPr>
+            <a:lvl4pPr marL="1371600" indent="0">
+              <a:buNone/>
+              <a:defRPr sz="1600" b="1"/>
+            </a:lvl4pPr>
+            <a:lvl5pPr marL="1828800" indent="0">
+              <a:buNone/>
+              <a:defRPr sz="1600" b="1"/>
+            </a:lvl5pPr>
+            <a:lvl6pPr marL="2286000" indent="0">
+              <a:buNone/>
+              <a:defRPr sz="1600" b="1"/>
+            </a:lvl6pPr>
+            <a:lvl7pPr marL="2743200" indent="0">
+              <a:buNone/>
+              <a:defRPr sz="1600" b="1"/>
+            </a:lvl7pPr>
+            <a:lvl8pPr marL="3200400" indent="0">
+              <a:buNone/>
+              <a:defRPr sz="1600" b="1"/>
+            </a:lvl8pPr>
+            <a:lvl9pPr marL="3657600" indent="0">
+              <a:buNone/>
+              <a:defRPr sz="1600" b="1"/>
+            </a:lvl9pPr>
+          </a:lstStyle>
+          <a:p>
+            <a:pPr lvl="0"/>
+            <a:r>
+              <a:rPr lang="ru-RU"/>
+              <a:t>Образец текста</a:t>
+            </a:r>
+          </a:p>
+        </p:txBody>
+      </p:sp>
+      <p:sp>
+        <p:nvSpPr>
+          <p:cNvPr id="20" name="Picture Placeholder 2"/>
+          <p:cNvSpPr>
+            <a:spLocks noGrp="1" noChangeAspect="1"/>
+          </p:cNvSpPr>
+          <p:nvPr>
+            <p:ph type="pic" idx="15"/>
+          </p:nvPr>
+        </p:nvSpPr>
+        <p:spPr>
+          <a:xfrm>
+            <a:off x="1018102" y="1938918"/>
+            <a:ext cx="3092368" cy="1602954"/>
+          </a:xfrm>
+          <a:prstGeom prst="roundRect">
+            <a:avLst>
+              <a:gd name="adj" fmla="val 1858"/>
+            </a:avLst>
+          </a:prstGeom>
+          <a:effectLst>
+            <a:outerShdw blurRad="38100" dist="25400" dir="4440000">
+              <a:srgbClr val="000000">
+                <a:alpha val="36000"/>
+              </a:srgbClr>
+            </a:outerShdw>
+          </a:effectLst>
+        </p:spPr>
+        <p:txBody>
+          <a:bodyPr anchor="t">
+            <a:normAutofit/>
+          </a:bodyPr>
+          <a:lstStyle>
+            <a:lvl1pPr marL="0" indent="0" algn="ctr">
+              <a:buNone/>
+              <a:defRPr sz="1600"/>
+            </a:lvl1pPr>
+            <a:lvl2pPr marL="457200" indent="0">
+              <a:buNone/>
+              <a:defRPr sz="1600"/>
+            </a:lvl2pPr>
+            <a:lvl3pPr marL="914400" indent="0">
+              <a:buNone/>
+              <a:defRPr sz="1600"/>
+            </a:lvl3pPr>
+            <a:lvl4pPr marL="1371600" indent="0">
+              <a:buNone/>
+              <a:defRPr sz="1600"/>
+            </a:lvl4pPr>
+            <a:lvl5pPr marL="1828800" indent="0">
+              <a:buNone/>
+              <a:defRPr sz="1600"/>
+            </a:lvl5pPr>
+            <a:lvl6pPr marL="2286000" indent="0">
+              <a:buNone/>
+              <a:defRPr sz="1600"/>
+            </a:lvl6pPr>
+            <a:lvl7pPr marL="2743200" indent="0">
+              <a:buNone/>
+              <a:defRPr sz="1600"/>
+            </a:lvl7pPr>
+            <a:lvl8pPr marL="3200400" indent="0">
+              <a:buNone/>
+              <a:defRPr sz="1600"/>
+            </a:lvl8pPr>
+            <a:lvl9pPr marL="3657600" indent="0">
+              <a:buNone/>
+              <a:defRPr sz="1600"/>
+            </a:lvl9pPr>
+          </a:lstStyle>
+          <a:p>
+            <a:r>
+              <a:rPr lang="ru-RU"/>
+              <a:t>Вставка рисунка</a:t>
+            </a:r>
+            <a:endParaRPr lang="en-US" dirty="0"/>
+          </a:p>
+        </p:txBody>
+      </p:sp>
+      <p:sp>
+        <p:nvSpPr>
+          <p:cNvPr id="21" name="Text Placeholder 3"/>
+          <p:cNvSpPr>
+            <a:spLocks noGrp="1"/>
+          </p:cNvSpPr>
+          <p:nvPr>
+            <p:ph type="body" sz="half" idx="18"/>
+          </p:nvPr>
+        </p:nvSpPr>
+        <p:spPr>
+          <a:xfrm>
+            <a:off x="913795" y="4480368"/>
+            <a:ext cx="3300984" cy="1310833"/>
+          </a:xfrm>
+        </p:spPr>
+        <p:txBody>
+          <a:bodyPr anchor="t">
+            <a:normAutofit/>
+          </a:bodyPr>
+          <a:lstStyle>
+            <a:lvl1pPr marL="0" indent="0" algn="ctr">
+              <a:buNone/>
+              <a:defRPr sz="1400"/>
+            </a:lvl1pPr>
+            <a:lvl2pPr marL="457200" indent="0">
+              <a:buNone/>
+              <a:defRPr sz="1200"/>
+            </a:lvl2pPr>
+            <a:lvl3pPr marL="914400" indent="0">
+              <a:buNone/>
+              <a:defRPr sz="1000"/>
+            </a:lvl3pPr>
+            <a:lvl4pPr marL="1371600" indent="0">
+              <a:buNone/>
+              <a:defRPr sz="900"/>
+            </a:lvl4pPr>
+            <a:lvl5pPr marL="1828800" indent="0">
+              <a:buNone/>
+              <a:defRPr sz="900"/>
+            </a:lvl5pPr>
+            <a:lvl6pPr marL="2286000" indent="0">
+              <a:buNone/>
+              <a:defRPr sz="900"/>
+            </a:lvl6pPr>
+            <a:lvl7pPr marL="2743200" indent="0">
+              <a:buNone/>
+              <a:defRPr sz="900"/>
+            </a:lvl7pPr>
+            <a:lvl8pPr marL="3200400" indent="0">
+              <a:buNone/>
+              <a:defRPr sz="900"/>
+            </a:lvl8pPr>
+            <a:lvl9pPr marL="3657600" indent="0">
+              <a:buNone/>
+              <a:defRPr sz="900"/>
+            </a:lvl9pPr>
+          </a:lstStyle>
+          <a:p>
+            <a:pPr lvl="0"/>
+            <a:r>
+              <a:rPr lang="ru-RU"/>
+              <a:t>Образец текста</a:t>
+            </a:r>
+          </a:p>
+        </p:txBody>
+      </p:sp>
+      <p:sp>
+        <p:nvSpPr>
+          <p:cNvPr id="22" name="Text Placeholder 4"/>
+          <p:cNvSpPr>
+            <a:spLocks noGrp="1"/>
+          </p:cNvSpPr>
+          <p:nvPr>
+            <p:ph type="body" sz="quarter" idx="3"/>
+          </p:nvPr>
+        </p:nvSpPr>
+        <p:spPr>
+          <a:xfrm>
+            <a:off x="4442788" y="3904106"/>
+            <a:ext cx="3300984" cy="576262"/>
+          </a:xfrm>
+        </p:spPr>
+        <p:txBody>
+          <a:bodyPr anchor="b">
+            <a:noAutofit/>
+          </a:bodyPr>
+          <a:lstStyle>
+            <a:lvl1pPr marL="0" indent="0" algn="ctr">
+              <a:buNone/>
+              <a:defRPr sz="2000" b="0">
+                <a:solidFill>
+                  <a:schemeClr val="tx1"/>
+                </a:solidFill>
+              </a:defRPr>
+            </a:lvl1pPr>
+            <a:lvl2pPr marL="457200" indent="0">
+              <a:buNone/>
+              <a:defRPr sz="2000" b="1"/>
+            </a:lvl2pPr>
+            <a:lvl3pPr marL="914400" indent="0">
+              <a:buNone/>
+              <a:defRPr sz="1800" b="1"/>
+            </a:lvl3pPr>
+            <a:lvl4pPr marL="1371600" indent="0">
+              <a:buNone/>
+              <a:defRPr sz="1600" b="1"/>
+            </a:lvl4pPr>
+            <a:lvl5pPr marL="1828800" indent="0">
+              <a:buNone/>
+              <a:defRPr sz="1600" b="1"/>
+            </a:lvl5pPr>
+            <a:lvl6pPr marL="2286000" indent="0">
+              <a:buNone/>
+              <a:defRPr sz="1600" b="1"/>
+            </a:lvl6pPr>
+            <a:lvl7pPr marL="2743200" indent="0">
+              <a:buNone/>
+              <a:defRPr sz="1600" b="1"/>
+            </a:lvl7pPr>
+            <a:lvl8pPr marL="3200400" indent="0">
+              <a:buNone/>
+              <a:defRPr sz="1600" b="1"/>
+            </a:lvl8pPr>
+            <a:lvl9pPr marL="3657600" indent="0">
+              <a:buNone/>
+              <a:defRPr sz="1600" b="1"/>
+            </a:lvl9pPr>
+          </a:lstStyle>
+          <a:p>
+            <a:pPr lvl="0"/>
+            <a:r>
+              <a:rPr lang="ru-RU"/>
+              <a:t>Образец текста</a:t>
+            </a:r>
+          </a:p>
+        </p:txBody>
+      </p:sp>
+      <p:sp>
+        <p:nvSpPr>
+          <p:cNvPr id="23" name="Picture Placeholder 2"/>
+          <p:cNvSpPr>
+            <a:spLocks noGrp="1" noChangeAspect="1"/>
+          </p:cNvSpPr>
+          <p:nvPr>
+            <p:ph type="pic" idx="21"/>
+          </p:nvPr>
+        </p:nvSpPr>
+        <p:spPr>
+          <a:xfrm>
+            <a:off x="4545743" y="1939094"/>
+            <a:ext cx="3092368" cy="1608164"/>
+          </a:xfrm>
+          <a:prstGeom prst="roundRect">
+            <a:avLst>
+              <a:gd name="adj" fmla="val 1858"/>
+            </a:avLst>
+          </a:prstGeom>
+          <a:effectLst>
+            <a:outerShdw blurRad="38100" dist="25400" dir="4440000">
+              <a:srgbClr val="000000">
+                <a:alpha val="36000"/>
+              </a:srgbClr>
+            </a:outerShdw>
+          </a:effectLst>
+        </p:spPr>
+        <p:txBody>
+          <a:bodyPr anchor="t">
+            <a:normAutofit/>
+          </a:bodyPr>
+          <a:lstStyle>
+            <a:lvl1pPr marL="0" indent="0" algn="ctr">
+              <a:buNone/>
+              <a:defRPr sz="1600"/>
+            </a:lvl1pPr>
+            <a:lvl2pPr marL="457200" indent="0">
+              <a:buNone/>
+              <a:defRPr sz="1600"/>
+            </a:lvl2pPr>
+            <a:lvl3pPr marL="914400" indent="0">
+              <a:buNone/>
+              <a:defRPr sz="1600"/>
+            </a:lvl3pPr>
+            <a:lvl4pPr marL="1371600" indent="0">
+              <a:buNone/>
+              <a:defRPr sz="1600"/>
+            </a:lvl4pPr>
+            <a:lvl5pPr marL="1828800" indent="0">
+              <a:buNone/>
+              <a:defRPr sz="1600"/>
+            </a:lvl5pPr>
+            <a:lvl6pPr marL="2286000" indent="0">
+              <a:buNone/>
+              <a:defRPr sz="1600"/>
+            </a:lvl6pPr>
+            <a:lvl7pPr marL="2743200" indent="0">
+              <a:buNone/>
+              <a:defRPr sz="1600"/>
+            </a:lvl7pPr>
+            <a:lvl8pPr marL="3200400" indent="0">
+              <a:buNone/>
+              <a:defRPr sz="1600"/>
+            </a:lvl8pPr>
+            <a:lvl9pPr marL="3657600" indent="0">
+              <a:buNone/>
+              <a:defRPr sz="1600"/>
+            </a:lvl9pPr>
+          </a:lstStyle>
+          <a:p>
+            <a:r>
+              <a:rPr lang="ru-RU"/>
+              <a:t>Вставка рисунка</a:t>
+            </a:r>
+            <a:endParaRPr lang="en-US" dirty="0"/>
+          </a:p>
+        </p:txBody>
+      </p:sp>
+      <p:sp>
+        <p:nvSpPr>
+          <p:cNvPr id="24" name="Text Placeholder 3"/>
+          <p:cNvSpPr>
+            <a:spLocks noGrp="1"/>
+          </p:cNvSpPr>
+          <p:nvPr>
+            <p:ph type="body" sz="half" idx="19"/>
+          </p:nvPr>
+        </p:nvSpPr>
+        <p:spPr>
+          <a:xfrm>
+            <a:off x="4441435" y="4480367"/>
+            <a:ext cx="3300984" cy="1310833"/>
+          </a:xfrm>
+        </p:spPr>
+        <p:txBody>
+          <a:bodyPr anchor="t">
+            <a:normAutofit/>
+          </a:bodyPr>
+          <a:lstStyle>
+            <a:lvl1pPr marL="0" indent="0" algn="ctr">
+              <a:buNone/>
+              <a:defRPr sz="1400"/>
+            </a:lvl1pPr>
+            <a:lvl2pPr marL="457200" indent="0">
+              <a:buNone/>
+              <a:defRPr sz="1200"/>
+            </a:lvl2pPr>
+            <a:lvl3pPr marL="914400" indent="0">
+              <a:buNone/>
+              <a:defRPr sz="1000"/>
+            </a:lvl3pPr>
+            <a:lvl4pPr marL="1371600" indent="0">
+              <a:buNone/>
+              <a:defRPr sz="900"/>
+            </a:lvl4pPr>
+            <a:lvl5pPr marL="1828800" indent="0">
+              <a:buNone/>
+              <a:defRPr sz="900"/>
+            </a:lvl5pPr>
+            <a:lvl6pPr marL="2286000" indent="0">
+              <a:buNone/>
+              <a:defRPr sz="900"/>
+            </a:lvl6pPr>
+            <a:lvl7pPr marL="2743200" indent="0">
+              <a:buNone/>
+              <a:defRPr sz="900"/>
+            </a:lvl7pPr>
+            <a:lvl8pPr marL="3200400" indent="0">
+              <a:buNone/>
+              <a:defRPr sz="900"/>
+            </a:lvl8pPr>
+            <a:lvl9pPr marL="3657600" indent="0">
+              <a:buNone/>
+              <a:defRPr sz="900"/>
+            </a:lvl9pPr>
+          </a:lstStyle>
+          <a:p>
+            <a:pPr lvl="0"/>
+            <a:r>
+              <a:rPr lang="ru-RU"/>
+              <a:t>Образец текста</a:t>
+            </a:r>
+          </a:p>
+        </p:txBody>
+      </p:sp>
+      <p:sp>
+        <p:nvSpPr>
+          <p:cNvPr id="25" name="Text Placeholder 4"/>
+          <p:cNvSpPr>
+            <a:spLocks noGrp="1"/>
+          </p:cNvSpPr>
+          <p:nvPr>
+            <p:ph type="body" sz="quarter" idx="13"/>
+          </p:nvPr>
+        </p:nvSpPr>
+        <p:spPr>
+          <a:xfrm>
+            <a:off x="7966697" y="3904106"/>
+            <a:ext cx="3300984" cy="576262"/>
+          </a:xfrm>
+        </p:spPr>
+        <p:txBody>
+          <a:bodyPr anchor="b">
+            <a:noAutofit/>
+          </a:bodyPr>
+          <a:lstStyle>
+            <a:lvl1pPr marL="0" indent="0" algn="ctr">
+              <a:buNone/>
+              <a:defRPr sz="2000" b="0">
+                <a:solidFill>
+                  <a:schemeClr val="tx1"/>
+                </a:solidFill>
+              </a:defRPr>
+            </a:lvl1pPr>
+            <a:lvl2pPr marL="457200" indent="0">
+              <a:buNone/>
+              <a:defRPr sz="2000" b="1"/>
+            </a:lvl2pPr>
+            <a:lvl3pPr marL="914400" indent="0">
+              <a:buNone/>
+              <a:defRPr sz="1800" b="1"/>
+            </a:lvl3pPr>
+            <a:lvl4pPr marL="1371600" indent="0">
+              <a:buNone/>
+              <a:defRPr sz="1600" b="1"/>
+            </a:lvl4pPr>
+            <a:lvl5pPr marL="1828800" indent="0">
+              <a:buNone/>
+              <a:defRPr sz="1600" b="1"/>
+            </a:lvl5pPr>
+            <a:lvl6pPr marL="2286000" indent="0">
+              <a:buNone/>
+              <a:defRPr sz="1600" b="1"/>
+            </a:lvl6pPr>
+            <a:lvl7pPr marL="2743200" indent="0">
+              <a:buNone/>
+              <a:defRPr sz="1600" b="1"/>
+            </a:lvl7pPr>
+            <a:lvl8pPr marL="3200400" indent="0">
+              <a:buNone/>
+              <a:defRPr sz="1600" b="1"/>
+            </a:lvl8pPr>
+            <a:lvl9pPr marL="3657600" indent="0">
+              <a:buNone/>
+              <a:defRPr sz="1600" b="1"/>
+            </a:lvl9pPr>
+          </a:lstStyle>
+          <a:p>
+            <a:pPr lvl="0"/>
+            <a:r>
+              <a:rPr lang="ru-RU"/>
+              <a:t>Образец текста</a:t>
+            </a:r>
+          </a:p>
+        </p:txBody>
+      </p:sp>
+      <p:sp>
+        <p:nvSpPr>
+          <p:cNvPr id="26" name="Picture Placeholder 2"/>
+          <p:cNvSpPr>
+            <a:spLocks noGrp="1" noChangeAspect="1"/>
+          </p:cNvSpPr>
+          <p:nvPr>
+            <p:ph type="pic" idx="22"/>
+          </p:nvPr>
+        </p:nvSpPr>
+        <p:spPr>
+          <a:xfrm>
+            <a:off x="8075698" y="1934432"/>
+            <a:ext cx="3092368" cy="1607294"/>
+          </a:xfrm>
+          <a:prstGeom prst="roundRect">
+            <a:avLst>
+              <a:gd name="adj" fmla="val 1858"/>
+            </a:avLst>
+          </a:prstGeom>
+          <a:effectLst>
+            <a:outerShdw blurRad="38100" dist="25400" dir="4440000">
+              <a:srgbClr val="000000">
+                <a:alpha val="36000"/>
+              </a:srgbClr>
+            </a:outerShdw>
+          </a:effectLst>
+        </p:spPr>
+        <p:txBody>
+          <a:bodyPr anchor="t">
+            <a:normAutofit/>
+          </a:bodyPr>
+          <a:lstStyle>
+            <a:lvl1pPr marL="0" indent="0" algn="ctr">
+              <a:buNone/>
+              <a:defRPr sz="1600"/>
+            </a:lvl1pPr>
+            <a:lvl2pPr marL="457200" indent="0">
+              <a:buNone/>
+              <a:defRPr sz="1600"/>
+            </a:lvl2pPr>
+            <a:lvl3pPr marL="914400" indent="0">
+              <a:buNone/>
+              <a:defRPr sz="1600"/>
+            </a:lvl3pPr>
+            <a:lvl4pPr marL="1371600" indent="0">
+              <a:buNone/>
+              <a:defRPr sz="1600"/>
+            </a:lvl4pPr>
+            <a:lvl5pPr marL="1828800" indent="0">
+              <a:buNone/>
+              <a:defRPr sz="1600"/>
+            </a:lvl5pPr>
+            <a:lvl6pPr marL="2286000" indent="0">
+              <a:buNone/>
+              <a:defRPr sz="1600"/>
+            </a:lvl6pPr>
+            <a:lvl7pPr marL="2743200" indent="0">
+              <a:buNone/>
+              <a:defRPr sz="1600"/>
+            </a:lvl7pPr>
+            <a:lvl8pPr marL="3200400" indent="0">
+              <a:buNone/>
+              <a:defRPr sz="1600"/>
+            </a:lvl8pPr>
+            <a:lvl9pPr marL="3657600" indent="0">
+              <a:buNone/>
+              <a:defRPr sz="1600"/>
+            </a:lvl9pPr>
+          </a:lstStyle>
+          <a:p>
+            <a:r>
+              <a:rPr lang="ru-RU"/>
+              <a:t>Вставка рисунка</a:t>
+            </a:r>
+            <a:endParaRPr lang="en-US" dirty="0"/>
+          </a:p>
+        </p:txBody>
+      </p:sp>
+      <p:sp>
+        <p:nvSpPr>
+          <p:cNvPr id="27" name="Text Placeholder 3"/>
+          <p:cNvSpPr>
+            <a:spLocks noGrp="1"/>
+          </p:cNvSpPr>
+          <p:nvPr>
+            <p:ph type="body" sz="half" idx="20"/>
+          </p:nvPr>
+        </p:nvSpPr>
+        <p:spPr>
+          <a:xfrm>
+            <a:off x="7966572" y="4480365"/>
+            <a:ext cx="3300984" cy="1310835"/>
+          </a:xfrm>
+        </p:spPr>
+        <p:txBody>
+          <a:bodyPr anchor="t">
+            <a:normAutofit/>
+          </a:bodyPr>
+          <a:lstStyle>
+            <a:lvl1pPr marL="0" indent="0" algn="ctr">
+              <a:buNone/>
+              <a:defRPr sz="1400"/>
+            </a:lvl1pPr>
+            <a:lvl2pPr marL="457200" indent="0">
+              <a:buNone/>
+              <a:defRPr sz="1200"/>
+            </a:lvl2pPr>
+            <a:lvl3pPr marL="914400" indent="0">
+              <a:buNone/>
+              <a:defRPr sz="1000"/>
+            </a:lvl3pPr>
+            <a:lvl4pPr marL="1371600" indent="0">
+              <a:buNone/>
+              <a:defRPr sz="900"/>
+            </a:lvl4pPr>
+            <a:lvl5pPr marL="1828800" indent="0">
+              <a:buNone/>
+              <a:defRPr sz="900"/>
+            </a:lvl5pPr>
+            <a:lvl6pPr marL="2286000" indent="0">
+              <a:buNone/>
+              <a:defRPr sz="900"/>
+            </a:lvl6pPr>
+            <a:lvl7pPr marL="2743200" indent="0">
+              <a:buNone/>
+              <a:defRPr sz="900"/>
+            </a:lvl7pPr>
+            <a:lvl8pPr marL="3200400" indent="0">
+              <a:buNone/>
+              <a:defRPr sz="900"/>
+            </a:lvl8pPr>
+            <a:lvl9pPr marL="3657600" indent="0">
+              <a:buNone/>
+              <a:defRPr sz="900"/>
+            </a:lvl9pPr>
+          </a:lstStyle>
+          <a:p>
+            <a:pPr lvl="0"/>
+            <a:r>
+              <a:rPr lang="ru-RU"/>
+              <a:t>Образец текста</a:t>
+            </a:r>
+          </a:p>
+        </p:txBody>
+      </p:sp>
+      <p:sp>
+        <p:nvSpPr>
+          <p:cNvPr id="3" name="Date Placeholder 2"/>
+          <p:cNvSpPr>
+            <a:spLocks noGrp="1"/>
+          </p:cNvSpPr>
+          <p:nvPr>
+            <p:ph type="dt" sz="half" idx="10"/>
+          </p:nvPr>
+        </p:nvSpPr>
+        <p:spPr/>
+        <p:txBody>
+          <a:bodyPr/>
+          <a:lstStyle/>
+          <a:p>
+            <a:fld id="{48ACC1D5-29FF-4169-8DB3-B8220BD14816}" type="datetimeFigureOut">
+              <a:rPr lang="en-001" smtClean="0"/>
+              <a:t>11/30/2020</a:t>
+            </a:fld>
+            <a:endParaRPr lang="en-001"/>
+          </a:p>
+        </p:txBody>
+      </p:sp>
+      <p:sp>
+        <p:nvSpPr>
+          <p:cNvPr id="4" name="Footer Placeholder 3"/>
+          <p:cNvSpPr>
+            <a:spLocks noGrp="1"/>
+          </p:cNvSpPr>
+          <p:nvPr>
+            <p:ph type="ftr" sz="quarter" idx="11"/>
+          </p:nvPr>
+        </p:nvSpPr>
+        <p:spPr/>
+        <p:txBody>
+          <a:bodyPr/>
+          <a:lstStyle/>
+          <a:p>
+            <a:endParaRPr lang="en-001"/>
+          </a:p>
+        </p:txBody>
+      </p:sp>
+      <p:sp>
+        <p:nvSpPr>
+          <p:cNvPr id="5" name="Slide Number Placeholder 4"/>
+          <p:cNvSpPr>
+            <a:spLocks noGrp="1"/>
+          </p:cNvSpPr>
+          <p:nvPr>
+            <p:ph type="sldNum" sz="quarter" idx="12"/>
+          </p:nvPr>
+        </p:nvSpPr>
+        <p:spPr/>
+        <p:txBody>
+          <a:bodyPr/>
+          <a:lstStyle/>
+          <a:p>
+            <a:fld id="{32D66CF1-7571-40A0-8364-ABC12A71386A}" type="slidenum">
+              <a:rPr lang="en-001" smtClean="0"/>
+              <a:t>‹#›</a:t>
+            </a:fld>
+            <a:endParaRPr lang="en-001"/>
+          </a:p>
+        </p:txBody>
+      </p:sp>
+    </p:spTree>
+    <p:extLst>
+      <p:ext uri="{BB962C8B-B14F-4D97-AF65-F5344CB8AC3E}">
+        <p14:creationId xmlns:p14="http://schemas.microsoft.com/office/powerpoint/2010/main" val="1053904123"/>
+      </p:ext>
+    </p:extLst>
+  </p:cSld>
+  <p:clrMapOvr>
+    <a:masterClrMapping/>
+  </p:clrMapOvr>
+</p:sldLayout>
+</file>
+
+<file path=ppt/slideLayouts/slideLayout16.xml><?xml version="1.0" encoding="utf-8"?>
 <p:sldLayout xmlns:a="http://schemas.openxmlformats.org/drawingml/2006/main" xmlns:r="http://schemas.openxmlformats.org/officeDocument/2006/relationships" xmlns:p="http://schemas.openxmlformats.org/presentationml/2006/main" type="vertTx" preserve="1">
   <p:cSld name="Заголовок и вертикальный текст">
     <p:spTree>
@@ -459,7 +2994,7 @@
         </p:nvSpPr>
         <p:spPr/>
         <p:txBody>
-          <a:bodyPr vert="eaVert"/>
+          <a:bodyPr vert="eaVert" anchor="t"/>
           <a:lstStyle/>
           <a:p>
             <a:pPr lvl="0"/>
@@ -516,7 +3051,7 @@
           <a:p>
             <a:fld id="{48ACC1D5-29FF-4169-8DB3-B8220BD14816}" type="datetimeFigureOut">
               <a:rPr lang="en-001" smtClean="0"/>
-              <a:t>17/11/2020</a:t>
+              <a:t>11/30/2020</a:t>
             </a:fld>
             <a:endParaRPr lang="en-001"/>
           </a:p>
@@ -567,7 +3102,7 @@
     </p:spTree>
     <p:extLst>
       <p:ext uri="{BB962C8B-B14F-4D97-AF65-F5344CB8AC3E}">
-        <p14:creationId xmlns:p14="http://schemas.microsoft.com/office/powerpoint/2010/main" val="2311034891"/>
+        <p14:creationId xmlns:p14="http://schemas.microsoft.com/office/powerpoint/2010/main" val="1865798424"/>
       </p:ext>
     </p:extLst>
   </p:cSld>
@@ -577,7 +3112,7 @@
 </p:sldLayout>
 </file>
 
-<file path=ppt/slideLayouts/slideLayout11.xml><?xml version="1.0" encoding="utf-8"?>
+<file path=ppt/slideLayouts/slideLayout17.xml><?xml version="1.0" encoding="utf-8"?>
 <p:sldLayout xmlns:a="http://schemas.openxmlformats.org/drawingml/2006/main" xmlns:r="http://schemas.openxmlformats.org/officeDocument/2006/relationships" xmlns:p="http://schemas.openxmlformats.org/presentationml/2006/main" type="vertTitleAndTx" preserve="1">
   <p:cSld name="Вертикальный заголовок и текст">
     <p:spTree>
@@ -606,13 +3141,17 @@
         </p:nvSpPr>
         <p:spPr>
           <a:xfrm>
-            <a:off x="8648700" y="381000"/>
-            <a:ext cx="2476500" cy="5897562"/>
+            <a:off x="8983068" y="609599"/>
+            <a:ext cx="2284487" cy="5181601"/>
           </a:xfrm>
         </p:spPr>
         <p:txBody>
           <a:bodyPr vert="eaVert"/>
-          <a:lstStyle/>
+          <a:lstStyle>
+            <a:lvl1pPr algn="l">
+              <a:defRPr/>
+            </a:lvl1pPr>
+          </a:lstStyle>
           <a:p>
             <a:r>
               <a:rPr lang="ru-RU"/>
@@ -634,12 +3173,12 @@
         </p:nvSpPr>
         <p:spPr>
           <a:xfrm>
-            <a:off x="762000" y="381000"/>
-            <a:ext cx="7734300" cy="5897562"/>
+            <a:off x="913796" y="609599"/>
+            <a:ext cx="7916872" cy="5181601"/>
           </a:xfrm>
         </p:spPr>
         <p:txBody>
-          <a:bodyPr vert="eaVert"/>
+          <a:bodyPr vert="eaVert" anchor="t"/>
           <a:lstStyle/>
           <a:p>
             <a:pPr lvl="0"/>
@@ -696,7 +3235,7 @@
           <a:p>
             <a:fld id="{48ACC1D5-29FF-4169-8DB3-B8220BD14816}" type="datetimeFigureOut">
               <a:rPr lang="en-001" smtClean="0"/>
-              <a:t>17/11/2020</a:t>
+              <a:t>11/30/2020</a:t>
             </a:fld>
             <a:endParaRPr lang="en-001"/>
           </a:p>
@@ -747,7 +3286,7 @@
     </p:spTree>
     <p:extLst>
       <p:ext uri="{BB962C8B-B14F-4D97-AF65-F5344CB8AC3E}">
-        <p14:creationId xmlns:p14="http://schemas.microsoft.com/office/powerpoint/2010/main" val="3496635822"/>
+        <p14:creationId xmlns:p14="http://schemas.microsoft.com/office/powerpoint/2010/main" val="521413346"/>
       </p:ext>
     </p:extLst>
   </p:cSld>
@@ -866,7 +3405,7 @@
           <a:p>
             <a:fld id="{48ACC1D5-29FF-4169-8DB3-B8220BD14816}" type="datetimeFigureOut">
               <a:rPr lang="en-001" smtClean="0"/>
-              <a:t>17/11/2020</a:t>
+              <a:t>11/30/2020</a:t>
             </a:fld>
             <a:endParaRPr lang="en-001"/>
           </a:p>
@@ -917,7 +3456,7 @@
     </p:spTree>
     <p:extLst>
       <p:ext uri="{BB962C8B-B14F-4D97-AF65-F5344CB8AC3E}">
-        <p14:creationId xmlns:p14="http://schemas.microsoft.com/office/powerpoint/2010/main" val="774139326"/>
+        <p14:creationId xmlns:p14="http://schemas.microsoft.com/office/powerpoint/2010/main" val="3629954590"/>
       </p:ext>
     </p:extLst>
   </p:cSld>
@@ -956,20 +3495,15 @@
         </p:nvSpPr>
         <p:spPr>
           <a:xfrm>
-            <a:off x="1261872" y="758952"/>
-            <a:ext cx="9418320" cy="4041648"/>
+            <a:off x="1295401" y="1761067"/>
+            <a:ext cx="9590550" cy="1828813"/>
           </a:xfrm>
         </p:spPr>
         <p:txBody>
-          <a:bodyPr anchor="b">
-            <a:normAutofit/>
-          </a:bodyPr>
+          <a:bodyPr anchor="b"/>
           <a:lstStyle>
-            <a:lvl1pPr>
-              <a:lnSpc>
-                <a:spcPct val="85000"/>
-              </a:lnSpc>
-              <a:defRPr sz="7200" b="0"/>
+            <a:lvl1pPr algn="ctr">
+              <a:defRPr sz="4000" b="0" cap="none"/>
             </a:lvl1pPr>
           </a:lstStyle>
           <a:p>
@@ -993,23 +3527,18 @@
         </p:nvSpPr>
         <p:spPr>
           <a:xfrm>
-            <a:off x="1261872" y="4800600"/>
-            <a:ext cx="9418320" cy="1691640"/>
+            <a:off x="1295401" y="3589879"/>
+            <a:ext cx="9590550" cy="1507054"/>
           </a:xfrm>
         </p:spPr>
         <p:txBody>
-          <a:bodyPr anchor="t">
-            <a:normAutofit/>
-          </a:bodyPr>
+          <a:bodyPr anchor="t"/>
           <a:lstStyle>
-            <a:lvl1pPr marL="0" indent="0">
-              <a:buNone/>
-              <a:defRPr sz="2200">
+            <a:lvl1pPr marL="0" indent="0" algn="ctr">
+              <a:buNone/>
+              <a:defRPr sz="2000">
                 <a:solidFill>
-                  <a:schemeClr val="tx1">
-                    <a:lumMod val="65000"/>
-                    <a:lumOff val="35000"/>
-                  </a:schemeClr>
+                  <a:schemeClr val="tx1"/>
                 </a:solidFill>
               </a:defRPr>
             </a:lvl1pPr>
@@ -1120,7 +3649,7 @@
           <a:p>
             <a:fld id="{48ACC1D5-29FF-4169-8DB3-B8220BD14816}" type="datetimeFigureOut">
               <a:rPr lang="en-001" smtClean="0"/>
-              <a:t>17/11/2020</a:t>
+              <a:t>11/30/2020</a:t>
             </a:fld>
             <a:endParaRPr lang="en-001"/>
           </a:p>
@@ -1168,48 +3697,10 @@
           </a:p>
         </p:txBody>
       </p:sp>
-      <p:sp>
-        <p:nvSpPr>
-          <p:cNvPr id="7" name="Rectangle 6"/>
-          <p:cNvSpPr/>
-          <p:nvPr/>
-        </p:nvSpPr>
-        <p:spPr>
-          <a:xfrm>
-            <a:off x="0" y="0"/>
-            <a:ext cx="457200" cy="6858000"/>
-          </a:xfrm>
-          <a:prstGeom prst="rect">
-            <a:avLst/>
-          </a:prstGeom>
-          <a:solidFill>
-            <a:schemeClr val="accent1"/>
-          </a:solidFill>
-          <a:ln>
-            <a:noFill/>
-          </a:ln>
-        </p:spPr>
-        <p:style>
-          <a:lnRef idx="2">
-            <a:schemeClr val="accent1">
-              <a:shade val="50000"/>
-            </a:schemeClr>
-          </a:lnRef>
-          <a:fillRef idx="1">
-            <a:schemeClr val="accent1"/>
-          </a:fillRef>
-          <a:effectRef idx="0">
-            <a:schemeClr val="accent1"/>
-          </a:effectRef>
-          <a:fontRef idx="minor">
-            <a:schemeClr val="lt1"/>
-          </a:fontRef>
-        </p:style>
-      </p:sp>
     </p:spTree>
     <p:extLst>
       <p:ext uri="{BB962C8B-B14F-4D97-AF65-F5344CB8AC3E}">
-        <p14:creationId xmlns:p14="http://schemas.microsoft.com/office/powerpoint/2010/main" val="669048294"/>
+        <p14:creationId xmlns:p14="http://schemas.microsoft.com/office/powerpoint/2010/main" val="520146254"/>
       </p:ext>
     </p:extLst>
   </p:cSld>
@@ -1271,41 +3762,15 @@
         </p:nvSpPr>
         <p:spPr>
           <a:xfrm>
-            <a:off x="1261872" y="1828800"/>
-            <a:ext cx="4480560" cy="4351337"/>
+            <a:off x="913795" y="1732449"/>
+            <a:ext cx="5060497" cy="4058750"/>
           </a:xfrm>
         </p:spPr>
         <p:txBody>
-          <a:bodyPr/>
-          <a:lstStyle>
-            <a:lvl1pPr>
-              <a:defRPr sz="1800"/>
-            </a:lvl1pPr>
-            <a:lvl2pPr>
-              <a:defRPr sz="1600"/>
-            </a:lvl2pPr>
-            <a:lvl3pPr>
-              <a:defRPr sz="1400"/>
-            </a:lvl3pPr>
-            <a:lvl4pPr>
-              <a:defRPr sz="1400"/>
-            </a:lvl4pPr>
-            <a:lvl5pPr>
-              <a:defRPr sz="1400"/>
-            </a:lvl5pPr>
-            <a:lvl6pPr>
-              <a:defRPr sz="1400"/>
-            </a:lvl6pPr>
-            <a:lvl7pPr>
-              <a:defRPr sz="1400"/>
-            </a:lvl7pPr>
-            <a:lvl8pPr>
-              <a:defRPr sz="1400"/>
-            </a:lvl8pPr>
-            <a:lvl9pPr>
-              <a:defRPr sz="1400"/>
-            </a:lvl9pPr>
-          </a:lstStyle>
+          <a:bodyPr anchor="t">
+            <a:normAutofit/>
+          </a:bodyPr>
+          <a:lstStyle/>
           <a:p>
             <a:pPr lvl="0"/>
             <a:r>
@@ -1356,41 +3821,15 @@
         </p:nvSpPr>
         <p:spPr>
           <a:xfrm>
-            <a:off x="6126480" y="1828800"/>
-            <a:ext cx="4480560" cy="4351337"/>
+            <a:off x="6202892" y="1732449"/>
+            <a:ext cx="5064665" cy="4058751"/>
           </a:xfrm>
         </p:spPr>
         <p:txBody>
-          <a:bodyPr/>
-          <a:lstStyle>
-            <a:lvl1pPr>
-              <a:defRPr sz="1800"/>
-            </a:lvl1pPr>
-            <a:lvl2pPr>
-              <a:defRPr sz="1600"/>
-            </a:lvl2pPr>
-            <a:lvl3pPr>
-              <a:defRPr sz="1400"/>
-            </a:lvl3pPr>
-            <a:lvl4pPr>
-              <a:defRPr sz="1400"/>
-            </a:lvl4pPr>
-            <a:lvl5pPr>
-              <a:defRPr sz="1400"/>
-            </a:lvl5pPr>
-            <a:lvl6pPr>
-              <a:defRPr sz="1400"/>
-            </a:lvl6pPr>
-            <a:lvl7pPr>
-              <a:defRPr sz="1400"/>
-            </a:lvl7pPr>
-            <a:lvl8pPr>
-              <a:defRPr sz="1400"/>
-            </a:lvl8pPr>
-            <a:lvl9pPr>
-              <a:defRPr sz="1400"/>
-            </a:lvl9pPr>
-          </a:lstStyle>
+          <a:bodyPr anchor="t">
+            <a:normAutofit/>
+          </a:bodyPr>
+          <a:lstStyle/>
           <a:p>
             <a:pPr lvl="0"/>
             <a:r>
@@ -1446,7 +3885,7 @@
           <a:p>
             <a:fld id="{48ACC1D5-29FF-4169-8DB3-B8220BD14816}" type="datetimeFigureOut">
               <a:rPr lang="en-001" smtClean="0"/>
-              <a:t>17/11/2020</a:t>
+              <a:t>11/30/2020</a:t>
             </a:fld>
             <a:endParaRPr lang="en-001"/>
           </a:p>
@@ -1497,7 +3936,7 @@
     </p:spTree>
     <p:extLst>
       <p:ext uri="{BB962C8B-B14F-4D97-AF65-F5344CB8AC3E}">
-        <p14:creationId xmlns:p14="http://schemas.microsoft.com/office/powerpoint/2010/main" val="382428088"/>
+        <p14:creationId xmlns:p14="http://schemas.microsoft.com/office/powerpoint/2010/main" val="2656433499"/>
       </p:ext>
     </p:extLst>
   </p:cSld>
@@ -1524,60 +3963,117 @@
           <a:chExt cx="0" cy="0"/>
         </a:xfrm>
       </p:grpSpPr>
-      <p:sp>
-        <p:nvSpPr>
-          <p:cNvPr id="10" name="Title 9"/>
-          <p:cNvSpPr>
-            <a:spLocks noGrp="1"/>
-          </p:cNvSpPr>
-          <p:nvPr>
-            <p:ph type="title"/>
-          </p:nvPr>
-        </p:nvSpPr>
-        <p:spPr/>
-        <p:txBody>
-          <a:bodyPr/>
-          <a:lstStyle/>
-          <a:p>
-            <a:r>
-              <a:rPr lang="ru-RU"/>
-              <a:t>Образец заголовка</a:t>
-            </a:r>
-            <a:endParaRPr lang="en-US" dirty="0"/>
-          </a:p>
-        </p:txBody>
-      </p:sp>
-      <p:sp>
-        <p:nvSpPr>
-          <p:cNvPr id="3" name="Text Placeholder 2"/>
-          <p:cNvSpPr>
-            <a:spLocks noGrp="1"/>
-          </p:cNvSpPr>
-          <p:nvPr>
-            <p:ph type="body" idx="1"/>
-          </p:nvPr>
-        </p:nvSpPr>
+      <p:pic>
+        <p:nvPicPr>
+          <p:cNvPr id="20" name="Picture 19" descr="Slate-V2-HD-compPhotoInset.png"/>
+          <p:cNvPicPr>
+            <a:picLocks noChangeAspect="1"/>
+          </p:cNvPicPr>
+          <p:nvPr/>
+        </p:nvPicPr>
+        <p:blipFill>
+          <a:blip r:embed="rId2">
+            <a:extLst>
+              <a:ext uri="{28A0092B-C50C-407E-A947-70E740481C1C}">
+                <a14:useLocalDpi xmlns:a14="http://schemas.microsoft.com/office/drawing/2010/main" val="0"/>
+              </a:ext>
+            </a:extLst>
+          </a:blip>
+          <a:stretch>
+            <a:fillRect/>
+          </a:stretch>
+        </p:blipFill>
         <p:spPr>
           <a:xfrm>
-            <a:off x="1261872" y="1713655"/>
-            <a:ext cx="4480560" cy="731520"/>
+            <a:off x="913795" y="1734506"/>
+            <a:ext cx="5089072" cy="4148769"/>
+          </a:xfrm>
+          <a:prstGeom prst="rect">
+            <a:avLst/>
+          </a:prstGeom>
+        </p:spPr>
+      </p:pic>
+      <p:pic>
+        <p:nvPicPr>
+          <p:cNvPr id="21" name="Picture 20" descr="Slate-V2-HD-compPhotoInset.png"/>
+          <p:cNvPicPr>
+            <a:picLocks noChangeAspect="1"/>
+          </p:cNvPicPr>
+          <p:nvPr/>
+        </p:nvPicPr>
+        <p:blipFill>
+          <a:blip r:embed="rId2">
+            <a:extLst>
+              <a:ext uri="{28A0092B-C50C-407E-A947-70E740481C1C}">
+                <a14:useLocalDpi xmlns:a14="http://schemas.microsoft.com/office/drawing/2010/main" val="0"/>
+              </a:ext>
+            </a:extLst>
+          </a:blip>
+          <a:stretch>
+            <a:fillRect/>
+          </a:stretch>
+        </p:blipFill>
+        <p:spPr>
+          <a:xfrm>
+            <a:off x="6178485" y="1734506"/>
+            <a:ext cx="5089072" cy="4148769"/>
+          </a:xfrm>
+          <a:prstGeom prst="rect">
+            <a:avLst/>
+          </a:prstGeom>
+        </p:spPr>
+      </p:pic>
+      <p:sp>
+        <p:nvSpPr>
+          <p:cNvPr id="2" name="Title 1"/>
+          <p:cNvSpPr>
+            <a:spLocks noGrp="1"/>
+          </p:cNvSpPr>
+          <p:nvPr>
+            <p:ph type="title"/>
+          </p:nvPr>
+        </p:nvSpPr>
+        <p:spPr/>
+        <p:txBody>
+          <a:bodyPr/>
+          <a:lstStyle>
+            <a:lvl1pPr>
+              <a:defRPr/>
+            </a:lvl1pPr>
+          </a:lstStyle>
+          <a:p>
+            <a:r>
+              <a:rPr lang="ru-RU"/>
+              <a:t>Образец заголовка</a:t>
+            </a:r>
+            <a:endParaRPr lang="en-US" dirty="0"/>
+          </a:p>
+        </p:txBody>
+      </p:sp>
+      <p:sp>
+        <p:nvSpPr>
+          <p:cNvPr id="3" name="Text Placeholder 2"/>
+          <p:cNvSpPr>
+            <a:spLocks noGrp="1"/>
+          </p:cNvSpPr>
+          <p:nvPr>
+            <p:ph type="body" idx="1"/>
+          </p:nvPr>
+        </p:nvSpPr>
+        <p:spPr>
+          <a:xfrm>
+            <a:off x="1005872" y="1835254"/>
+            <a:ext cx="4876344" cy="544884"/>
           </a:xfrm>
         </p:spPr>
         <p:txBody>
           <a:bodyPr anchor="b">
-            <a:normAutofit/>
+            <a:noAutofit/>
           </a:bodyPr>
           <a:lstStyle>
-            <a:lvl1pPr marL="0" indent="0">
-              <a:spcBef>
-                <a:spcPts val="0"/>
-              </a:spcBef>
-              <a:buNone/>
-              <a:defRPr sz="2000" b="0">
-                <a:solidFill>
-                  <a:schemeClr val="tx2"/>
-                </a:solidFill>
-              </a:defRPr>
+            <a:lvl1pPr marL="0" indent="0" algn="ctr">
+              <a:buNone/>
+              <a:defRPr sz="2400" b="0"/>
             </a:lvl1pPr>
             <a:lvl2pPr marL="457200" indent="0">
               <a:buNone/>
@@ -1633,12 +4129,14 @@
         </p:nvSpPr>
         <p:spPr>
           <a:xfrm>
-            <a:off x="1261872" y="2507550"/>
-            <a:ext cx="4480560" cy="3664650"/>
+            <a:off x="1005872" y="2380137"/>
+            <a:ext cx="4876344" cy="3411063"/>
           </a:xfrm>
         </p:spPr>
         <p:txBody>
-          <a:bodyPr/>
+          <a:bodyPr anchor="t">
+            <a:normAutofit/>
+          </a:bodyPr>
           <a:lstStyle>
             <a:lvl1pPr>
               <a:defRPr sz="1800"/>
@@ -1650,23 +4148,11 @@
               <a:defRPr sz="1400"/>
             </a:lvl3pPr>
             <a:lvl4pPr>
-              <a:defRPr sz="1400"/>
+              <a:defRPr sz="1200"/>
             </a:lvl4pPr>
             <a:lvl5pPr>
-              <a:defRPr sz="1400"/>
+              <a:defRPr sz="1200"/>
             </a:lvl5pPr>
-            <a:lvl6pPr>
-              <a:defRPr sz="1400"/>
-            </a:lvl6pPr>
-            <a:lvl7pPr>
-              <a:defRPr sz="1400"/>
-            </a:lvl7pPr>
-            <a:lvl8pPr>
-              <a:defRPr sz="1400"/>
-            </a:lvl8pPr>
-            <a:lvl9pPr>
-              <a:defRPr sz="1400"/>
-            </a:lvl9pPr>
           </a:lstStyle>
           <a:p>
             <a:pPr lvl="0"/>
@@ -1718,31 +4204,18 @@
         </p:nvSpPr>
         <p:spPr>
           <a:xfrm>
-            <a:off x="6126480" y="1713655"/>
-            <a:ext cx="4480560" cy="731520"/>
+            <a:off x="6294967" y="1835254"/>
+            <a:ext cx="4895330" cy="544883"/>
           </a:xfrm>
         </p:spPr>
         <p:txBody>
           <a:bodyPr anchor="b">
-            <a:normAutofit/>
+            <a:noAutofit/>
           </a:bodyPr>
           <a:lstStyle>
-            <a:lvl1pPr marL="0" indent="0">
-              <a:lnSpc>
-                <a:spcPct val="95000"/>
-              </a:lnSpc>
-              <a:spcBef>
-                <a:spcPts val="0"/>
-              </a:spcBef>
-              <a:buNone/>
-              <a:defRPr lang="en-US" sz="2000" b="0" kern="1200" dirty="0">
-                <a:solidFill>
-                  <a:schemeClr val="tx2"/>
-                </a:solidFill>
-                <a:latin typeface="+mn-lt"/>
-                <a:ea typeface="+mn-ea"/>
-                <a:cs typeface="+mn-cs"/>
-              </a:defRPr>
+            <a:lvl1pPr marL="0" indent="0" algn="ctr">
+              <a:buNone/>
+              <a:defRPr sz="2400" b="0"/>
             </a:lvl1pPr>
             <a:lvl2pPr marL="457200" indent="0">
               <a:buNone/>
@@ -1778,16 +4251,7 @@
             </a:lvl9pPr>
           </a:lstStyle>
           <a:p>
-            <a:pPr marL="0" lvl="0" indent="0" algn="l" defTabSz="914400" rtl="0" eaLnBrk="1" latinLnBrk="0" hangingPunct="1">
-              <a:lnSpc>
-                <a:spcPct val="90000"/>
-              </a:lnSpc>
-              <a:spcBef>
-                <a:spcPts val="2000"/>
-              </a:spcBef>
-              <a:buFontTx/>
-              <a:buNone/>
-            </a:pPr>
+            <a:pPr lvl="0"/>
             <a:r>
               <a:rPr lang="ru-RU"/>
               <a:t>Образец текста</a:t>
@@ -1807,12 +4271,14 @@
         </p:nvSpPr>
         <p:spPr>
           <a:xfrm>
-            <a:off x="6126480" y="2507550"/>
-            <a:ext cx="4480560" cy="3664650"/>
+            <a:off x="6294967" y="2380137"/>
+            <a:ext cx="4895330" cy="3411063"/>
           </a:xfrm>
         </p:spPr>
         <p:txBody>
-          <a:bodyPr/>
+          <a:bodyPr anchor="t">
+            <a:normAutofit/>
+          </a:bodyPr>
           <a:lstStyle>
             <a:lvl1pPr>
               <a:defRPr sz="1800"/>
@@ -1824,23 +4290,11 @@
               <a:defRPr sz="1400"/>
             </a:lvl3pPr>
             <a:lvl4pPr>
-              <a:defRPr sz="1400"/>
+              <a:defRPr sz="1200"/>
             </a:lvl4pPr>
             <a:lvl5pPr>
-              <a:defRPr sz="1400"/>
+              <a:defRPr sz="1200"/>
             </a:lvl5pPr>
-            <a:lvl6pPr>
-              <a:defRPr sz="1400"/>
-            </a:lvl6pPr>
-            <a:lvl7pPr>
-              <a:defRPr sz="1400"/>
-            </a:lvl7pPr>
-            <a:lvl8pPr>
-              <a:defRPr sz="1400"/>
-            </a:lvl8pPr>
-            <a:lvl9pPr>
-              <a:defRPr sz="1400"/>
-            </a:lvl9pPr>
           </a:lstStyle>
           <a:p>
             <a:pPr lvl="0"/>
@@ -1897,7 +4351,7 @@
           <a:p>
             <a:fld id="{48ACC1D5-29FF-4169-8DB3-B8220BD14816}" type="datetimeFigureOut">
               <a:rPr lang="en-001" smtClean="0"/>
-              <a:t>17/11/2020</a:t>
+              <a:t>11/30/2020</a:t>
             </a:fld>
             <a:endParaRPr lang="en-001"/>
           </a:p>
@@ -1948,7 +4402,7 @@
     </p:spTree>
     <p:extLst>
       <p:ext uri="{BB962C8B-B14F-4D97-AF65-F5344CB8AC3E}">
-        <p14:creationId xmlns:p14="http://schemas.microsoft.com/office/powerpoint/2010/main" val="4221106637"/>
+        <p14:creationId xmlns:p14="http://schemas.microsoft.com/office/powerpoint/2010/main" val="1722824836"/>
       </p:ext>
     </p:extLst>
   </p:cSld>
@@ -1977,7 +4431,7 @@
       </p:grpSpPr>
       <p:sp>
         <p:nvSpPr>
-          <p:cNvPr id="6" name="Title 5"/>
+          <p:cNvPr id="2" name="Title 1"/>
           <p:cNvSpPr>
             <a:spLocks noGrp="1"/>
           </p:cNvSpPr>
@@ -2015,7 +4469,7 @@
           <a:p>
             <a:fld id="{48ACC1D5-29FF-4169-8DB3-B8220BD14816}" type="datetimeFigureOut">
               <a:rPr lang="en-001" smtClean="0"/>
-              <a:t>17/11/2020</a:t>
+              <a:t>11/30/2020</a:t>
             </a:fld>
             <a:endParaRPr lang="en-001"/>
           </a:p>
@@ -2066,7 +4520,7 @@
     </p:spTree>
     <p:extLst>
       <p:ext uri="{BB962C8B-B14F-4D97-AF65-F5344CB8AC3E}">
-        <p14:creationId xmlns:p14="http://schemas.microsoft.com/office/powerpoint/2010/main" val="2210877525"/>
+        <p14:creationId xmlns:p14="http://schemas.microsoft.com/office/powerpoint/2010/main" val="2210169060"/>
       </p:ext>
     </p:extLst>
   </p:cSld>
@@ -2110,7 +4564,7 @@
           <a:p>
             <a:fld id="{48ACC1D5-29FF-4169-8DB3-B8220BD14816}" type="datetimeFigureOut">
               <a:rPr lang="en-001" smtClean="0"/>
-              <a:t>17/11/2020</a:t>
+              <a:t>11/30/2020</a:t>
             </a:fld>
             <a:endParaRPr lang="en-001"/>
           </a:p>
@@ -2161,7 +4615,7 @@
     </p:spTree>
     <p:extLst>
       <p:ext uri="{BB962C8B-B14F-4D97-AF65-F5344CB8AC3E}">
-        <p14:creationId xmlns:p14="http://schemas.microsoft.com/office/powerpoint/2010/main" val="1040299560"/>
+        <p14:creationId xmlns:p14="http://schemas.microsoft.com/office/powerpoint/2010/main" val="2451137014"/>
       </p:ext>
     </p:extLst>
   </p:cSld>
@@ -2200,8 +4654,8 @@
         </p:nvSpPr>
         <p:spPr>
           <a:xfrm>
-            <a:off x="841248" y="457200"/>
-            <a:ext cx="3200400" cy="1600197"/>
+            <a:off x="913795" y="609600"/>
+            <a:ext cx="3706889" cy="1821918"/>
           </a:xfrm>
         </p:spPr>
         <p:txBody>
@@ -2209,8 +4663,8 @@
             <a:normAutofit/>
           </a:bodyPr>
           <a:lstStyle>
-            <a:lvl1pPr>
-              <a:defRPr sz="3200" b="0" baseline="0"/>
+            <a:lvl1pPr algn="ctr">
+              <a:defRPr sz="2400" b="0"/>
             </a:lvl1pPr>
           </a:lstStyle>
           <a:p>
@@ -2234,109 +4688,77 @@
         </p:nvSpPr>
         <p:spPr>
           <a:xfrm>
-            <a:off x="4504267" y="685800"/>
-            <a:ext cx="6079066" cy="5486400"/>
-          </a:xfrm>
-        </p:spPr>
-        <p:txBody>
-          <a:bodyPr/>
-          <a:lstStyle>
-            <a:lvl1pPr>
-              <a:defRPr sz="2000"/>
-            </a:lvl1pPr>
-            <a:lvl2pPr>
-              <a:defRPr sz="1800"/>
-            </a:lvl2pPr>
-            <a:lvl3pPr>
-              <a:defRPr sz="1600"/>
-            </a:lvl3pPr>
-            <a:lvl4pPr>
-              <a:defRPr sz="1400"/>
-            </a:lvl4pPr>
-            <a:lvl5pPr>
-              <a:defRPr sz="1400"/>
-            </a:lvl5pPr>
-            <a:lvl6pPr>
-              <a:defRPr sz="1400"/>
-            </a:lvl6pPr>
-            <a:lvl7pPr>
-              <a:defRPr sz="1400"/>
-            </a:lvl7pPr>
-            <a:lvl8pPr>
-              <a:defRPr sz="1400"/>
-            </a:lvl8pPr>
-            <a:lvl9pPr>
-              <a:defRPr sz="1400"/>
-            </a:lvl9pPr>
-          </a:lstStyle>
-          <a:p>
-            <a:pPr lvl="0"/>
-            <a:r>
-              <a:rPr lang="ru-RU"/>
-              <a:t>Образец текста</a:t>
-            </a:r>
-          </a:p>
-          <a:p>
-            <a:pPr lvl="1"/>
-            <a:r>
-              <a:rPr lang="ru-RU"/>
-              <a:t>Второй уровень</a:t>
-            </a:r>
-          </a:p>
-          <a:p>
-            <a:pPr lvl="2"/>
-            <a:r>
-              <a:rPr lang="ru-RU"/>
-              <a:t>Третий уровень</a:t>
-            </a:r>
-          </a:p>
-          <a:p>
-            <a:pPr lvl="3"/>
-            <a:r>
-              <a:rPr lang="ru-RU"/>
-              <a:t>Четвертый уровень</a:t>
-            </a:r>
-          </a:p>
-          <a:p>
-            <a:pPr lvl="4"/>
-            <a:r>
-              <a:rPr lang="ru-RU"/>
-              <a:t>Пятый уровень</a:t>
-            </a:r>
-            <a:endParaRPr lang="en-US" dirty="0"/>
-          </a:p>
-        </p:txBody>
-      </p:sp>
-      <p:sp>
-        <p:nvSpPr>
-          <p:cNvPr id="4" name="Text Placeholder 3"/>
-          <p:cNvSpPr>
-            <a:spLocks noGrp="1"/>
-          </p:cNvSpPr>
-          <p:nvPr>
-            <p:ph type="body" sz="half" idx="2"/>
-          </p:nvPr>
-        </p:nvSpPr>
-        <p:spPr>
-          <a:xfrm>
-            <a:off x="841248" y="2099734"/>
-            <a:ext cx="3200400" cy="3810001"/>
+            <a:off x="4855633" y="609600"/>
+            <a:ext cx="6411924" cy="5181600"/>
           </a:xfrm>
         </p:spPr>
         <p:txBody>
           <a:bodyPr>
             <a:normAutofit/>
           </a:bodyPr>
+          <a:lstStyle/>
+          <a:p>
+            <a:pPr lvl="0"/>
+            <a:r>
+              <a:rPr lang="ru-RU"/>
+              <a:t>Образец текста</a:t>
+            </a:r>
+          </a:p>
+          <a:p>
+            <a:pPr lvl="1"/>
+            <a:r>
+              <a:rPr lang="ru-RU"/>
+              <a:t>Второй уровень</a:t>
+            </a:r>
+          </a:p>
+          <a:p>
+            <a:pPr lvl="2"/>
+            <a:r>
+              <a:rPr lang="ru-RU"/>
+              <a:t>Третий уровень</a:t>
+            </a:r>
+          </a:p>
+          <a:p>
+            <a:pPr lvl="3"/>
+            <a:r>
+              <a:rPr lang="ru-RU"/>
+              <a:t>Четвертый уровень</a:t>
+            </a:r>
+          </a:p>
+          <a:p>
+            <a:pPr lvl="4"/>
+            <a:r>
+              <a:rPr lang="ru-RU"/>
+              <a:t>Пятый уровень</a:t>
+            </a:r>
+            <a:endParaRPr lang="en-US" dirty="0"/>
+          </a:p>
+        </p:txBody>
+      </p:sp>
+      <p:sp>
+        <p:nvSpPr>
+          <p:cNvPr id="4" name="Text Placeholder 3"/>
+          <p:cNvSpPr>
+            <a:spLocks noGrp="1"/>
+          </p:cNvSpPr>
+          <p:nvPr>
+            <p:ph type="body" sz="half" idx="2"/>
+          </p:nvPr>
+        </p:nvSpPr>
+        <p:spPr>
+          <a:xfrm>
+            <a:off x="913795" y="2431518"/>
+            <a:ext cx="3706889" cy="3359681"/>
+          </a:xfrm>
+        </p:spPr>
+        <p:txBody>
+          <a:bodyPr anchor="t">
+            <a:normAutofit/>
+          </a:bodyPr>
           <a:lstStyle>
-            <a:lvl1pPr marL="0" indent="0">
-              <a:lnSpc>
-                <a:spcPct val="114000"/>
-              </a:lnSpc>
-              <a:spcBef>
-                <a:spcPts val="800"/>
-              </a:spcBef>
-              <a:buNone/>
-              <a:defRPr sz="1300"/>
+            <a:lvl1pPr marL="0" indent="0" algn="ctr">
+              <a:buNone/>
+              <a:defRPr sz="1600"/>
             </a:lvl1pPr>
             <a:lvl2pPr marL="457200" indent="0">
               <a:buNone/>
@@ -2397,7 +4819,7 @@
           <a:p>
             <a:fld id="{48ACC1D5-29FF-4169-8DB3-B8220BD14816}" type="datetimeFigureOut">
               <a:rPr lang="en-001" smtClean="0"/>
-              <a:t>17/11/2020</a:t>
+              <a:t>11/30/2020</a:t>
             </a:fld>
             <a:endParaRPr lang="en-001"/>
           </a:p>
@@ -2448,7 +4870,7 @@
     </p:spTree>
     <p:extLst>
       <p:ext uri="{BB962C8B-B14F-4D97-AF65-F5344CB8AC3E}">
-        <p14:creationId xmlns:p14="http://schemas.microsoft.com/office/powerpoint/2010/main" val="356934328"/>
+        <p14:creationId xmlns:p14="http://schemas.microsoft.com/office/powerpoint/2010/main" val="3965009422"/>
       </p:ext>
     </p:extLst>
   </p:cSld>
@@ -2475,44 +4897,36 @@
           <a:chExt cx="0" cy="0"/>
         </a:xfrm>
       </p:grpSpPr>
-      <p:sp>
-        <p:nvSpPr>
-          <p:cNvPr id="8" name="Rectangle 7"/>
-          <p:cNvSpPr/>
+      <p:pic>
+        <p:nvPicPr>
+          <p:cNvPr id="22" name="Picture 21" descr="Slate-V2-HD-vertPhotoInset.png"/>
+          <p:cNvPicPr>
+            <a:picLocks noChangeAspect="1"/>
+          </p:cNvPicPr>
           <p:nvPr/>
-        </p:nvSpPr>
+        </p:nvPicPr>
+        <p:blipFill>
+          <a:blip r:embed="rId2">
+            <a:extLst>
+              <a:ext uri="{28A0092B-C50C-407E-A947-70E740481C1C}">
+                <a14:useLocalDpi xmlns:a14="http://schemas.microsoft.com/office/drawing/2010/main" val="0"/>
+              </a:ext>
+            </a:extLst>
+          </a:blip>
+          <a:stretch>
+            <a:fillRect/>
+          </a:stretch>
+        </p:blipFill>
         <p:spPr>
           <a:xfrm>
-            <a:off x="0" y="5105400"/>
-            <a:ext cx="11292840" cy="1752600"/>
+            <a:off x="7293665" y="609600"/>
+            <a:ext cx="3584166" cy="5204832"/>
           </a:xfrm>
           <a:prstGeom prst="rect">
             <a:avLst/>
           </a:prstGeom>
-          <a:solidFill>
-            <a:srgbClr val="000000"/>
-          </a:solidFill>
-          <a:ln>
-            <a:noFill/>
-          </a:ln>
         </p:spPr>
-        <p:style>
-          <a:lnRef idx="2">
-            <a:schemeClr val="accent1">
-              <a:shade val="50000"/>
-            </a:schemeClr>
-          </a:lnRef>
-          <a:fillRef idx="1">
-            <a:schemeClr val="accent1"/>
-          </a:fillRef>
-          <a:effectRef idx="0">
-            <a:schemeClr val="accent1"/>
-          </a:effectRef>
-          <a:fontRef idx="minor">
-            <a:schemeClr val="lt1"/>
-          </a:fontRef>
-        </p:style>
-      </p:sp>
+      </p:pic>
       <p:sp>
         <p:nvSpPr>
           <p:cNvPr id="2" name="Title 1"/>
@@ -2525,27 +4939,97 @@
         </p:nvSpPr>
         <p:spPr>
           <a:xfrm>
-            <a:off x="914400" y="5257800"/>
-            <a:ext cx="9982200" cy="914400"/>
+            <a:off x="913795" y="609923"/>
+            <a:ext cx="5934949" cy="1829338"/>
           </a:xfrm>
         </p:spPr>
         <p:txBody>
           <a:bodyPr anchor="b">
+            <a:noAutofit/>
+          </a:bodyPr>
+          <a:lstStyle>
+            <a:lvl1pPr algn="ctr">
+              <a:defRPr sz="3200" b="0"/>
+            </a:lvl1pPr>
+          </a:lstStyle>
+          <a:p>
+            <a:r>
+              <a:rPr lang="ru-RU"/>
+              <a:t>Образец заголовка</a:t>
+            </a:r>
+            <a:endParaRPr lang="en-US" dirty="0"/>
+          </a:p>
+        </p:txBody>
+      </p:sp>
+      <p:sp>
+        <p:nvSpPr>
+          <p:cNvPr id="3" name="Picture Placeholder 2"/>
+          <p:cNvSpPr>
+            <a:spLocks noGrp="1" noChangeAspect="1"/>
+          </p:cNvSpPr>
+          <p:nvPr>
+            <p:ph type="pic" idx="1"/>
+          </p:nvPr>
+        </p:nvSpPr>
+        <p:spPr>
+          <a:xfrm>
+            <a:off x="7442551" y="763702"/>
+            <a:ext cx="3275751" cy="4912822"/>
+          </a:xfrm>
+          <a:effectLst>
+            <a:outerShdw blurRad="38100" dist="25400" dir="4440000">
+              <a:srgbClr val="000000">
+                <a:alpha val="36000"/>
+              </a:srgbClr>
+            </a:outerShdw>
+          </a:effectLst>
+        </p:spPr>
+        <p:txBody>
+          <a:bodyPr anchor="t">
             <a:normAutofit/>
           </a:bodyPr>
           <a:lstStyle>
-            <a:lvl1pPr>
-              <a:defRPr sz="2800" b="0">
-                <a:solidFill>
-                  <a:schemeClr val="bg1"/>
-                </a:solidFill>
-              </a:defRPr>
+            <a:lvl1pPr marL="0" indent="0" algn="ctr">
+              <a:buNone/>
+              <a:defRPr sz="1600"/>
             </a:lvl1pPr>
+            <a:lvl2pPr marL="457200" indent="0">
+              <a:buNone/>
+              <a:defRPr sz="1600"/>
+            </a:lvl2pPr>
+            <a:lvl3pPr marL="914400" indent="0">
+              <a:buNone/>
+              <a:defRPr sz="1600"/>
+            </a:lvl3pPr>
+            <a:lvl4pPr marL="1371600" indent="0">
+              <a:buNone/>
+              <a:defRPr sz="1600"/>
+            </a:lvl4pPr>
+            <a:lvl5pPr marL="1828800" indent="0">
+              <a:buNone/>
+              <a:defRPr sz="1600"/>
+            </a:lvl5pPr>
+            <a:lvl6pPr marL="2286000" indent="0">
+              <a:buNone/>
+              <a:defRPr sz="1600"/>
+            </a:lvl6pPr>
+            <a:lvl7pPr marL="2743200" indent="0">
+              <a:buNone/>
+              <a:defRPr sz="1600"/>
+            </a:lvl7pPr>
+            <a:lvl8pPr marL="3200400" indent="0">
+              <a:buNone/>
+              <a:defRPr sz="1600"/>
+            </a:lvl8pPr>
+            <a:lvl9pPr marL="3657600" indent="0">
+              <a:buNone/>
+              <a:defRPr sz="1600"/>
+            </a:lvl9pPr>
           </a:lstStyle>
           <a:p>
             <a:r>
               <a:rPr lang="ru-RU"/>
-              <a:t>Образец заголовка</a:t>
+              <a:t>Вставка рисунка</a:t>
             </a:r>
             <a:endParaRPr lang="en-US" dirty="0"/>
           </a:p>
@@ -2553,112 +5037,28 @@
       </p:sp>
       <p:sp>
         <p:nvSpPr>
-          <p:cNvPr id="3" name="Picture Placeholder 2"/>
-          <p:cNvSpPr>
-            <a:spLocks noGrp="1" noChangeAspect="1"/>
-          </p:cNvSpPr>
-          <p:nvPr>
-            <p:ph type="pic" idx="1"/>
+          <p:cNvPr id="4" name="Text Placeholder 3"/>
+          <p:cNvSpPr>
+            <a:spLocks noGrp="1"/>
+          </p:cNvSpPr>
+          <p:nvPr>
+            <p:ph type="body" sz="half" idx="2"/>
           </p:nvPr>
         </p:nvSpPr>
         <p:spPr>
           <a:xfrm>
-            <a:off x="0" y="0"/>
-            <a:ext cx="11292840" cy="5128923"/>
-          </a:xfrm>
-          <a:solidFill>
-            <a:schemeClr val="accent1"/>
-          </a:solidFill>
-        </p:spPr>
-        <p:txBody>
-          <a:bodyPr anchor="t"/>
-          <a:lstStyle>
-            <a:lvl1pPr marL="0" indent="0">
-              <a:buNone/>
-              <a:defRPr sz="3200">
-                <a:solidFill>
-                  <a:schemeClr val="bg1"/>
-                </a:solidFill>
-              </a:defRPr>
-            </a:lvl1pPr>
-            <a:lvl2pPr marL="457200" indent="0">
-              <a:buNone/>
-              <a:defRPr sz="2800"/>
-            </a:lvl2pPr>
-            <a:lvl3pPr marL="914400" indent="0">
-              <a:buNone/>
-              <a:defRPr sz="2400"/>
-            </a:lvl3pPr>
-            <a:lvl4pPr marL="1371600" indent="0">
-              <a:buNone/>
-              <a:defRPr sz="2000"/>
-            </a:lvl4pPr>
-            <a:lvl5pPr marL="1828800" indent="0">
-              <a:buNone/>
-              <a:defRPr sz="2000"/>
-            </a:lvl5pPr>
-            <a:lvl6pPr marL="2286000" indent="0">
-              <a:buNone/>
-              <a:defRPr sz="2000"/>
-            </a:lvl6pPr>
-            <a:lvl7pPr marL="2743200" indent="0">
-              <a:buNone/>
-              <a:defRPr sz="2000"/>
-            </a:lvl7pPr>
-            <a:lvl8pPr marL="3200400" indent="0">
-              <a:buNone/>
-              <a:defRPr sz="2000"/>
-            </a:lvl8pPr>
-            <a:lvl9pPr marL="3657600" indent="0">
-              <a:buNone/>
-              <a:defRPr sz="2000"/>
-            </a:lvl9pPr>
-          </a:lstStyle>
-          <a:p>
-            <a:r>
-              <a:rPr lang="ru-RU"/>
-              <a:t>Вставка рисунка</a:t>
-            </a:r>
-            <a:endParaRPr lang="en-US" dirty="0"/>
-          </a:p>
-        </p:txBody>
-      </p:sp>
-      <p:sp>
-        <p:nvSpPr>
-          <p:cNvPr id="4" name="Text Placeholder 3"/>
-          <p:cNvSpPr>
-            <a:spLocks noGrp="1"/>
-          </p:cNvSpPr>
-          <p:nvPr>
-            <p:ph type="body" sz="half" idx="2"/>
-          </p:nvPr>
-        </p:nvSpPr>
-        <p:spPr>
-          <a:xfrm>
-            <a:off x="914400" y="6108589"/>
-            <a:ext cx="9982200" cy="597011"/>
+            <a:off x="913795" y="2439261"/>
+            <a:ext cx="5934949" cy="3376134"/>
           </a:xfrm>
         </p:spPr>
         <p:txBody>
-          <a:bodyPr>
+          <a:bodyPr anchor="t">
             <a:normAutofit/>
           </a:bodyPr>
           <a:lstStyle>
-            <a:lvl1pPr marL="0" indent="0">
-              <a:lnSpc>
-                <a:spcPct val="100000"/>
-              </a:lnSpc>
-              <a:spcBef>
-                <a:spcPts val="800"/>
-              </a:spcBef>
-              <a:buNone/>
-              <a:defRPr sz="1300">
-                <a:solidFill>
-                  <a:schemeClr val="bg1">
-                    <a:lumMod val="85000"/>
-                  </a:schemeClr>
-                </a:solidFill>
-              </a:defRPr>
+            <a:lvl1pPr marL="0" indent="0" algn="ctr">
+              <a:buNone/>
+              <a:defRPr sz="1600"/>
             </a:lvl1pPr>
             <a:lvl2pPr marL="457200" indent="0">
               <a:buNone/>
@@ -2719,7 +5119,7 @@
           <a:p>
             <a:fld id="{48ACC1D5-29FF-4169-8DB3-B8220BD14816}" type="datetimeFigureOut">
               <a:rPr lang="en-001" smtClean="0"/>
-              <a:t>17/11/2020</a:t>
+              <a:t>11/30/2020</a:t>
             </a:fld>
             <a:endParaRPr lang="en-001"/>
           </a:p>
@@ -2770,7 +5170,7 @@
     </p:spTree>
     <p:extLst>
       <p:ext uri="{BB962C8B-B14F-4D97-AF65-F5344CB8AC3E}">
-        <p14:creationId xmlns:p14="http://schemas.microsoft.com/office/powerpoint/2010/main" val="2590010725"/>
+        <p14:creationId xmlns:p14="http://schemas.microsoft.com/office/powerpoint/2010/main" val="4278051731"/>
       </p:ext>
     </p:extLst>
   </p:cSld>
@@ -2784,8 +5184,8 @@
 <p:sldMaster xmlns:a="http://schemas.openxmlformats.org/drawingml/2006/main" xmlns:r="http://schemas.openxmlformats.org/officeDocument/2006/relationships" xmlns:p="http://schemas.openxmlformats.org/presentationml/2006/main">
   <p:cSld>
     <p:bg>
-      <p:bgRef idx="1001">
-        <a:schemeClr val="bg1"/>
+      <p:bgRef idx="1003">
+        <a:schemeClr val="bg2"/>
       </p:bgRef>
     </p:bg>
     <p:spTree>
@@ -2804,153 +5204,219 @@
       </p:grpSpPr>
       <p:sp>
         <p:nvSpPr>
-          <p:cNvPr id="7" name="Rectangle 6"/>
-          <p:cNvSpPr/>
-          <p:nvPr/>
+          <p:cNvPr id="2" name="Title Placeholder 1"/>
+          <p:cNvSpPr>
+            <a:spLocks noGrp="1"/>
+          </p:cNvSpPr>
+          <p:nvPr>
+            <p:ph type="title"/>
+          </p:nvPr>
         </p:nvSpPr>
         <p:spPr>
           <a:xfrm>
-            <a:off x="11292840" y="0"/>
-            <a:ext cx="914400" cy="6858000"/>
+            <a:off x="913795" y="609600"/>
+            <a:ext cx="10353762" cy="970450"/>
           </a:xfrm>
           <a:prstGeom prst="rect">
             <a:avLst/>
           </a:prstGeom>
-          <a:solidFill>
-            <a:schemeClr val="tx2">
-              <a:lumMod val="75000"/>
-            </a:schemeClr>
-          </a:solidFill>
-          <a:ln>
-            <a:noFill/>
-          </a:ln>
+          <a:effectLst>
+            <a:outerShdw blurRad="25400" dir="17880000">
+              <a:srgbClr val="000000">
+                <a:alpha val="46000"/>
+              </a:srgbClr>
+            </a:outerShdw>
+          </a:effectLst>
         </p:spPr>
-        <p:style>
-          <a:lnRef idx="2">
-            <a:schemeClr val="accent1">
-              <a:shade val="50000"/>
-            </a:schemeClr>
-          </a:lnRef>
-          <a:fillRef idx="1">
-            <a:schemeClr val="accent1"/>
-          </a:fillRef>
-          <a:effectRef idx="0">
-            <a:schemeClr val="accent1"/>
-          </a:effectRef>
-          <a:fontRef idx="minor">
-            <a:schemeClr val="lt1"/>
-          </a:fontRef>
-        </p:style>
-      </p:sp>
-      <p:sp>
-        <p:nvSpPr>
-          <p:cNvPr id="2" name="Title Placeholder 1"/>
-          <p:cNvSpPr>
-            <a:spLocks noGrp="1"/>
-          </p:cNvSpPr>
-          <p:nvPr>
-            <p:ph type="title"/>
+        <p:txBody>
+          <a:bodyPr vert="horz" lIns="91440" tIns="45720" rIns="91440" bIns="45720" rtlCol="0" anchor="ctr">
+            <a:normAutofit/>
+          </a:bodyPr>
+          <a:lstStyle/>
+          <a:p>
+            <a:r>
+              <a:rPr lang="ru-RU"/>
+              <a:t>Образец заголовка</a:t>
+            </a:r>
+            <a:endParaRPr lang="en-US" dirty="0"/>
+          </a:p>
+        </p:txBody>
+      </p:sp>
+      <p:sp>
+        <p:nvSpPr>
+          <p:cNvPr id="3" name="Text Placeholder 2"/>
+          <p:cNvSpPr>
+            <a:spLocks noGrp="1"/>
+          </p:cNvSpPr>
+          <p:nvPr>
+            <p:ph type="body" idx="1"/>
           </p:nvPr>
         </p:nvSpPr>
         <p:spPr>
           <a:xfrm>
-            <a:off x="1261872" y="365760"/>
-            <a:ext cx="9692640" cy="1325562"/>
+            <a:off x="913795" y="1732449"/>
+            <a:ext cx="10353762" cy="4058751"/>
+          </a:xfrm>
+          <a:prstGeom prst="rect">
+            <a:avLst/>
+          </a:prstGeom>
+          <a:effectLst>
+            <a:outerShdw blurRad="25400" dir="17880000">
+              <a:srgbClr val="000000">
+                <a:alpha val="46000"/>
+              </a:srgbClr>
+            </a:outerShdw>
+          </a:effectLst>
+        </p:spPr>
+        <p:txBody>
+          <a:bodyPr vert="horz" lIns="91440" tIns="45720" rIns="91440" bIns="45720" rtlCol="0" anchor="t">
+            <a:normAutofit/>
+          </a:bodyPr>
+          <a:lstStyle/>
+          <a:p>
+            <a:pPr lvl="0"/>
+            <a:r>
+              <a:rPr lang="ru-RU"/>
+              <a:t>Образец текста</a:t>
+            </a:r>
+          </a:p>
+          <a:p>
+            <a:pPr lvl="1"/>
+            <a:r>
+              <a:rPr lang="ru-RU"/>
+              <a:t>Второй уровень</a:t>
+            </a:r>
+          </a:p>
+          <a:p>
+            <a:pPr lvl="2"/>
+            <a:r>
+              <a:rPr lang="ru-RU"/>
+              <a:t>Третий уровень</a:t>
+            </a:r>
+          </a:p>
+          <a:p>
+            <a:pPr lvl="3"/>
+            <a:r>
+              <a:rPr lang="ru-RU"/>
+              <a:t>Четвертый уровень</a:t>
+            </a:r>
+          </a:p>
+          <a:p>
+            <a:pPr lvl="4"/>
+            <a:r>
+              <a:rPr lang="ru-RU"/>
+              <a:t>Пятый уровень</a:t>
+            </a:r>
+            <a:endParaRPr lang="en-US" dirty="0"/>
+          </a:p>
+        </p:txBody>
+      </p:sp>
+      <p:sp>
+        <p:nvSpPr>
+          <p:cNvPr id="4" name="Date Placeholder 3"/>
+          <p:cNvSpPr>
+            <a:spLocks noGrp="1"/>
+          </p:cNvSpPr>
+          <p:nvPr>
+            <p:ph type="dt" sz="half" idx="2"/>
+          </p:nvPr>
+        </p:nvSpPr>
+        <p:spPr>
+          <a:xfrm>
+            <a:off x="7678736" y="5883275"/>
+            <a:ext cx="2743200" cy="365125"/>
           </a:xfrm>
           <a:prstGeom prst="rect">
             <a:avLst/>
           </a:prstGeom>
         </p:spPr>
         <p:txBody>
-          <a:bodyPr vert="horz" lIns="91440" tIns="45720" rIns="91440" bIns="45720" rtlCol="0" anchor="b">
-            <a:normAutofit/>
-          </a:bodyPr>
-          <a:lstStyle/>
-          <a:p>
-            <a:r>
-              <a:rPr lang="ru-RU"/>
-              <a:t>Образец заголовка</a:t>
-            </a:r>
-            <a:endParaRPr lang="en-US" dirty="0"/>
-          </a:p>
-        </p:txBody>
-      </p:sp>
-      <p:sp>
-        <p:nvSpPr>
-          <p:cNvPr id="3" name="Text Placeholder 2"/>
-          <p:cNvSpPr>
-            <a:spLocks noGrp="1"/>
-          </p:cNvSpPr>
-          <p:nvPr>
-            <p:ph type="body" idx="1"/>
+          <a:bodyPr vert="horz" lIns="91440" tIns="45720" rIns="91440" bIns="45720" rtlCol="0" anchor="ctr"/>
+          <a:lstStyle>
+            <a:lvl1pPr algn="r">
+              <a:defRPr sz="1000">
+                <a:solidFill>
+                  <a:schemeClr val="tx1">
+                    <a:lumMod val="95000"/>
+                  </a:schemeClr>
+                </a:solidFill>
+                <a:effectLst>
+                  <a:outerShdw blurRad="50800" dist="38100" dir="2700000" algn="tl" rotWithShape="0">
+                    <a:schemeClr val="bg1">
+                      <a:alpha val="43000"/>
+                    </a:schemeClr>
+                  </a:outerShdw>
+                </a:effectLst>
+              </a:defRPr>
+            </a:lvl1pPr>
+          </a:lstStyle>
+          <a:p>
+            <a:fld id="{48ACC1D5-29FF-4169-8DB3-B8220BD14816}" type="datetimeFigureOut">
+              <a:rPr lang="en-001" smtClean="0"/>
+              <a:t>11/30/2020</a:t>
+            </a:fld>
+            <a:endParaRPr lang="en-001"/>
+          </a:p>
+        </p:txBody>
+      </p:sp>
+      <p:sp>
+        <p:nvSpPr>
+          <p:cNvPr id="5" name="Footer Placeholder 4"/>
+          <p:cNvSpPr>
+            <a:spLocks noGrp="1"/>
+          </p:cNvSpPr>
+          <p:nvPr>
+            <p:ph type="ftr" sz="quarter" idx="3"/>
           </p:nvPr>
         </p:nvSpPr>
         <p:spPr>
           <a:xfrm>
-            <a:off x="1261872" y="1828800"/>
-            <a:ext cx="8595360" cy="4351337"/>
+            <a:off x="913795" y="5883275"/>
+            <a:ext cx="6672865" cy="365125"/>
           </a:xfrm>
           <a:prstGeom prst="rect">
             <a:avLst/>
           </a:prstGeom>
         </p:spPr>
         <p:txBody>
-          <a:bodyPr vert="horz" lIns="91440" tIns="45720" rIns="91440" bIns="45720" rtlCol="0">
-            <a:normAutofit/>
-          </a:bodyPr>
-          <a:lstStyle/>
-          <a:p>
-            <a:pPr lvl="0"/>
-            <a:r>
-              <a:rPr lang="ru-RU"/>
-              <a:t>Образец текста</a:t>
-            </a:r>
-          </a:p>
-          <a:p>
-            <a:pPr lvl="1"/>
-            <a:r>
-              <a:rPr lang="ru-RU"/>
-              <a:t>Второй уровень</a:t>
-            </a:r>
-          </a:p>
-          <a:p>
-            <a:pPr lvl="2"/>
-            <a:r>
-              <a:rPr lang="ru-RU"/>
-              <a:t>Третий уровень</a:t>
-            </a:r>
-          </a:p>
-          <a:p>
-            <a:pPr lvl="3"/>
-            <a:r>
-              <a:rPr lang="ru-RU"/>
-              <a:t>Четвертый уровень</a:t>
-            </a:r>
-          </a:p>
-          <a:p>
-            <a:pPr lvl="4"/>
-            <a:r>
-              <a:rPr lang="ru-RU"/>
-              <a:t>Пятый уровень</a:t>
-            </a:r>
-            <a:endParaRPr lang="en-US" dirty="0"/>
-          </a:p>
-        </p:txBody>
-      </p:sp>
-      <p:sp>
-        <p:nvSpPr>
-          <p:cNvPr id="4" name="Date Placeholder 3"/>
-          <p:cNvSpPr>
-            <a:spLocks noGrp="1"/>
-          </p:cNvSpPr>
-          <p:nvPr>
-            <p:ph type="dt" sz="half" idx="2"/>
+          <a:bodyPr vert="horz" lIns="91440" tIns="45720" rIns="91440" bIns="45720" rtlCol="0" anchor="ctr"/>
+          <a:lstStyle>
+            <a:lvl1pPr algn="l">
+              <a:defRPr sz="1000">
+                <a:solidFill>
+                  <a:schemeClr val="tx1">
+                    <a:lumMod val="95000"/>
+                  </a:schemeClr>
+                </a:solidFill>
+                <a:effectLst>
+                  <a:outerShdw blurRad="50800" dist="38100" dir="2700000" algn="tl" rotWithShape="0">
+                    <a:schemeClr val="bg1">
+                      <a:alpha val="43000"/>
+                    </a:schemeClr>
+                  </a:outerShdw>
+                </a:effectLst>
+              </a:defRPr>
+            </a:lvl1pPr>
+          </a:lstStyle>
+          <a:p>
+            <a:endParaRPr lang="en-001"/>
+          </a:p>
+        </p:txBody>
+      </p:sp>
+      <p:sp>
+        <p:nvSpPr>
+          <p:cNvPr id="6" name="Slide Number Placeholder 5"/>
+          <p:cNvSpPr>
+            <a:spLocks noGrp="1"/>
+          </p:cNvSpPr>
+          <p:nvPr>
+            <p:ph type="sldNum" sz="quarter" idx="4"/>
           </p:nvPr>
         </p:nvSpPr>
         <p:spPr>
-          <a:xfrm rot="16200000">
-            <a:off x="10797542" y="998537"/>
-            <a:ext cx="1904999" cy="365125"/>
+          <a:xfrm>
+            <a:off x="10514011" y="5883275"/>
+            <a:ext cx="753545" cy="365125"/>
           </a:xfrm>
           <a:prstGeom prst="rect">
             <a:avLst/>
@@ -2960,95 +5426,19 @@
           <a:bodyPr vert="horz" lIns="91440" tIns="45720" rIns="91440" bIns="45720" rtlCol="0" anchor="ctr"/>
           <a:lstStyle>
             <a:lvl1pPr algn="r">
-              <a:defRPr sz="1050" b="0">
+              <a:defRPr sz="1000">
                 <a:solidFill>
-                  <a:schemeClr val="tx2">
-                    <a:lumMod val="20000"/>
-                    <a:lumOff val="80000"/>
+                  <a:schemeClr val="tx1">
+                    <a:lumMod val="95000"/>
                   </a:schemeClr>
                 </a:solidFill>
-              </a:defRPr>
-            </a:lvl1pPr>
-          </a:lstStyle>
-          <a:p>
-            <a:fld id="{48ACC1D5-29FF-4169-8DB3-B8220BD14816}" type="datetimeFigureOut">
-              <a:rPr lang="en-001" smtClean="0"/>
-              <a:t>17/11/2020</a:t>
-            </a:fld>
-            <a:endParaRPr lang="en-001"/>
-          </a:p>
-        </p:txBody>
-      </p:sp>
-      <p:sp>
-        <p:nvSpPr>
-          <p:cNvPr id="5" name="Footer Placeholder 4"/>
-          <p:cNvSpPr>
-            <a:spLocks noGrp="1"/>
-          </p:cNvSpPr>
-          <p:nvPr>
-            <p:ph type="ftr" sz="quarter" idx="3"/>
-          </p:nvPr>
-        </p:nvSpPr>
-        <p:spPr>
-          <a:xfrm rot="16200000">
-            <a:off x="9959341" y="4046537"/>
-            <a:ext cx="3581400" cy="365125"/>
-          </a:xfrm>
-          <a:prstGeom prst="rect">
-            <a:avLst/>
-          </a:prstGeom>
-        </p:spPr>
-        <p:txBody>
-          <a:bodyPr vert="horz" lIns="91440" tIns="45720" rIns="91440" bIns="45720" rtlCol="0" anchor="ctr"/>
-          <a:lstStyle>
-            <a:lvl1pPr algn="l">
-              <a:defRPr sz="1050">
-                <a:solidFill>
-                  <a:schemeClr val="tx2">
-                    <a:lumMod val="20000"/>
-                    <a:lumOff val="80000"/>
-                  </a:schemeClr>
-                </a:solidFill>
-              </a:defRPr>
-            </a:lvl1pPr>
-          </a:lstStyle>
-          <a:p>
-            <a:endParaRPr lang="en-001"/>
-          </a:p>
-        </p:txBody>
-      </p:sp>
-      <p:sp>
-        <p:nvSpPr>
-          <p:cNvPr id="6" name="Slide Number Placeholder 5"/>
-          <p:cNvSpPr>
-            <a:spLocks noGrp="1"/>
-          </p:cNvSpPr>
-          <p:nvPr>
-            <p:ph type="sldNum" sz="quarter" idx="4"/>
-          </p:nvPr>
-        </p:nvSpPr>
-        <p:spPr>
-          <a:xfrm>
-            <a:off x="11292840" y="6172200"/>
-            <a:ext cx="914400" cy="593725"/>
-          </a:xfrm>
-          <a:prstGeom prst="rect">
-            <a:avLst/>
-          </a:prstGeom>
-        </p:spPr>
-        <p:txBody>
-          <a:bodyPr vert="horz" lIns="45720" tIns="45720" rIns="45720" bIns="45720" rtlCol="0" anchor="ctr">
-            <a:normAutofit/>
-          </a:bodyPr>
-          <a:lstStyle>
-            <a:lvl1pPr algn="ctr">
-              <a:defRPr sz="3600">
-                <a:solidFill>
-                  <a:schemeClr val="tx2">
-                    <a:lumMod val="60000"/>
-                    <a:lumOff val="40000"/>
-                  </a:schemeClr>
-                </a:solidFill>
+                <a:effectLst>
+                  <a:outerShdw blurRad="50800" dist="38100" dir="2700000" algn="tl" rotWithShape="0">
+                    <a:schemeClr val="bg1">
+                      <a:alpha val="43000"/>
+                    </a:schemeClr>
+                  </a:outerShdw>
+                </a:effectLst>
               </a:defRPr>
             </a:lvl1pPr>
           </a:lstStyle>
@@ -3064,281 +5454,457 @@
     </p:spTree>
     <p:extLst>
       <p:ext uri="{BB962C8B-B14F-4D97-AF65-F5344CB8AC3E}">
-        <p14:creationId xmlns:p14="http://schemas.microsoft.com/office/powerpoint/2010/main" val="3478551382"/>
+        <p14:creationId xmlns:p14="http://schemas.microsoft.com/office/powerpoint/2010/main" val="1770763944"/>
       </p:ext>
     </p:extLst>
   </p:cSld>
-  <p:clrMap bg1="lt1" tx1="dk1" bg2="lt2" tx2="dk2" accent1="accent1" accent2="accent2" accent3="accent3" accent4="accent4" accent5="accent5" accent6="accent6" hlink="hlink" folHlink="folHlink"/>
+  <p:clrMap bg1="dk1" tx1="lt1" bg2="dk2" tx2="lt2" accent1="accent1" accent2="accent2" accent3="accent3" accent4="accent4" accent5="accent5" accent6="accent6" hlink="hlink" folHlink="folHlink"/>
   <p:sldLayoutIdLst>
-    <p:sldLayoutId id="2147483661" r:id="rId1"/>
-    <p:sldLayoutId id="2147483662" r:id="rId2"/>
-    <p:sldLayoutId id="2147483663" r:id="rId3"/>
-    <p:sldLayoutId id="2147483664" r:id="rId4"/>
-    <p:sldLayoutId id="2147483665" r:id="rId5"/>
-    <p:sldLayoutId id="2147483666" r:id="rId6"/>
-    <p:sldLayoutId id="2147483667" r:id="rId7"/>
-    <p:sldLayoutId id="2147483668" r:id="rId8"/>
-    <p:sldLayoutId id="2147483669" r:id="rId9"/>
-    <p:sldLayoutId id="2147483670" r:id="rId10"/>
-    <p:sldLayoutId id="2147483671" r:id="rId11"/>
+    <p:sldLayoutId id="2147483685" r:id="rId1"/>
+    <p:sldLayoutId id="2147483686" r:id="rId2"/>
+    <p:sldLayoutId id="2147483687" r:id="rId3"/>
+    <p:sldLayoutId id="2147483688" r:id="rId4"/>
+    <p:sldLayoutId id="2147483689" r:id="rId5"/>
+    <p:sldLayoutId id="2147483690" r:id="rId6"/>
+    <p:sldLayoutId id="2147483691" r:id="rId7"/>
+    <p:sldLayoutId id="2147483692" r:id="rId8"/>
+    <p:sldLayoutId id="2147483693" r:id="rId9"/>
+    <p:sldLayoutId id="2147483694" r:id="rId10"/>
+    <p:sldLayoutId id="2147483695" r:id="rId11"/>
+    <p:sldLayoutId id="2147483696" r:id="rId12"/>
+    <p:sldLayoutId id="2147483697" r:id="rId13"/>
+    <p:sldLayoutId id="2147483698" r:id="rId14"/>
+    <p:sldLayoutId id="2147483699" r:id="rId15"/>
+    <p:sldLayoutId id="2147483700" r:id="rId16"/>
+    <p:sldLayoutId id="2147483701" r:id="rId17"/>
   </p:sldLayoutIdLst>
   <p:txStyles>
     <p:titleStyle>
-      <a:lvl1pPr algn="l" defTabSz="914400" rtl="0" eaLnBrk="1" latinLnBrk="0" hangingPunct="1">
-        <a:lnSpc>
-          <a:spcPct val="90000"/>
-        </a:lnSpc>
+      <a:lvl1pPr algn="ctr" defTabSz="457200" rtl="0" eaLnBrk="1" latinLnBrk="0" hangingPunct="1">
         <a:spcBef>
           <a:spcPct val="0"/>
         </a:spcBef>
         <a:buNone/>
-        <a:defRPr sz="4400" kern="1200" spc="-50" baseline="0">
+        <a:defRPr sz="4000" kern="1200">
+          <a:ln>
+            <a:solidFill>
+              <a:schemeClr val="bg1">
+                <a:lumMod val="75000"/>
+                <a:lumOff val="25000"/>
+                <a:alpha val="10000"/>
+              </a:schemeClr>
+            </a:solidFill>
+          </a:ln>
           <a:solidFill>
-            <a:schemeClr val="tx1"/>
+            <a:schemeClr val="tx2"/>
           </a:solidFill>
+          <a:effectLst>
+            <a:outerShdw blurRad="9525" dist="25400" dir="14640000" algn="tl" rotWithShape="0">
+              <a:schemeClr val="bg1">
+                <a:alpha val="30000"/>
+              </a:schemeClr>
+            </a:outerShdw>
+          </a:effectLst>
           <a:latin typeface="+mj-lt"/>
           <a:ea typeface="+mj-ea"/>
-          <a:cs typeface="+mj-cs"/>
+          <a:cs typeface="Trebuchet MS"/>
         </a:defRPr>
       </a:lvl1pPr>
+      <a:lvl2pPr eaLnBrk="1" hangingPunct="1">
+        <a:defRPr>
+          <a:solidFill>
+            <a:schemeClr val="tx2"/>
+          </a:solidFill>
+        </a:defRPr>
+      </a:lvl2pPr>
+      <a:lvl3pPr eaLnBrk="1" hangingPunct="1">
+        <a:defRPr>
+          <a:solidFill>
+            <a:schemeClr val="tx2"/>
+          </a:solidFill>
+        </a:defRPr>
+      </a:lvl3pPr>
+      <a:lvl4pPr eaLnBrk="1" hangingPunct="1">
+        <a:defRPr>
+          <a:solidFill>
+            <a:schemeClr val="tx2"/>
+          </a:solidFill>
+        </a:defRPr>
+      </a:lvl4pPr>
+      <a:lvl5pPr eaLnBrk="1" hangingPunct="1">
+        <a:defRPr>
+          <a:solidFill>
+            <a:schemeClr val="tx2"/>
+          </a:solidFill>
+        </a:defRPr>
+      </a:lvl5pPr>
+      <a:lvl6pPr eaLnBrk="1" hangingPunct="1">
+        <a:defRPr>
+          <a:solidFill>
+            <a:schemeClr val="tx2"/>
+          </a:solidFill>
+        </a:defRPr>
+      </a:lvl6pPr>
+      <a:lvl7pPr eaLnBrk="1" hangingPunct="1">
+        <a:defRPr>
+          <a:solidFill>
+            <a:schemeClr val="tx2"/>
+          </a:solidFill>
+        </a:defRPr>
+      </a:lvl7pPr>
+      <a:lvl8pPr eaLnBrk="1" hangingPunct="1">
+        <a:defRPr>
+          <a:solidFill>
+            <a:schemeClr val="tx2"/>
+          </a:solidFill>
+        </a:defRPr>
+      </a:lvl8pPr>
+      <a:lvl9pPr eaLnBrk="1" hangingPunct="1">
+        <a:defRPr>
+          <a:solidFill>
+            <a:schemeClr val="tx2"/>
+          </a:solidFill>
+        </a:defRPr>
+      </a:lvl9pPr>
     </p:titleStyle>
     <p:bodyStyle>
-      <a:lvl1pPr marL="182880" indent="-182880" algn="l" defTabSz="914400" rtl="0" eaLnBrk="1" latinLnBrk="0" hangingPunct="1">
-        <a:lnSpc>
-          <a:spcPct val="95000"/>
-        </a:lnSpc>
+      <a:lvl1pPr marL="342900" indent="-306000" algn="l" defTabSz="457200" rtl="0" eaLnBrk="1" latinLnBrk="0" hangingPunct="1">
         <a:spcBef>
-          <a:spcPts val="1400"/>
+          <a:spcPct val="20000"/>
         </a:spcBef>
         <a:spcAft>
-          <a:spcPts val="200"/>
+          <a:spcPts val="600"/>
         </a:spcAft>
         <a:buClr>
-          <a:schemeClr val="accent1"/>
+          <a:schemeClr val="tx2"/>
         </a:buClr>
-        <a:buSzPct val="80000"/>
-        <a:buFont typeface="Arial" pitchFamily="34" charset="0"/>
-        <a:buChar char="•"/>
-        <a:defRPr sz="1800" kern="1200" spc="10" baseline="0">
+        <a:buSzPct val="70000"/>
+        <a:buFont typeface="Wingdings 2" charset="2"/>
+        <a:buChar char=""/>
+        <a:defRPr sz="2000" kern="1200">
+          <a:ln>
+            <a:solidFill>
+              <a:schemeClr val="bg1">
+                <a:lumMod val="75000"/>
+                <a:lumOff val="25000"/>
+                <a:alpha val="10000"/>
+              </a:schemeClr>
+            </a:solidFill>
+          </a:ln>
           <a:solidFill>
-            <a:schemeClr val="tx1"/>
+            <a:schemeClr val="tx2"/>
           </a:solidFill>
+          <a:effectLst>
+            <a:outerShdw blurRad="9525" dist="25400" dir="14640000" algn="tl" rotWithShape="0">
+              <a:schemeClr val="bg1">
+                <a:alpha val="30000"/>
+              </a:schemeClr>
+            </a:outerShdw>
+          </a:effectLst>
           <a:latin typeface="+mn-lt"/>
           <a:ea typeface="+mn-ea"/>
           <a:cs typeface="+mn-cs"/>
         </a:defRPr>
       </a:lvl1pPr>
-      <a:lvl2pPr marL="457200" indent="-182880" algn="l" defTabSz="914400" rtl="0" eaLnBrk="1" latinLnBrk="0" hangingPunct="1">
-        <a:lnSpc>
-          <a:spcPct val="90000"/>
-        </a:lnSpc>
+      <a:lvl2pPr marL="720000" indent="-270000" algn="l" defTabSz="457200" rtl="0" eaLnBrk="1" latinLnBrk="0" hangingPunct="1">
         <a:spcBef>
-          <a:spcPts val="300"/>
+          <a:spcPct val="20000"/>
         </a:spcBef>
         <a:spcAft>
-          <a:spcPts val="300"/>
+          <a:spcPts val="600"/>
         </a:spcAft>
         <a:buClr>
-          <a:schemeClr val="accent1"/>
+          <a:schemeClr val="tx2"/>
         </a:buClr>
-        <a:buFont typeface="Wingdings 2" pitchFamily="18" charset="2"/>
-        <a:buChar char=""/>
-        <a:defRPr sz="1600" kern="1200">
+        <a:buSzPct val="70000"/>
+        <a:buFont typeface="Wingdings 2" charset="2"/>
+        <a:buChar char=""/>
+        <a:defRPr sz="1800" kern="1200">
+          <a:ln>
+            <a:solidFill>
+              <a:schemeClr val="bg1">
+                <a:lumMod val="75000"/>
+                <a:lumOff val="25000"/>
+                <a:alpha val="10000"/>
+              </a:schemeClr>
+            </a:solidFill>
+          </a:ln>
           <a:solidFill>
-            <a:schemeClr val="tx1">
-              <a:lumMod val="85000"/>
-              <a:lumOff val="15000"/>
-            </a:schemeClr>
+            <a:schemeClr val="tx2"/>
           </a:solidFill>
+          <a:effectLst>
+            <a:outerShdw blurRad="9525" dist="25400" dir="14640000" algn="tl" rotWithShape="0">
+              <a:schemeClr val="bg1">
+                <a:alpha val="30000"/>
+              </a:schemeClr>
+            </a:outerShdw>
+          </a:effectLst>
           <a:latin typeface="+mn-lt"/>
           <a:ea typeface="+mn-ea"/>
           <a:cs typeface="+mn-cs"/>
         </a:defRPr>
       </a:lvl2pPr>
-      <a:lvl3pPr marL="731520" indent="-182880" algn="l" defTabSz="914400" rtl="0" eaLnBrk="1" latinLnBrk="0" hangingPunct="1">
-        <a:lnSpc>
-          <a:spcPct val="90000"/>
-        </a:lnSpc>
+      <a:lvl3pPr marL="1026000" indent="-216000" algn="l" defTabSz="457200" rtl="0" eaLnBrk="1" latinLnBrk="0" hangingPunct="1">
         <a:spcBef>
-          <a:spcPts val="300"/>
+          <a:spcPct val="20000"/>
         </a:spcBef>
         <a:spcAft>
-          <a:spcPts val="300"/>
+          <a:spcPts val="600"/>
         </a:spcAft>
         <a:buClr>
-          <a:schemeClr val="accent1"/>
+          <a:schemeClr val="tx2"/>
         </a:buClr>
-        <a:buFont typeface="Wingdings 2" pitchFamily="18" charset="2"/>
-        <a:buChar char=""/>
-        <a:defRPr sz="1400" kern="1200">
+        <a:buSzPct val="70000"/>
+        <a:buFont typeface="Wingdings 2" charset="2"/>
+        <a:buChar char=""/>
+        <a:defRPr sz="1600" kern="1200">
+          <a:ln>
+            <a:solidFill>
+              <a:schemeClr val="bg1">
+                <a:lumMod val="75000"/>
+                <a:lumOff val="25000"/>
+                <a:alpha val="10000"/>
+              </a:schemeClr>
+            </a:solidFill>
+          </a:ln>
           <a:solidFill>
-            <a:schemeClr val="tx1">
-              <a:lumMod val="85000"/>
-              <a:lumOff val="15000"/>
-            </a:schemeClr>
+            <a:schemeClr val="tx2"/>
           </a:solidFill>
+          <a:effectLst>
+            <a:outerShdw blurRad="9525" dist="25400" dir="14640000" algn="tl" rotWithShape="0">
+              <a:schemeClr val="bg1">
+                <a:alpha val="30000"/>
+              </a:schemeClr>
+            </a:outerShdw>
+          </a:effectLst>
           <a:latin typeface="+mn-lt"/>
           <a:ea typeface="+mn-ea"/>
           <a:cs typeface="+mn-cs"/>
         </a:defRPr>
       </a:lvl3pPr>
-      <a:lvl4pPr marL="1005840" indent="-182880" algn="l" defTabSz="914400" rtl="0" eaLnBrk="1" latinLnBrk="0" hangingPunct="1">
-        <a:lnSpc>
-          <a:spcPct val="90000"/>
-        </a:lnSpc>
+      <a:lvl4pPr marL="1386000" indent="-216000" algn="l" defTabSz="457200" rtl="0" eaLnBrk="1" latinLnBrk="0" hangingPunct="1">
         <a:spcBef>
-          <a:spcPts val="300"/>
+          <a:spcPct val="20000"/>
         </a:spcBef>
         <a:spcAft>
-          <a:spcPts val="300"/>
+          <a:spcPts val="600"/>
         </a:spcAft>
         <a:buClr>
-          <a:schemeClr val="accent1"/>
+          <a:schemeClr val="tx2"/>
         </a:buClr>
-        <a:buFont typeface="Wingdings 2" pitchFamily="18" charset="2"/>
-        <a:buChar char=""/>
+        <a:buSzPct val="70000"/>
+        <a:buFont typeface="Wingdings 2" charset="2"/>
+        <a:buChar char=""/>
         <a:defRPr sz="1400" kern="1200">
+          <a:ln>
+            <a:solidFill>
+              <a:schemeClr val="bg1">
+                <a:lumMod val="75000"/>
+                <a:lumOff val="25000"/>
+                <a:alpha val="10000"/>
+              </a:schemeClr>
+            </a:solidFill>
+          </a:ln>
           <a:solidFill>
-            <a:schemeClr val="tx1">
-              <a:lumMod val="85000"/>
-              <a:lumOff val="15000"/>
-            </a:schemeClr>
+            <a:schemeClr val="tx2"/>
           </a:solidFill>
+          <a:effectLst>
+            <a:outerShdw blurRad="9525" dist="25400" dir="14640000" algn="tl" rotWithShape="0">
+              <a:schemeClr val="bg1">
+                <a:alpha val="30000"/>
+              </a:schemeClr>
+            </a:outerShdw>
+          </a:effectLst>
           <a:latin typeface="+mn-lt"/>
           <a:ea typeface="+mn-ea"/>
           <a:cs typeface="+mn-cs"/>
         </a:defRPr>
       </a:lvl4pPr>
-      <a:lvl5pPr marL="1280160" indent="-182880" algn="l" defTabSz="914400" rtl="0" eaLnBrk="1" latinLnBrk="0" hangingPunct="1">
-        <a:lnSpc>
-          <a:spcPct val="90000"/>
-        </a:lnSpc>
+      <a:lvl5pPr marL="1674000" indent="-216000" algn="l" defTabSz="457200" rtl="0" eaLnBrk="1" latinLnBrk="0" hangingPunct="1">
         <a:spcBef>
-          <a:spcPts val="300"/>
+          <a:spcPct val="20000"/>
         </a:spcBef>
         <a:spcAft>
-          <a:spcPts val="300"/>
+          <a:spcPts val="600"/>
         </a:spcAft>
         <a:buClr>
-          <a:schemeClr val="accent1"/>
+          <a:schemeClr val="tx2"/>
         </a:buClr>
-        <a:buFont typeface="Wingdings 2" pitchFamily="18" charset="2"/>
-        <a:buChar char=""/>
+        <a:buSzPct val="70000"/>
+        <a:buFont typeface="Wingdings 2" charset="2"/>
+        <a:buChar char=""/>
         <a:defRPr sz="1400" kern="1200">
+          <a:ln>
+            <a:solidFill>
+              <a:schemeClr val="bg1">
+                <a:lumMod val="75000"/>
+                <a:lumOff val="25000"/>
+                <a:alpha val="10000"/>
+              </a:schemeClr>
+            </a:solidFill>
+          </a:ln>
           <a:solidFill>
-            <a:schemeClr val="tx1">
-              <a:lumMod val="85000"/>
-              <a:lumOff val="15000"/>
-            </a:schemeClr>
+            <a:schemeClr val="tx2"/>
           </a:solidFill>
+          <a:effectLst>
+            <a:outerShdw blurRad="9525" dist="25400" dir="14640000" algn="tl" rotWithShape="0">
+              <a:schemeClr val="bg1">
+                <a:alpha val="30000"/>
+              </a:schemeClr>
+            </a:outerShdw>
+          </a:effectLst>
           <a:latin typeface="+mn-lt"/>
           <a:ea typeface="+mn-ea"/>
           <a:cs typeface="+mn-cs"/>
         </a:defRPr>
       </a:lvl5pPr>
-      <a:lvl6pPr marL="1600000" indent="-228600" algn="l" defTabSz="914400" rtl="0" eaLnBrk="1" latinLnBrk="0" hangingPunct="1">
-        <a:lnSpc>
-          <a:spcPct val="90000"/>
-        </a:lnSpc>
+      <a:lvl6pPr marL="2014600" indent="-228600" algn="l" defTabSz="457200" rtl="0" eaLnBrk="1" latinLnBrk="0" hangingPunct="1">
         <a:spcBef>
-          <a:spcPts val="300"/>
+          <a:spcPct val="20000"/>
         </a:spcBef>
         <a:spcAft>
-          <a:spcPts val="300"/>
+          <a:spcPts val="600"/>
         </a:spcAft>
         <a:buClr>
-          <a:schemeClr val="accent1"/>
+          <a:schemeClr val="tx2"/>
         </a:buClr>
-        <a:buFont typeface="Wingdings 2" pitchFamily="18" charset="2"/>
-        <a:buChar char=""/>
+        <a:buSzPct val="70000"/>
+        <a:buFont typeface="Wingdings 2" charset="2"/>
+        <a:buChar char=""/>
         <a:defRPr sz="1400" kern="1200">
+          <a:ln>
+            <a:solidFill>
+              <a:schemeClr val="bg1">
+                <a:lumMod val="75000"/>
+                <a:lumOff val="25000"/>
+                <a:alpha val="10000"/>
+              </a:schemeClr>
+            </a:solidFill>
+          </a:ln>
           <a:solidFill>
-            <a:schemeClr val="tx1">
-              <a:lumMod val="85000"/>
-              <a:lumOff val="15000"/>
-            </a:schemeClr>
+            <a:schemeClr val="tx2"/>
           </a:solidFill>
+          <a:effectLst>
+            <a:outerShdw blurRad="9525" dist="25400" dir="14640000" algn="tl" rotWithShape="0">
+              <a:schemeClr val="bg1">
+                <a:alpha val="30000"/>
+              </a:schemeClr>
+            </a:outerShdw>
+          </a:effectLst>
           <a:latin typeface="+mn-lt"/>
           <a:ea typeface="+mn-ea"/>
           <a:cs typeface="+mn-cs"/>
         </a:defRPr>
       </a:lvl6pPr>
-      <a:lvl7pPr marL="1900000" indent="-228600" algn="l" defTabSz="914400" rtl="0" eaLnBrk="1" latinLnBrk="0" hangingPunct="1">
-        <a:lnSpc>
-          <a:spcPct val="90000"/>
-        </a:lnSpc>
+      <a:lvl7pPr marL="2401800" indent="-228600" algn="l" defTabSz="457200" rtl="0" eaLnBrk="1" latinLnBrk="0" hangingPunct="1">
         <a:spcBef>
-          <a:spcPts val="300"/>
+          <a:spcPct val="20000"/>
         </a:spcBef>
         <a:spcAft>
-          <a:spcPts val="300"/>
+          <a:spcPts val="600"/>
         </a:spcAft>
         <a:buClr>
-          <a:schemeClr val="accent1"/>
+          <a:schemeClr val="tx2"/>
         </a:buClr>
-        <a:buFont typeface="Wingdings 2" pitchFamily="18" charset="2"/>
-        <a:buChar char=""/>
+        <a:buSzPct val="70000"/>
+        <a:buFont typeface="Wingdings 2" charset="2"/>
+        <a:buChar char=""/>
         <a:defRPr sz="1400" kern="1200">
+          <a:ln>
+            <a:solidFill>
+              <a:schemeClr val="bg1">
+                <a:lumMod val="75000"/>
+                <a:lumOff val="25000"/>
+                <a:alpha val="10000"/>
+              </a:schemeClr>
+            </a:solidFill>
+          </a:ln>
           <a:solidFill>
-            <a:schemeClr val="tx1">
-              <a:lumMod val="85000"/>
-              <a:lumOff val="15000"/>
-            </a:schemeClr>
+            <a:schemeClr val="tx2"/>
           </a:solidFill>
+          <a:effectLst>
+            <a:outerShdw blurRad="9525" dist="25400" dir="14640000" algn="tl" rotWithShape="0">
+              <a:schemeClr val="bg1">
+                <a:alpha val="30000"/>
+              </a:schemeClr>
+            </a:outerShdw>
+          </a:effectLst>
           <a:latin typeface="+mn-lt"/>
           <a:ea typeface="+mn-ea"/>
           <a:cs typeface="+mn-cs"/>
         </a:defRPr>
       </a:lvl7pPr>
-      <a:lvl8pPr marL="2200000" indent="-228600" algn="l" defTabSz="914400" rtl="0" eaLnBrk="1" latinLnBrk="0" hangingPunct="1">
-        <a:lnSpc>
-          <a:spcPct val="90000"/>
-        </a:lnSpc>
+      <a:lvl8pPr marL="2789000" indent="-228600" algn="l" defTabSz="457200" rtl="0" eaLnBrk="1" latinLnBrk="0" hangingPunct="1">
         <a:spcBef>
-          <a:spcPts val="300"/>
+          <a:spcPct val="20000"/>
         </a:spcBef>
         <a:spcAft>
-          <a:spcPts val="300"/>
+          <a:spcPts val="600"/>
         </a:spcAft>
         <a:buClr>
-          <a:schemeClr val="accent1"/>
+          <a:schemeClr val="tx2"/>
         </a:buClr>
-        <a:buFont typeface="Wingdings 2" pitchFamily="18" charset="2"/>
-        <a:buChar char=""/>
+        <a:buSzPct val="70000"/>
+        <a:buFont typeface="Wingdings 2" charset="2"/>
+        <a:buChar char=""/>
         <a:defRPr sz="1400" kern="1200">
+          <a:ln>
+            <a:solidFill>
+              <a:schemeClr val="bg1">
+                <a:lumMod val="75000"/>
+                <a:lumOff val="25000"/>
+                <a:alpha val="10000"/>
+              </a:schemeClr>
+            </a:solidFill>
+          </a:ln>
           <a:solidFill>
-            <a:schemeClr val="tx1">
-              <a:lumMod val="85000"/>
-              <a:lumOff val="15000"/>
-            </a:schemeClr>
+            <a:schemeClr val="tx2"/>
           </a:solidFill>
+          <a:effectLst>
+            <a:outerShdw blurRad="9525" dist="25400" dir="14640000" algn="tl" rotWithShape="0">
+              <a:schemeClr val="bg1">
+                <a:alpha val="30000"/>
+              </a:schemeClr>
+            </a:outerShdw>
+          </a:effectLst>
           <a:latin typeface="+mn-lt"/>
           <a:ea typeface="+mn-ea"/>
           <a:cs typeface="+mn-cs"/>
         </a:defRPr>
       </a:lvl8pPr>
-      <a:lvl9pPr marL="2500000" indent="-228600" algn="l" defTabSz="914400" rtl="0" eaLnBrk="1" latinLnBrk="0" hangingPunct="1">
-        <a:lnSpc>
-          <a:spcPct val="90000"/>
-        </a:lnSpc>
+      <a:lvl9pPr marL="3106200" indent="-228600" algn="l" defTabSz="457200" rtl="0" eaLnBrk="1" latinLnBrk="0" hangingPunct="1">
         <a:spcBef>
-          <a:spcPts val="300"/>
+          <a:spcPct val="20000"/>
         </a:spcBef>
         <a:spcAft>
-          <a:spcPts val="300"/>
+          <a:spcPts val="600"/>
         </a:spcAft>
         <a:buClr>
-          <a:schemeClr val="accent1"/>
+          <a:schemeClr val="tx2"/>
         </a:buClr>
-        <a:buFont typeface="Wingdings 2" pitchFamily="18" charset="2"/>
-        <a:buChar char=""/>
+        <a:buSzPct val="70000"/>
+        <a:buFont typeface="Wingdings 2" charset="2"/>
+        <a:buChar char=""/>
         <a:defRPr sz="1400" kern="1200">
+          <a:ln>
+            <a:solidFill>
+              <a:schemeClr val="bg1">
+                <a:lumMod val="75000"/>
+                <a:lumOff val="25000"/>
+                <a:alpha val="10000"/>
+              </a:schemeClr>
+            </a:solidFill>
+          </a:ln>
           <a:solidFill>
-            <a:schemeClr val="tx1">
-              <a:lumMod val="85000"/>
-              <a:lumOff val="15000"/>
-            </a:schemeClr>
+            <a:schemeClr val="tx2"/>
           </a:solidFill>
+          <a:effectLst>
+            <a:outerShdw blurRad="9525" dist="25400" dir="14640000" algn="tl" rotWithShape="0">
+              <a:schemeClr val="bg1">
+                <a:alpha val="30000"/>
+              </a:schemeClr>
+            </a:outerShdw>
+          </a:effectLst>
           <a:latin typeface="+mn-lt"/>
           <a:ea typeface="+mn-ea"/>
           <a:cs typeface="+mn-cs"/>
@@ -3349,7 +5915,7 @@
       <a:defPPr>
         <a:defRPr lang="en-US"/>
       </a:defPPr>
-      <a:lvl1pPr marL="0" algn="l" defTabSz="914400" rtl="0" eaLnBrk="1" latinLnBrk="0" hangingPunct="1">
+      <a:lvl1pPr marL="0" algn="l" defTabSz="457200" rtl="0" eaLnBrk="1" latinLnBrk="0" hangingPunct="1">
         <a:defRPr sz="1800" kern="1200">
           <a:solidFill>
             <a:schemeClr val="tx1"/>
@@ -3359,7 +5925,7 @@
           <a:cs typeface="+mn-cs"/>
         </a:defRPr>
       </a:lvl1pPr>
-      <a:lvl2pPr marL="457200" algn="l" defTabSz="914400" rtl="0" eaLnBrk="1" latinLnBrk="0" hangingPunct="1">
+      <a:lvl2pPr marL="457200" algn="l" defTabSz="457200" rtl="0" eaLnBrk="1" latinLnBrk="0" hangingPunct="1">
         <a:defRPr sz="1800" kern="1200">
           <a:solidFill>
             <a:schemeClr val="tx1"/>
@@ -3369,7 +5935,7 @@
           <a:cs typeface="+mn-cs"/>
         </a:defRPr>
       </a:lvl2pPr>
-      <a:lvl3pPr marL="914400" algn="l" defTabSz="914400" rtl="0" eaLnBrk="1" latinLnBrk="0" hangingPunct="1">
+      <a:lvl3pPr marL="914400" algn="l" defTabSz="457200" rtl="0" eaLnBrk="1" latinLnBrk="0" hangingPunct="1">
         <a:defRPr sz="1800" kern="1200">
           <a:solidFill>
             <a:schemeClr val="tx1"/>
@@ -3379,7 +5945,7 @@
           <a:cs typeface="+mn-cs"/>
         </a:defRPr>
       </a:lvl3pPr>
-      <a:lvl4pPr marL="1371600" algn="l" defTabSz="914400" rtl="0" eaLnBrk="1" latinLnBrk="0" hangingPunct="1">
+      <a:lvl4pPr marL="1371600" algn="l" defTabSz="457200" rtl="0" eaLnBrk="1" latinLnBrk="0" hangingPunct="1">
         <a:defRPr sz="1800" kern="1200">
           <a:solidFill>
             <a:schemeClr val="tx1"/>
@@ -3389,7 +5955,7 @@
           <a:cs typeface="+mn-cs"/>
         </a:defRPr>
       </a:lvl4pPr>
-      <a:lvl5pPr marL="1828800" algn="l" defTabSz="914400" rtl="0" eaLnBrk="1" latinLnBrk="0" hangingPunct="1">
+      <a:lvl5pPr marL="1828800" algn="l" defTabSz="457200" rtl="0" eaLnBrk="1" latinLnBrk="0" hangingPunct="1">
         <a:defRPr sz="1800" kern="1200">
           <a:solidFill>
             <a:schemeClr val="tx1"/>
@@ -3399,7 +5965,7 @@
           <a:cs typeface="+mn-cs"/>
         </a:defRPr>
       </a:lvl5pPr>
-      <a:lvl6pPr marL="2286000" algn="l" defTabSz="914400" rtl="0" eaLnBrk="1" latinLnBrk="0" hangingPunct="1">
+      <a:lvl6pPr marL="2286000" algn="l" defTabSz="457200" rtl="0" eaLnBrk="1" latinLnBrk="0" hangingPunct="1">
         <a:defRPr sz="1800" kern="1200">
           <a:solidFill>
             <a:schemeClr val="tx1"/>
@@ -3409,7 +5975,7 @@
           <a:cs typeface="+mn-cs"/>
         </a:defRPr>
       </a:lvl6pPr>
-      <a:lvl7pPr marL="2743200" algn="l" defTabSz="914400" rtl="0" eaLnBrk="1" latinLnBrk="0" hangingPunct="1">
+      <a:lvl7pPr marL="2743200" algn="l" defTabSz="457200" rtl="0" eaLnBrk="1" latinLnBrk="0" hangingPunct="1">
         <a:defRPr sz="1800" kern="1200">
           <a:solidFill>
             <a:schemeClr val="tx1"/>
@@ -3419,7 +5985,7 @@
           <a:cs typeface="+mn-cs"/>
         </a:defRPr>
       </a:lvl7pPr>
-      <a:lvl8pPr marL="3200400" algn="l" defTabSz="914400" rtl="0" eaLnBrk="1" latinLnBrk="0" hangingPunct="1">
+      <a:lvl8pPr marL="3200400" algn="l" defTabSz="457200" rtl="0" eaLnBrk="1" latinLnBrk="0" hangingPunct="1">
         <a:defRPr sz="1800" kern="1200">
           <a:solidFill>
             <a:schemeClr val="tx1"/>
@@ -3429,7 +5995,7 @@
           <a:cs typeface="+mn-cs"/>
         </a:defRPr>
       </a:lvl8pPr>
-      <a:lvl9pPr marL="3657600" algn="l" defTabSz="914400" rtl="0" eaLnBrk="1" latinLnBrk="0" hangingPunct="1">
+      <a:lvl9pPr marL="3657600" algn="l" defTabSz="457200" rtl="0" eaLnBrk="1" latinLnBrk="0" hangingPunct="1">
         <a:defRPr sz="1800" kern="1200">
           <a:solidFill>
             <a:schemeClr val="tx1"/>
@@ -3784,7 +6350,7 @@
         </p:spPr>
         <p:txBody>
           <a:bodyPr>
-            <a:normAutofit/>
+            <a:normAutofit fontScale="92500" lnSpcReduction="10000"/>
           </a:bodyPr>
           <a:lstStyle/>
           <a:p>
@@ -3944,7 +6510,7 @@
         </p:spPr>
         <p:txBody>
           <a:bodyPr>
-            <a:normAutofit fontScale="62500" lnSpcReduction="20000"/>
+            <a:normAutofit fontScale="55000" lnSpcReduction="20000"/>
           </a:bodyPr>
           <a:lstStyle/>
           <a:p>
@@ -4215,7 +6781,7 @@
         </p:spPr>
         <p:txBody>
           <a:bodyPr>
-            <a:normAutofit fontScale="85000" lnSpcReduction="10000"/>
+            <a:normAutofit fontScale="77500" lnSpcReduction="20000"/>
           </a:bodyPr>
           <a:lstStyle/>
           <a:p>
@@ -4345,7 +6911,7 @@
         </p:spPr>
         <p:txBody>
           <a:bodyPr>
-            <a:normAutofit fontScale="62500" lnSpcReduction="20000"/>
+            <a:normAutofit fontScale="55000" lnSpcReduction="20000"/>
           </a:bodyPr>
           <a:lstStyle/>
           <a:p>
@@ -4575,7 +7141,7 @@
         </p:spPr>
         <p:txBody>
           <a:bodyPr>
-            <a:normAutofit fontScale="62500" lnSpcReduction="20000"/>
+            <a:normAutofit fontScale="55000" lnSpcReduction="20000"/>
           </a:bodyPr>
           <a:lstStyle/>
           <a:p>
@@ -4913,7 +7479,7 @@
         </p:spPr>
         <p:txBody>
           <a:bodyPr>
-            <a:normAutofit/>
+            <a:normAutofit fontScale="92500" lnSpcReduction="10000"/>
           </a:bodyPr>
           <a:lstStyle/>
           <a:p>
@@ -5058,58 +7624,58 @@
 </file>
 
 <file path=ppt/theme/theme1.xml><?xml version="1.0" encoding="utf-8"?>
-<a:theme xmlns:a="http://schemas.openxmlformats.org/drawingml/2006/main" name="Вид">
+<a:theme xmlns:a="http://schemas.openxmlformats.org/drawingml/2006/main" name="Сланец">
   <a:themeElements>
-    <a:clrScheme name="Вид">
+    <a:clrScheme name="Сланец">
       <a:dk1>
-        <a:srgbClr val="000000"/>
+        <a:sysClr val="windowText" lastClr="000000"/>
       </a:dk1>
       <a:lt1>
-        <a:srgbClr val="FFFFFF"/>
+        <a:sysClr val="window" lastClr="FFFFFF"/>
       </a:lt1>
       <a:dk2>
-        <a:srgbClr val="46464A"/>
+        <a:srgbClr val="212123"/>
       </a:dk2>
       <a:lt2>
-        <a:srgbClr val="D6D3CC"/>
+        <a:srgbClr val="DADADA"/>
       </a:lt2>
       <a:accent1>
-        <a:srgbClr val="6F6F74"/>
+        <a:srgbClr val="BC451B"/>
       </a:accent1>
       <a:accent2>
-        <a:srgbClr val="92A9B9"/>
+        <a:srgbClr val="D3BA68"/>
       </a:accent2>
       <a:accent3>
-        <a:srgbClr val="A7B789"/>
+        <a:srgbClr val="BB8640"/>
       </a:accent3>
       <a:accent4>
-        <a:srgbClr val="B9A489"/>
+        <a:srgbClr val="AD9277"/>
       </a:accent4>
       <a:accent5>
-        <a:srgbClr val="8D6374"/>
+        <a:srgbClr val="A55A43"/>
       </a:accent5>
       <a:accent6>
-        <a:srgbClr val="9B7362"/>
+        <a:srgbClr val="AD9D7B"/>
       </a:accent6>
       <a:hlink>
-        <a:srgbClr val="67AABF"/>
+        <a:srgbClr val="E98052"/>
       </a:hlink>
       <a:folHlink>
-        <a:srgbClr val="ABAFA5"/>
+        <a:srgbClr val="F4B69B"/>
       </a:folHlink>
     </a:clrScheme>
-    <a:fontScheme name="Вид">
+    <a:fontScheme name="Сланец">
       <a:majorFont>
-        <a:latin typeface="Century Schoolbook" panose="02040604050505020304"/>
+        <a:latin typeface="Calisto MT" panose="02040603050505030304"/>
         <a:ea typeface=""/>
         <a:cs typeface=""/>
-        <a:font script="Jpan" typeface="ＭＳ ゴシック"/>
-        <a:font script="Hang" typeface="맑은 고딕"/>
-        <a:font script="Hans" typeface="宋体"/>
-        <a:font script="Hant" typeface="新細明體"/>
-        <a:font script="Arab" typeface="Tahoma"/>
-        <a:font script="Hebr" typeface="Gisha"/>
-        <a:font script="Thai" typeface="DilleniaUPC"/>
+        <a:font script="Jpan" typeface="ＭＳ Ｐゴシック"/>
+        <a:font script="Hang" typeface="돋움"/>
+        <a:font script="Hans" typeface="方正舒体"/>
+        <a:font script="Hant" typeface="微軟正黑體"/>
+        <a:font script="Arab" typeface="Arial"/>
+        <a:font script="Hebr" typeface="Arial"/>
+        <a:font script="Thai" typeface="Cordia New"/>
         <a:font script="Ethi" typeface="Nyala"/>
         <a:font script="Beng" typeface="Vrinda"/>
         <a:font script="Gujr" typeface="Shruti"/>
@@ -5130,21 +7696,21 @@
         <a:font script="Laoo" typeface="DokChampa"/>
         <a:font script="Sinh" typeface="Iskoola Pota"/>
         <a:font script="Mong" typeface="Mongolian Baiti"/>
-        <a:font script="Viet" typeface="Tahoma"/>
+        <a:font script="Viet" typeface="Arial"/>
         <a:font script="Uigh" typeface="Microsoft Uighur"/>
         <a:font script="Geor" typeface="Sylfaen"/>
       </a:majorFont>
       <a:minorFont>
-        <a:latin typeface="Century Schoolbook" panose="02040604050505020304"/>
+        <a:latin typeface="Calisto MT" panose="02040603050505030304"/>
         <a:ea typeface=""/>
         <a:cs typeface=""/>
-        <a:font script="Jpan" typeface="ＭＳ ゴシック"/>
-        <a:font script="Hang" typeface="맑은 고딕"/>
-        <a:font script="Hans" typeface="宋体"/>
-        <a:font script="Hant" typeface="新細明體"/>
-        <a:font script="Arab" typeface="Tahoma"/>
-        <a:font script="Hebr" typeface="Gisha"/>
-        <a:font script="Thai" typeface="DilleniaUPC"/>
+        <a:font script="Jpan" typeface="ＭＳ Ｐゴシック"/>
+        <a:font script="Hang" typeface="돋움"/>
+        <a:font script="Hans" typeface="方正舒体"/>
+        <a:font script="Hant" typeface="微軟正黑體"/>
+        <a:font script="Arab" typeface="Arial"/>
+        <a:font script="Hebr" typeface="Arial"/>
+        <a:font script="Thai" typeface="Cordia New"/>
         <a:font script="Ethi" typeface="Nyala"/>
         <a:font script="Beng" typeface="Vrinda"/>
         <a:font script="Gujr" typeface="Shruti"/>
@@ -5165,49 +7731,68 @@
         <a:font script="Laoo" typeface="DokChampa"/>
         <a:font script="Sinh" typeface="Iskoola Pota"/>
         <a:font script="Mong" typeface="Mongolian Baiti"/>
-        <a:font script="Viet" typeface="Verdana"/>
+        <a:font script="Viet" typeface="Arial"/>
         <a:font script="Uigh" typeface="Microsoft Uighur"/>
         <a:font script="Geor" typeface="Sylfaen"/>
       </a:minorFont>
     </a:fontScheme>
-    <a:fmtScheme name="Вид">
+    <a:fmtScheme name="Сланец">
       <a:fillStyleLst>
         <a:solidFill>
           <a:schemeClr val="phClr"/>
         </a:solidFill>
-        <a:solidFill>
-          <a:schemeClr val="phClr">
-            <a:tint val="60000"/>
-            <a:satMod val="120000"/>
-          </a:schemeClr>
-        </a:solidFill>
-        <a:solidFill>
-          <a:schemeClr val="phClr">
-            <a:shade val="75000"/>
-            <a:satMod val="160000"/>
-          </a:schemeClr>
-        </a:solidFill>
+        <a:gradFill rotWithShape="1">
+          <a:gsLst>
+            <a:gs pos="0">
+              <a:schemeClr val="phClr">
+                <a:tint val="60000"/>
+                <a:lumMod val="110000"/>
+              </a:schemeClr>
+            </a:gs>
+            <a:gs pos="100000">
+              <a:schemeClr val="phClr">
+                <a:tint val="88000"/>
+              </a:schemeClr>
+            </a:gs>
+          </a:gsLst>
+          <a:lin ang="5400000" scaled="0"/>
+        </a:gradFill>
+        <a:gradFill rotWithShape="1">
+          <a:gsLst>
+            <a:gs pos="0">
+              <a:schemeClr val="phClr">
+                <a:tint val="96000"/>
+                <a:lumMod val="104000"/>
+              </a:schemeClr>
+            </a:gs>
+            <a:gs pos="100000">
+              <a:schemeClr val="phClr">
+                <a:shade val="90000"/>
+                <a:lumMod val="90000"/>
+              </a:schemeClr>
+            </a:gs>
+          </a:gsLst>
+          <a:lin ang="5400000" scaled="0"/>
+        </a:gradFill>
       </a:fillStyleLst>
       <a:lnStyleLst>
-        <a:ln w="9525" cap="flat" cmpd="sng" algn="ctr">
+        <a:ln w="9525" cap="rnd" cmpd="sng" algn="ctr">
+          <a:solidFill>
+            <a:schemeClr val="phClr">
+              <a:shade val="90000"/>
+            </a:schemeClr>
+          </a:solidFill>
+          <a:prstDash val="solid"/>
+        </a:ln>
+        <a:ln w="15875" cap="rnd" cmpd="sng" algn="ctr">
           <a:solidFill>
             <a:schemeClr val="phClr"/>
           </a:solidFill>
           <a:prstDash val="solid"/>
         </a:ln>
-        <a:ln w="13970" cap="flat" cmpd="sng" algn="ctr">
+        <a:ln w="25400" cap="rnd" cmpd="sng" algn="ctr">
           <a:solidFill>
             <a:schemeClr val="phClr"/>
-          </a:solidFill>
-          <a:prstDash val="solid"/>
-        </a:ln>
-        <a:ln w="17145" cap="flat" cmpd="sng" algn="ctr">
-          <a:solidFill>
-            <a:schemeClr val="phClr">
-              <a:shade val="95000"/>
-              <a:alpha val="95000"/>
-              <a:satMod val="150000"/>
-            </a:schemeClr>
           </a:solidFill>
           <a:prstDash val="solid"/>
         </a:ln>
@@ -5218,7 +7803,16 @@
         </a:effectStyle>
         <a:effectStyle>
           <a:effectLst>
-            <a:outerShdw blurRad="50800" dist="15240" dir="5400000" algn="tl" rotWithShape="0">
+            <a:outerShdw blurRad="63500" dist="25400" dir="5400000" rotWithShape="0">
+              <a:srgbClr val="000000">
+                <a:alpha val="60000"/>
+              </a:srgbClr>
+            </a:outerShdw>
+          </a:effectLst>
+        </a:effectStyle>
+        <a:effectStyle>
+          <a:effectLst>
+            <a:outerShdw blurRad="76200" dist="38100" dir="5400000" rotWithShape="0">
               <a:srgbClr val="000000">
                 <a:alpha val="75000"/>
               </a:srgbClr>
@@ -5228,40 +7822,12 @@
             <a:camera prst="orthographicFront">
               <a:rot lat="0" lon="0" rev="0"/>
             </a:camera>
-            <a:lightRig rig="brightRoom" dir="tl"/>
+            <a:lightRig rig="threePt" dir="t">
+              <a:rot lat="0" lon="0" rev="1200000"/>
+            </a:lightRig>
           </a:scene3d>
-          <a:sp3d contourW="9525" prstMaterial="flat">
-            <a:bevelT w="0" h="0" prst="coolSlant"/>
-            <a:contourClr>
-              <a:schemeClr val="phClr">
-                <a:shade val="35000"/>
-                <a:satMod val="130000"/>
-              </a:schemeClr>
-            </a:contourClr>
-          </a:sp3d>
-        </a:effectStyle>
-        <a:effectStyle>
-          <a:effectLst>
-            <a:outerShdw blurRad="76200" dist="25400" dir="5400000" algn="tl" rotWithShape="0">
-              <a:srgbClr val="000000">
-                <a:alpha val="55000"/>
-              </a:srgbClr>
-            </a:outerShdw>
-          </a:effectLst>
-          <a:scene3d>
-            <a:camera prst="orthographicFront">
-              <a:rot lat="0" lon="0" rev="0"/>
-            </a:camera>
-            <a:lightRig rig="brightRoom" dir="tl"/>
-          </a:scene3d>
-          <a:sp3d contourW="19050" prstMaterial="flat">
-            <a:bevelT w="0" h="0" prst="coolSlant"/>
-            <a:contourClr>
-              <a:schemeClr val="phClr">
-                <a:shade val="25000"/>
-                <a:satMod val="140000"/>
-              </a:schemeClr>
-            </a:contourClr>
+          <a:sp3d>
+            <a:bevelT w="63500" h="25400" prst="hardEdge"/>
           </a:sp3d>
         </a:effectStyle>
       </a:effectStyleLst>
@@ -5270,33 +7836,22 @@
           <a:schemeClr val="phClr"/>
         </a:solidFill>
         <a:solidFill>
-          <a:schemeClr val="phClr">
-            <a:tint val="95000"/>
-            <a:satMod val="170000"/>
-          </a:schemeClr>
+          <a:schemeClr val="phClr"/>
         </a:solidFill>
-        <a:gradFill rotWithShape="1">
-          <a:gsLst>
-            <a:gs pos="0">
+        <a:blipFill rotWithShape="1">
+          <a:blip xmlns:r="http://schemas.openxmlformats.org/officeDocument/2006/relationships" r:embed="rId1">
+            <a:duotone>
               <a:schemeClr val="phClr">
-                <a:tint val="94000"/>
-                <a:shade val="98000"/>
-                <a:satMod val="130000"/>
-                <a:lumMod val="102000"/>
+                <a:shade val="80000"/>
+                <a:lumMod val="80000"/>
               </a:schemeClr>
-            </a:gs>
-            <a:gs pos="100000">
               <a:schemeClr val="phClr">
                 <a:tint val="98000"/>
-                <a:shade val="78000"/>
-                <a:satMod val="140000"/>
               </a:schemeClr>
-            </a:gs>
-          </a:gsLst>
-          <a:path path="circle">
-            <a:fillToRect l="100000" t="100000" r="100000" b="100000"/>
-          </a:path>
-        </a:gradFill>
+            </a:duotone>
+          </a:blip>
+          <a:stretch/>
+        </a:blipFill>
       </a:bgFillStyleLst>
     </a:fmtScheme>
   </a:themeElements>
@@ -5304,7 +7859,7 @@
   <a:extraClrSchemeLst/>
   <a:extLst>
     <a:ext uri="{05A4C25C-085E-4340-85A3-A5531E510DB2}">
-      <thm15:themeFamily xmlns:thm15="http://schemas.microsoft.com/office/thememl/2012/main" name="View" id="{BA0EB5A6-F2D4-4F82-977B-64ADEE4A2A69}" vid="{3969A8A2-35DB-4E3B-8885-16FD20568674}"/>
+      <thm15:themeFamily xmlns:thm15="http://schemas.microsoft.com/office/thememl/2012/main" name="Slate" id="{C3F70B94-7CE9-428E-ADC1-3269CC2C3385}" vid="{3F2DE9A5-64E6-437C-A389-CC4477E817E8}"/>
     </a:ext>
   </a:extLst>
 </a:theme>
